--- a/5_Final_Outputs/Final_Presentation.pptx
+++ b/5_Final_Outputs/Final_Presentation.pptx
@@ -1,18 +1,25 @@
 
 <file path=ppt/presentation.xml><?xml version="1.0" encoding="utf-8"?>
-<p:presentation xmlns:a="http://schemas.openxmlformats.org/drawingml/2006/main" xmlns:r="http://schemas.openxmlformats.org/officeDocument/2006/relationships" xmlns:p="http://schemas.openxmlformats.org/presentationml/2006/main" saveSubsetFonts="1" autoCompressPictures="0">
+<p:presentation xmlns:a="http://schemas.openxmlformats.org/drawingml/2006/main" xmlns:r="http://schemas.openxmlformats.org/officeDocument/2006/relationships" xmlns:p="http://schemas.openxmlformats.org/presentationml/2006/main" saveSubsetFonts="1">
   <p:sldMasterIdLst>
-    <p:sldMasterId id="2147483648" r:id="rId1"/>
+    <p:sldMasterId id="2147483689" r:id="rId1"/>
   </p:sldMasterIdLst>
   <p:sldIdLst>
-    <p:sldId id="256" r:id="rId7"/>
-    <p:sldId id="257" r:id="rId8"/>
-    <p:sldId id="258" r:id="rId9"/>
-    <p:sldId id="259" r:id="rId10"/>
-    <p:sldId id="260" r:id="rId11"/>
-    <p:sldId id="261" r:id="rId12"/>
+    <p:sldId id="256" r:id="rId2"/>
+    <p:sldId id="258" r:id="rId3"/>
+    <p:sldId id="257" r:id="rId4"/>
+    <p:sldId id="260" r:id="rId5"/>
+    <p:sldId id="262" r:id="rId6"/>
+    <p:sldId id="261" r:id="rId7"/>
+    <p:sldId id="259" r:id="rId8"/>
+    <p:sldId id="263" r:id="rId13"/>
+    <p:sldId id="264" r:id="rId14"/>
+    <p:sldId id="265" r:id="rId15"/>
+    <p:sldId id="266" r:id="rId16"/>
+    <p:sldId id="267" r:id="rId17"/>
+    <p:sldId id="268" r:id="rId18"/>
   </p:sldIdLst>
-  <p:sldSz cx="9144000" cy="6858000" type="screen4x3"/>
+  <p:sldSz cx="12192000" cy="6858000"/>
   <p:notesSz cx="6858000" cy="9144000"/>
   <p:defaultTextStyle>
     <a:defPPr>
@@ -109,6 +116,11 @@
       </a:defRPr>
     </a:lvl9pPr>
   </p:defaultTextStyle>
+  <p:extLst>
+    <p:ext uri="{EFAFB233-063F-42B5-8137-9DF3F51BA10A}">
+      <p15:sldGuideLst xmlns:p15="http://schemas.microsoft.com/office/powerpoint/2012/main"/>
+    </p:ext>
+  </p:extLst>
 </p:presentation>
 </file>
 
@@ -141,19 +153,25 @@
         </p:nvSpPr>
         <p:spPr>
           <a:xfrm>
-            <a:off x="685800" y="2130425"/>
-            <a:ext cx="7772400" cy="1470025"/>
+            <a:off x="2589213" y="2514600"/>
+            <a:ext cx="8915399" cy="2262781"/>
           </a:xfrm>
         </p:spPr>
         <p:txBody>
-          <a:bodyPr/>
-          <a:lstStyle/>
-          <a:p>
-            <a:r>
-              <a:rPr lang="en-US" smtClean="0"/>
+          <a:bodyPr anchor="b">
+            <a:normAutofit/>
+          </a:bodyPr>
+          <a:lstStyle>
+            <a:lvl1pPr>
+              <a:defRPr sz="5400"/>
+            </a:lvl1pPr>
+          </a:lstStyle>
+          <a:p>
+            <a:r>
+              <a:rPr lang="en-US"/>
               <a:t>Click to edit Master title style</a:t>
             </a:r>
-            <a:endParaRPr lang="en-US"/>
+            <a:endParaRPr lang="en-US" dirty="0"/>
           </a:p>
         </p:txBody>
       </p:sp>
@@ -169,19 +187,20 @@
         </p:nvSpPr>
         <p:spPr>
           <a:xfrm>
-            <a:off x="1371600" y="3886200"/>
-            <a:ext cx="6400800" cy="1752600"/>
+            <a:off x="2589213" y="4777379"/>
+            <a:ext cx="8915399" cy="1126283"/>
           </a:xfrm>
         </p:spPr>
         <p:txBody>
-          <a:bodyPr/>
+          <a:bodyPr anchor="t"/>
           <a:lstStyle>
-            <a:lvl1pPr marL="0" indent="0" algn="ctr">
+            <a:lvl1pPr marL="0" indent="0" algn="l">
               <a:buNone/>
               <a:defRPr>
                 <a:solidFill>
                   <a:schemeClr val="tx1">
-                    <a:tint val="75000"/>
+                    <a:lumMod val="65000"/>
+                    <a:lumOff val="35000"/>
                   </a:schemeClr>
                 </a:solidFill>
               </a:defRPr>
@@ -269,10 +288,10 @@
           </a:lstStyle>
           <a:p>
             <a:r>
-              <a:rPr lang="en-US" smtClean="0"/>
+              <a:rPr lang="en-US"/>
               <a:t>Click to edit Master subtitle style</a:t>
             </a:r>
-            <a:endParaRPr lang="en-US"/>
+            <a:endParaRPr lang="en-US" dirty="0"/>
           </a:p>
         </p:txBody>
       </p:sp>
@@ -291,11 +310,11 @@
           <a:bodyPr/>
           <a:lstStyle/>
           <a:p>
-            <a:fld id="{5BCAD085-E8A6-8845-BD4E-CB4CCA059FC4}" type="datetimeFigureOut">
-              <a:rPr lang="en-US" smtClean="0"/>
-              <a:t>1/27/13</a:t>
+            <a:fld id="{D838D6FB-BF45-466C-9214-15B677CBF5C8}" type="datetimeFigureOut">
+              <a:rPr lang="en-IN" smtClean="0"/>
+              <a:t>29-12-2024</a:t>
             </a:fld>
-            <a:endParaRPr lang="en-US"/>
+            <a:endParaRPr lang="en-IN"/>
           </a:p>
         </p:txBody>
       </p:sp>
@@ -314,9 +333,91 @@
           <a:bodyPr/>
           <a:lstStyle/>
           <a:p>
-            <a:endParaRPr lang="en-US"/>
-          </a:p>
-        </p:txBody>
+            <a:endParaRPr lang="en-IN"/>
+          </a:p>
+        </p:txBody>
+      </p:sp>
+      <p:sp>
+        <p:nvSpPr>
+          <p:cNvPr id="7" name="Freeform 6"/>
+          <p:cNvSpPr/>
+          <p:nvPr/>
+        </p:nvSpPr>
+        <p:spPr bwMode="auto">
+          <a:xfrm>
+            <a:off x="0" y="4323810"/>
+            <a:ext cx="1744652" cy="778589"/>
+          </a:xfrm>
+          <a:custGeom>
+            <a:avLst/>
+            <a:gdLst/>
+            <a:ahLst/>
+            <a:cxnLst/>
+            <a:rect l="0" t="0" r="r" b="b"/>
+            <a:pathLst>
+              <a:path w="372" h="166">
+                <a:moveTo>
+                  <a:pt x="287" y="166"/>
+                </a:moveTo>
+                <a:cubicBezTo>
+                  <a:pt x="290" y="166"/>
+                  <a:pt x="292" y="165"/>
+                  <a:pt x="293" y="164"/>
+                </a:cubicBezTo>
+                <a:cubicBezTo>
+                  <a:pt x="293" y="163"/>
+                  <a:pt x="294" y="163"/>
+                  <a:pt x="294" y="163"/>
+                </a:cubicBezTo>
+                <a:cubicBezTo>
+                  <a:pt x="370" y="87"/>
+                  <a:pt x="370" y="87"/>
+                  <a:pt x="370" y="87"/>
+                </a:cubicBezTo>
+                <a:cubicBezTo>
+                  <a:pt x="372" y="85"/>
+                  <a:pt x="372" y="81"/>
+                  <a:pt x="370" y="78"/>
+                </a:cubicBezTo>
+                <a:cubicBezTo>
+                  <a:pt x="294" y="3"/>
+                  <a:pt x="294" y="3"/>
+                  <a:pt x="294" y="3"/>
+                </a:cubicBezTo>
+                <a:cubicBezTo>
+                  <a:pt x="294" y="2"/>
+                  <a:pt x="293" y="2"/>
+                  <a:pt x="293" y="2"/>
+                </a:cubicBezTo>
+                <a:cubicBezTo>
+                  <a:pt x="292" y="1"/>
+                  <a:pt x="290" y="0"/>
+                  <a:pt x="287" y="0"/>
+                </a:cubicBezTo>
+                <a:cubicBezTo>
+                  <a:pt x="0" y="0"/>
+                  <a:pt x="0" y="0"/>
+                  <a:pt x="0" y="0"/>
+                </a:cubicBezTo>
+                <a:cubicBezTo>
+                  <a:pt x="0" y="166"/>
+                  <a:pt x="0" y="166"/>
+                  <a:pt x="0" y="166"/>
+                </a:cubicBezTo>
+                <a:lnTo>
+                  <a:pt x="287" y="166"/>
+                </a:lnTo>
+                <a:close/>
+              </a:path>
+            </a:pathLst>
+          </a:custGeom>
+          <a:solidFill>
+            <a:schemeClr val="accent1"/>
+          </a:solidFill>
+          <a:ln>
+            <a:noFill/>
+          </a:ln>
+        </p:spPr>
       </p:sp>
       <p:sp>
         <p:nvSpPr>
@@ -328,23 +429,28 @@
             <p:ph type="sldNum" sz="quarter" idx="12"/>
           </p:nvPr>
         </p:nvSpPr>
-        <p:spPr/>
+        <p:spPr>
+          <a:xfrm>
+            <a:off x="531812" y="4529540"/>
+            <a:ext cx="779767" cy="365125"/>
+          </a:xfrm>
+        </p:spPr>
         <p:txBody>
           <a:bodyPr/>
           <a:lstStyle/>
           <a:p>
-            <a:fld id="{C1FF6DA9-008F-8B48-92A6-B652298478BF}" type="slidenum">
-              <a:rPr lang="en-US" smtClean="0"/>
+            <a:fld id="{E2002345-9007-43CD-BD54-4A4255AE303D}" type="slidenum">
+              <a:rPr lang="en-IN" smtClean="0"/>
               <a:t>‹#›</a:t>
             </a:fld>
-            <a:endParaRPr lang="en-US"/>
+            <a:endParaRPr lang="en-IN"/>
           </a:p>
         </p:txBody>
       </p:sp>
     </p:spTree>
     <p:extLst>
       <p:ext uri="{BB962C8B-B14F-4D97-AF65-F5344CB8AC3E}">
-        <p14:creationId xmlns:p14="http://schemas.microsoft.com/office/powerpoint/2010/main" val="3168075583"/>
+        <p14:creationId xmlns:p14="http://schemas.microsoft.com/office/powerpoint/2010/main" val="1968211690"/>
       </p:ext>
     </p:extLst>
   </p:cSld>
@@ -355,6 +461,1797 @@
 </file>
 
 <file path=ppt/slideLayouts/slideLayout10.xml><?xml version="1.0" encoding="utf-8"?>
+<p:sldLayout xmlns:a="http://schemas.openxmlformats.org/drawingml/2006/main" xmlns:r="http://schemas.openxmlformats.org/officeDocument/2006/relationships" xmlns:p="http://schemas.openxmlformats.org/presentationml/2006/main" preserve="1">
+  <p:cSld name="Title and Caption">
+    <p:spTree>
+      <p:nvGrpSpPr>
+        <p:cNvPr id="1" name=""/>
+        <p:cNvGrpSpPr/>
+        <p:nvPr/>
+      </p:nvGrpSpPr>
+      <p:grpSpPr>
+        <a:xfrm>
+          <a:off x="0" y="0"/>
+          <a:ext cx="0" cy="0"/>
+          <a:chOff x="0" y="0"/>
+          <a:chExt cx="0" cy="0"/>
+        </a:xfrm>
+      </p:grpSpPr>
+      <p:sp>
+        <p:nvSpPr>
+          <p:cNvPr id="2" name="Title 1"/>
+          <p:cNvSpPr>
+            <a:spLocks noGrp="1"/>
+          </p:cNvSpPr>
+          <p:nvPr>
+            <p:ph type="title"/>
+          </p:nvPr>
+        </p:nvSpPr>
+        <p:spPr>
+          <a:xfrm>
+            <a:off x="2589212" y="609600"/>
+            <a:ext cx="8915399" cy="3117040"/>
+          </a:xfrm>
+        </p:spPr>
+        <p:txBody>
+          <a:bodyPr anchor="ctr">
+            <a:normAutofit/>
+          </a:bodyPr>
+          <a:lstStyle>
+            <a:lvl1pPr algn="l">
+              <a:defRPr sz="4800" b="0" cap="none"/>
+            </a:lvl1pPr>
+          </a:lstStyle>
+          <a:p>
+            <a:r>
+              <a:rPr lang="en-US"/>
+              <a:t>Click to edit Master title style</a:t>
+            </a:r>
+            <a:endParaRPr lang="en-US" dirty="0"/>
+          </a:p>
+        </p:txBody>
+      </p:sp>
+      <p:sp>
+        <p:nvSpPr>
+          <p:cNvPr id="3" name="Text Placeholder 2"/>
+          <p:cNvSpPr>
+            <a:spLocks noGrp="1"/>
+          </p:cNvSpPr>
+          <p:nvPr>
+            <p:ph type="body" idx="1"/>
+          </p:nvPr>
+        </p:nvSpPr>
+        <p:spPr>
+          <a:xfrm>
+            <a:off x="2589212" y="4354046"/>
+            <a:ext cx="8915399" cy="1555864"/>
+          </a:xfrm>
+        </p:spPr>
+        <p:txBody>
+          <a:bodyPr anchor="ctr">
+            <a:normAutofit/>
+          </a:bodyPr>
+          <a:lstStyle>
+            <a:lvl1pPr marL="0" indent="0" algn="l">
+              <a:buNone/>
+              <a:defRPr sz="1800">
+                <a:solidFill>
+                  <a:schemeClr val="tx1">
+                    <a:lumMod val="65000"/>
+                    <a:lumOff val="35000"/>
+                  </a:schemeClr>
+                </a:solidFill>
+              </a:defRPr>
+            </a:lvl1pPr>
+            <a:lvl2pPr marL="457200" indent="0">
+              <a:buNone/>
+              <a:defRPr sz="1800">
+                <a:solidFill>
+                  <a:schemeClr val="tx1">
+                    <a:tint val="75000"/>
+                  </a:schemeClr>
+                </a:solidFill>
+              </a:defRPr>
+            </a:lvl2pPr>
+            <a:lvl3pPr marL="914400" indent="0">
+              <a:buNone/>
+              <a:defRPr sz="1600">
+                <a:solidFill>
+                  <a:schemeClr val="tx1">
+                    <a:tint val="75000"/>
+                  </a:schemeClr>
+                </a:solidFill>
+              </a:defRPr>
+            </a:lvl3pPr>
+            <a:lvl4pPr marL="1371600" indent="0">
+              <a:buNone/>
+              <a:defRPr sz="1400">
+                <a:solidFill>
+                  <a:schemeClr val="tx1">
+                    <a:tint val="75000"/>
+                  </a:schemeClr>
+                </a:solidFill>
+              </a:defRPr>
+            </a:lvl4pPr>
+            <a:lvl5pPr marL="1828800" indent="0">
+              <a:buNone/>
+              <a:defRPr sz="1400">
+                <a:solidFill>
+                  <a:schemeClr val="tx1">
+                    <a:tint val="75000"/>
+                  </a:schemeClr>
+                </a:solidFill>
+              </a:defRPr>
+            </a:lvl5pPr>
+            <a:lvl6pPr marL="2286000" indent="0">
+              <a:buNone/>
+              <a:defRPr sz="1400">
+                <a:solidFill>
+                  <a:schemeClr val="tx1">
+                    <a:tint val="75000"/>
+                  </a:schemeClr>
+                </a:solidFill>
+              </a:defRPr>
+            </a:lvl6pPr>
+            <a:lvl7pPr marL="2743200" indent="0">
+              <a:buNone/>
+              <a:defRPr sz="1400">
+                <a:solidFill>
+                  <a:schemeClr val="tx1">
+                    <a:tint val="75000"/>
+                  </a:schemeClr>
+                </a:solidFill>
+              </a:defRPr>
+            </a:lvl7pPr>
+            <a:lvl8pPr marL="3200400" indent="0">
+              <a:buNone/>
+              <a:defRPr sz="1400">
+                <a:solidFill>
+                  <a:schemeClr val="tx1">
+                    <a:tint val="75000"/>
+                  </a:schemeClr>
+                </a:solidFill>
+              </a:defRPr>
+            </a:lvl8pPr>
+            <a:lvl9pPr marL="3657600" indent="0">
+              <a:buNone/>
+              <a:defRPr sz="1400">
+                <a:solidFill>
+                  <a:schemeClr val="tx1">
+                    <a:tint val="75000"/>
+                  </a:schemeClr>
+                </a:solidFill>
+              </a:defRPr>
+            </a:lvl9pPr>
+          </a:lstStyle>
+          <a:p>
+            <a:pPr lvl="0"/>
+            <a:r>
+              <a:rPr lang="en-US"/>
+              <a:t>Click to edit Master text styles</a:t>
+            </a:r>
+          </a:p>
+        </p:txBody>
+      </p:sp>
+      <p:sp>
+        <p:nvSpPr>
+          <p:cNvPr id="4" name="Date Placeholder 3"/>
+          <p:cNvSpPr>
+            <a:spLocks noGrp="1"/>
+          </p:cNvSpPr>
+          <p:nvPr>
+            <p:ph type="dt" sz="half" idx="10"/>
+          </p:nvPr>
+        </p:nvSpPr>
+        <p:spPr/>
+        <p:txBody>
+          <a:bodyPr/>
+          <a:lstStyle/>
+          <a:p>
+            <a:fld id="{D838D6FB-BF45-466C-9214-15B677CBF5C8}" type="datetimeFigureOut">
+              <a:rPr lang="en-IN" smtClean="0"/>
+              <a:t>29-12-2024</a:t>
+            </a:fld>
+            <a:endParaRPr lang="en-IN"/>
+          </a:p>
+        </p:txBody>
+      </p:sp>
+      <p:sp>
+        <p:nvSpPr>
+          <p:cNvPr id="5" name="Footer Placeholder 4"/>
+          <p:cNvSpPr>
+            <a:spLocks noGrp="1"/>
+          </p:cNvSpPr>
+          <p:nvPr>
+            <p:ph type="ftr" sz="quarter" idx="11"/>
+          </p:nvPr>
+        </p:nvSpPr>
+        <p:spPr/>
+        <p:txBody>
+          <a:bodyPr/>
+          <a:lstStyle/>
+          <a:p>
+            <a:endParaRPr lang="en-IN"/>
+          </a:p>
+        </p:txBody>
+      </p:sp>
+      <p:sp>
+        <p:nvSpPr>
+          <p:cNvPr id="9" name="Freeform 11"/>
+          <p:cNvSpPr/>
+          <p:nvPr/>
+        </p:nvSpPr>
+        <p:spPr bwMode="auto">
+          <a:xfrm flipV="1">
+            <a:off x="-4189" y="3178175"/>
+            <a:ext cx="1588527" cy="507297"/>
+          </a:xfrm>
+          <a:custGeom>
+            <a:avLst/>
+            <a:gdLst/>
+            <a:ahLst/>
+            <a:cxnLst/>
+            <a:rect l="l" t="t" r="r" b="b"/>
+            <a:pathLst>
+              <a:path w="9248" h="10000">
+                <a:moveTo>
+                  <a:pt x="9248" y="4701"/>
+                </a:moveTo>
+                <a:lnTo>
+                  <a:pt x="7915" y="188"/>
+                </a:lnTo>
+                <a:cubicBezTo>
+                  <a:pt x="7906" y="156"/>
+                  <a:pt x="7895" y="126"/>
+                  <a:pt x="7886" y="94"/>
+                </a:cubicBezTo>
+                <a:cubicBezTo>
+                  <a:pt x="7859" y="0"/>
+                  <a:pt x="7831" y="0"/>
+                  <a:pt x="7803" y="0"/>
+                </a:cubicBezTo>
+                <a:lnTo>
+                  <a:pt x="7275" y="0"/>
+                </a:lnTo>
+                <a:lnTo>
+                  <a:pt x="0" y="70"/>
+                </a:lnTo>
+                <a:cubicBezTo>
+                  <a:pt x="8" y="3380"/>
+                  <a:pt x="17" y="6690"/>
+                  <a:pt x="25" y="10000"/>
+                </a:cubicBezTo>
+                <a:lnTo>
+                  <a:pt x="7275" y="9966"/>
+                </a:lnTo>
+                <a:lnTo>
+                  <a:pt x="7803" y="9966"/>
+                </a:lnTo>
+                <a:cubicBezTo>
+                  <a:pt x="7831" y="9966"/>
+                  <a:pt x="7859" y="9872"/>
+                  <a:pt x="7886" y="9872"/>
+                </a:cubicBezTo>
+                <a:cubicBezTo>
+                  <a:pt x="7886" y="9778"/>
+                  <a:pt x="7915" y="9778"/>
+                  <a:pt x="7915" y="9778"/>
+                </a:cubicBezTo>
+                <a:lnTo>
+                  <a:pt x="9248" y="5265"/>
+                </a:lnTo>
+                <a:cubicBezTo>
+                  <a:pt x="9303" y="5077"/>
+                  <a:pt x="9303" y="4889"/>
+                  <a:pt x="9248" y="4701"/>
+                </a:cubicBezTo>
+                <a:close/>
+              </a:path>
+            </a:pathLst>
+          </a:custGeom>
+          <a:solidFill>
+            <a:schemeClr val="accent1"/>
+          </a:solidFill>
+          <a:ln>
+            <a:noFill/>
+          </a:ln>
+        </p:spPr>
+      </p:sp>
+      <p:sp>
+        <p:nvSpPr>
+          <p:cNvPr id="6" name="Slide Number Placeholder 5"/>
+          <p:cNvSpPr>
+            <a:spLocks noGrp="1"/>
+          </p:cNvSpPr>
+          <p:nvPr>
+            <p:ph type="sldNum" sz="quarter" idx="12"/>
+          </p:nvPr>
+        </p:nvSpPr>
+        <p:spPr>
+          <a:xfrm>
+            <a:off x="531812" y="3244139"/>
+            <a:ext cx="779767" cy="365125"/>
+          </a:xfrm>
+        </p:spPr>
+        <p:txBody>
+          <a:bodyPr/>
+          <a:lstStyle/>
+          <a:p>
+            <a:fld id="{E2002345-9007-43CD-BD54-4A4255AE303D}" type="slidenum">
+              <a:rPr lang="en-IN" smtClean="0"/>
+              <a:t>‹#›</a:t>
+            </a:fld>
+            <a:endParaRPr lang="en-IN"/>
+          </a:p>
+        </p:txBody>
+      </p:sp>
+    </p:spTree>
+    <p:extLst>
+      <p:ext uri="{BB962C8B-B14F-4D97-AF65-F5344CB8AC3E}">
+        <p14:creationId xmlns:p14="http://schemas.microsoft.com/office/powerpoint/2010/main" val="2793001789"/>
+      </p:ext>
+    </p:extLst>
+  </p:cSld>
+  <p:clrMapOvr>
+    <a:masterClrMapping/>
+  </p:clrMapOvr>
+</p:sldLayout>
+</file>
+
+<file path=ppt/slideLayouts/slideLayout11.xml><?xml version="1.0" encoding="utf-8"?>
+<p:sldLayout xmlns:a="http://schemas.openxmlformats.org/drawingml/2006/main" xmlns:r="http://schemas.openxmlformats.org/officeDocument/2006/relationships" xmlns:p="http://schemas.openxmlformats.org/presentationml/2006/main" preserve="1">
+  <p:cSld name="Quote with Caption">
+    <p:spTree>
+      <p:nvGrpSpPr>
+        <p:cNvPr id="1" name=""/>
+        <p:cNvGrpSpPr/>
+        <p:nvPr/>
+      </p:nvGrpSpPr>
+      <p:grpSpPr>
+        <a:xfrm>
+          <a:off x="0" y="0"/>
+          <a:ext cx="0" cy="0"/>
+          <a:chOff x="0" y="0"/>
+          <a:chExt cx="0" cy="0"/>
+        </a:xfrm>
+      </p:grpSpPr>
+      <p:sp>
+        <p:nvSpPr>
+          <p:cNvPr id="2" name="Title 1"/>
+          <p:cNvSpPr>
+            <a:spLocks noGrp="1"/>
+          </p:cNvSpPr>
+          <p:nvPr>
+            <p:ph type="title"/>
+          </p:nvPr>
+        </p:nvSpPr>
+        <p:spPr>
+          <a:xfrm>
+            <a:off x="2849949" y="609600"/>
+            <a:ext cx="8393926" cy="2895600"/>
+          </a:xfrm>
+        </p:spPr>
+        <p:txBody>
+          <a:bodyPr anchor="ctr">
+            <a:normAutofit/>
+          </a:bodyPr>
+          <a:lstStyle>
+            <a:lvl1pPr algn="l">
+              <a:defRPr sz="4800" b="0" cap="none"/>
+            </a:lvl1pPr>
+          </a:lstStyle>
+          <a:p>
+            <a:r>
+              <a:rPr lang="en-US"/>
+              <a:t>Click to edit Master title style</a:t>
+            </a:r>
+            <a:endParaRPr lang="en-US" dirty="0"/>
+          </a:p>
+        </p:txBody>
+      </p:sp>
+      <p:sp>
+        <p:nvSpPr>
+          <p:cNvPr id="13" name="Text Placeholder 9"/>
+          <p:cNvSpPr>
+            <a:spLocks noGrp="1"/>
+          </p:cNvSpPr>
+          <p:nvPr>
+            <p:ph type="body" sz="quarter" idx="13"/>
+          </p:nvPr>
+        </p:nvSpPr>
+        <p:spPr>
+          <a:xfrm>
+            <a:off x="3275012" y="3505200"/>
+            <a:ext cx="7536554" cy="381000"/>
+          </a:xfrm>
+        </p:spPr>
+        <p:txBody>
+          <a:bodyPr anchor="ctr">
+            <a:noAutofit/>
+          </a:bodyPr>
+          <a:lstStyle>
+            <a:lvl1pPr marL="0" indent="0">
+              <a:buFontTx/>
+              <a:buNone/>
+              <a:defRPr sz="1600">
+                <a:solidFill>
+                  <a:schemeClr val="tx1">
+                    <a:lumMod val="50000"/>
+                    <a:lumOff val="50000"/>
+                  </a:schemeClr>
+                </a:solidFill>
+              </a:defRPr>
+            </a:lvl1pPr>
+            <a:lvl2pPr marL="457200" indent="0">
+              <a:buFontTx/>
+              <a:buNone/>
+              <a:defRPr/>
+            </a:lvl2pPr>
+            <a:lvl3pPr marL="914400" indent="0">
+              <a:buFontTx/>
+              <a:buNone/>
+              <a:defRPr/>
+            </a:lvl3pPr>
+            <a:lvl4pPr marL="1371600" indent="0">
+              <a:buFontTx/>
+              <a:buNone/>
+              <a:defRPr/>
+            </a:lvl4pPr>
+            <a:lvl5pPr marL="1828800" indent="0">
+              <a:buFontTx/>
+              <a:buNone/>
+              <a:defRPr/>
+            </a:lvl5pPr>
+          </a:lstStyle>
+          <a:p>
+            <a:pPr lvl="0"/>
+            <a:r>
+              <a:rPr lang="en-US"/>
+              <a:t>Click to edit Master text styles</a:t>
+            </a:r>
+          </a:p>
+        </p:txBody>
+      </p:sp>
+      <p:sp>
+        <p:nvSpPr>
+          <p:cNvPr id="3" name="Text Placeholder 2"/>
+          <p:cNvSpPr>
+            <a:spLocks noGrp="1"/>
+          </p:cNvSpPr>
+          <p:nvPr>
+            <p:ph type="body" idx="1"/>
+          </p:nvPr>
+        </p:nvSpPr>
+        <p:spPr>
+          <a:xfrm>
+            <a:off x="2589212" y="4354046"/>
+            <a:ext cx="8915399" cy="1555864"/>
+          </a:xfrm>
+        </p:spPr>
+        <p:txBody>
+          <a:bodyPr anchor="ctr">
+            <a:normAutofit/>
+          </a:bodyPr>
+          <a:lstStyle>
+            <a:lvl1pPr marL="0" indent="0" algn="l">
+              <a:buNone/>
+              <a:defRPr sz="1800">
+                <a:solidFill>
+                  <a:schemeClr val="tx1">
+                    <a:lumMod val="65000"/>
+                    <a:lumOff val="35000"/>
+                  </a:schemeClr>
+                </a:solidFill>
+              </a:defRPr>
+            </a:lvl1pPr>
+            <a:lvl2pPr marL="457200" indent="0">
+              <a:buNone/>
+              <a:defRPr sz="1800">
+                <a:solidFill>
+                  <a:schemeClr val="tx1">
+                    <a:tint val="75000"/>
+                  </a:schemeClr>
+                </a:solidFill>
+              </a:defRPr>
+            </a:lvl2pPr>
+            <a:lvl3pPr marL="914400" indent="0">
+              <a:buNone/>
+              <a:defRPr sz="1600">
+                <a:solidFill>
+                  <a:schemeClr val="tx1">
+                    <a:tint val="75000"/>
+                  </a:schemeClr>
+                </a:solidFill>
+              </a:defRPr>
+            </a:lvl3pPr>
+            <a:lvl4pPr marL="1371600" indent="0">
+              <a:buNone/>
+              <a:defRPr sz="1400">
+                <a:solidFill>
+                  <a:schemeClr val="tx1">
+                    <a:tint val="75000"/>
+                  </a:schemeClr>
+                </a:solidFill>
+              </a:defRPr>
+            </a:lvl4pPr>
+            <a:lvl5pPr marL="1828800" indent="0">
+              <a:buNone/>
+              <a:defRPr sz="1400">
+                <a:solidFill>
+                  <a:schemeClr val="tx1">
+                    <a:tint val="75000"/>
+                  </a:schemeClr>
+                </a:solidFill>
+              </a:defRPr>
+            </a:lvl5pPr>
+            <a:lvl6pPr marL="2286000" indent="0">
+              <a:buNone/>
+              <a:defRPr sz="1400">
+                <a:solidFill>
+                  <a:schemeClr val="tx1">
+                    <a:tint val="75000"/>
+                  </a:schemeClr>
+                </a:solidFill>
+              </a:defRPr>
+            </a:lvl6pPr>
+            <a:lvl7pPr marL="2743200" indent="0">
+              <a:buNone/>
+              <a:defRPr sz="1400">
+                <a:solidFill>
+                  <a:schemeClr val="tx1">
+                    <a:tint val="75000"/>
+                  </a:schemeClr>
+                </a:solidFill>
+              </a:defRPr>
+            </a:lvl7pPr>
+            <a:lvl8pPr marL="3200400" indent="0">
+              <a:buNone/>
+              <a:defRPr sz="1400">
+                <a:solidFill>
+                  <a:schemeClr val="tx1">
+                    <a:tint val="75000"/>
+                  </a:schemeClr>
+                </a:solidFill>
+              </a:defRPr>
+            </a:lvl8pPr>
+            <a:lvl9pPr marL="3657600" indent="0">
+              <a:buNone/>
+              <a:defRPr sz="1400">
+                <a:solidFill>
+                  <a:schemeClr val="tx1">
+                    <a:tint val="75000"/>
+                  </a:schemeClr>
+                </a:solidFill>
+              </a:defRPr>
+            </a:lvl9pPr>
+          </a:lstStyle>
+          <a:p>
+            <a:pPr lvl="0"/>
+            <a:r>
+              <a:rPr lang="en-US"/>
+              <a:t>Click to edit Master text styles</a:t>
+            </a:r>
+          </a:p>
+        </p:txBody>
+      </p:sp>
+      <p:sp>
+        <p:nvSpPr>
+          <p:cNvPr id="4" name="Date Placeholder 3"/>
+          <p:cNvSpPr>
+            <a:spLocks noGrp="1"/>
+          </p:cNvSpPr>
+          <p:nvPr>
+            <p:ph type="dt" sz="half" idx="10"/>
+          </p:nvPr>
+        </p:nvSpPr>
+        <p:spPr/>
+        <p:txBody>
+          <a:bodyPr/>
+          <a:lstStyle/>
+          <a:p>
+            <a:fld id="{D838D6FB-BF45-466C-9214-15B677CBF5C8}" type="datetimeFigureOut">
+              <a:rPr lang="en-IN" smtClean="0"/>
+              <a:t>29-12-2024</a:t>
+            </a:fld>
+            <a:endParaRPr lang="en-IN"/>
+          </a:p>
+        </p:txBody>
+      </p:sp>
+      <p:sp>
+        <p:nvSpPr>
+          <p:cNvPr id="5" name="Footer Placeholder 4"/>
+          <p:cNvSpPr>
+            <a:spLocks noGrp="1"/>
+          </p:cNvSpPr>
+          <p:nvPr>
+            <p:ph type="ftr" sz="quarter" idx="11"/>
+          </p:nvPr>
+        </p:nvSpPr>
+        <p:spPr/>
+        <p:txBody>
+          <a:bodyPr/>
+          <a:lstStyle/>
+          <a:p>
+            <a:endParaRPr lang="en-IN"/>
+          </a:p>
+        </p:txBody>
+      </p:sp>
+      <p:sp>
+        <p:nvSpPr>
+          <p:cNvPr id="11" name="Freeform 11"/>
+          <p:cNvSpPr/>
+          <p:nvPr/>
+        </p:nvSpPr>
+        <p:spPr bwMode="auto">
+          <a:xfrm flipV="1">
+            <a:off x="-4189" y="3178175"/>
+            <a:ext cx="1588527" cy="507297"/>
+          </a:xfrm>
+          <a:custGeom>
+            <a:avLst/>
+            <a:gdLst/>
+            <a:ahLst/>
+            <a:cxnLst/>
+            <a:rect l="l" t="t" r="r" b="b"/>
+            <a:pathLst>
+              <a:path w="9248" h="10000">
+                <a:moveTo>
+                  <a:pt x="9248" y="4701"/>
+                </a:moveTo>
+                <a:lnTo>
+                  <a:pt x="7915" y="188"/>
+                </a:lnTo>
+                <a:cubicBezTo>
+                  <a:pt x="7906" y="156"/>
+                  <a:pt x="7895" y="126"/>
+                  <a:pt x="7886" y="94"/>
+                </a:cubicBezTo>
+                <a:cubicBezTo>
+                  <a:pt x="7859" y="0"/>
+                  <a:pt x="7831" y="0"/>
+                  <a:pt x="7803" y="0"/>
+                </a:cubicBezTo>
+                <a:lnTo>
+                  <a:pt x="7275" y="0"/>
+                </a:lnTo>
+                <a:lnTo>
+                  <a:pt x="0" y="70"/>
+                </a:lnTo>
+                <a:cubicBezTo>
+                  <a:pt x="8" y="3380"/>
+                  <a:pt x="17" y="6690"/>
+                  <a:pt x="25" y="10000"/>
+                </a:cubicBezTo>
+                <a:lnTo>
+                  <a:pt x="7275" y="9966"/>
+                </a:lnTo>
+                <a:lnTo>
+                  <a:pt x="7803" y="9966"/>
+                </a:lnTo>
+                <a:cubicBezTo>
+                  <a:pt x="7831" y="9966"/>
+                  <a:pt x="7859" y="9872"/>
+                  <a:pt x="7886" y="9872"/>
+                </a:cubicBezTo>
+                <a:cubicBezTo>
+                  <a:pt x="7886" y="9778"/>
+                  <a:pt x="7915" y="9778"/>
+                  <a:pt x="7915" y="9778"/>
+                </a:cubicBezTo>
+                <a:lnTo>
+                  <a:pt x="9248" y="5265"/>
+                </a:lnTo>
+                <a:cubicBezTo>
+                  <a:pt x="9303" y="5077"/>
+                  <a:pt x="9303" y="4889"/>
+                  <a:pt x="9248" y="4701"/>
+                </a:cubicBezTo>
+                <a:close/>
+              </a:path>
+            </a:pathLst>
+          </a:custGeom>
+          <a:solidFill>
+            <a:schemeClr val="accent1"/>
+          </a:solidFill>
+          <a:ln>
+            <a:noFill/>
+          </a:ln>
+        </p:spPr>
+      </p:sp>
+      <p:sp>
+        <p:nvSpPr>
+          <p:cNvPr id="6" name="Slide Number Placeholder 5"/>
+          <p:cNvSpPr>
+            <a:spLocks noGrp="1"/>
+          </p:cNvSpPr>
+          <p:nvPr>
+            <p:ph type="sldNum" sz="quarter" idx="12"/>
+          </p:nvPr>
+        </p:nvSpPr>
+        <p:spPr>
+          <a:xfrm>
+            <a:off x="531812" y="3244139"/>
+            <a:ext cx="779767" cy="365125"/>
+          </a:xfrm>
+        </p:spPr>
+        <p:txBody>
+          <a:bodyPr/>
+          <a:lstStyle/>
+          <a:p>
+            <a:fld id="{E2002345-9007-43CD-BD54-4A4255AE303D}" type="slidenum">
+              <a:rPr lang="en-IN" smtClean="0"/>
+              <a:t>‹#›</a:t>
+            </a:fld>
+            <a:endParaRPr lang="en-IN"/>
+          </a:p>
+        </p:txBody>
+      </p:sp>
+      <p:sp>
+        <p:nvSpPr>
+          <p:cNvPr id="14" name="TextBox 13"/>
+          <p:cNvSpPr txBox="1"/>
+          <p:nvPr/>
+        </p:nvSpPr>
+        <p:spPr>
+          <a:xfrm>
+            <a:off x="2467652" y="648005"/>
+            <a:ext cx="609600" cy="584776"/>
+          </a:xfrm>
+          <a:prstGeom prst="rect">
+            <a:avLst/>
+          </a:prstGeom>
+        </p:spPr>
+        <p:txBody>
+          <a:bodyPr vert="horz" lIns="91440" tIns="45720" rIns="91440" bIns="45720" rtlCol="0" anchor="ctr">
+            <a:noAutofit/>
+          </a:bodyPr>
+          <a:lstStyle/>
+          <a:p>
+            <a:pPr lvl="0"/>
+            <a:r>
+              <a:rPr lang="en-US" sz="8000" baseline="0" dirty="0">
+                <a:ln w="3175" cmpd="sng">
+                  <a:noFill/>
+                </a:ln>
+                <a:solidFill>
+                  <a:schemeClr val="accent1"/>
+                </a:solidFill>
+                <a:effectLst/>
+                <a:latin typeface="Arial"/>
+              </a:rPr>
+              <a:t>“</a:t>
+            </a:r>
+          </a:p>
+        </p:txBody>
+      </p:sp>
+      <p:sp>
+        <p:nvSpPr>
+          <p:cNvPr id="15" name="TextBox 14"/>
+          <p:cNvSpPr txBox="1"/>
+          <p:nvPr/>
+        </p:nvSpPr>
+        <p:spPr>
+          <a:xfrm>
+            <a:off x="11114852" y="2905306"/>
+            <a:ext cx="609600" cy="584776"/>
+          </a:xfrm>
+          <a:prstGeom prst="rect">
+            <a:avLst/>
+          </a:prstGeom>
+        </p:spPr>
+        <p:txBody>
+          <a:bodyPr vert="horz" lIns="91440" tIns="45720" rIns="91440" bIns="45720" rtlCol="0" anchor="ctr">
+            <a:noAutofit/>
+          </a:bodyPr>
+          <a:lstStyle/>
+          <a:p>
+            <a:pPr lvl="0"/>
+            <a:r>
+              <a:rPr lang="en-US" sz="8000" baseline="0" dirty="0">
+                <a:ln w="3175" cmpd="sng">
+                  <a:noFill/>
+                </a:ln>
+                <a:solidFill>
+                  <a:schemeClr val="accent1"/>
+                </a:solidFill>
+                <a:effectLst/>
+                <a:latin typeface="Arial"/>
+              </a:rPr>
+              <a:t>”</a:t>
+            </a:r>
+          </a:p>
+        </p:txBody>
+      </p:sp>
+    </p:spTree>
+    <p:extLst>
+      <p:ext uri="{BB962C8B-B14F-4D97-AF65-F5344CB8AC3E}">
+        <p14:creationId xmlns:p14="http://schemas.microsoft.com/office/powerpoint/2010/main" val="2243989686"/>
+      </p:ext>
+    </p:extLst>
+  </p:cSld>
+  <p:clrMapOvr>
+    <a:masterClrMapping/>
+  </p:clrMapOvr>
+</p:sldLayout>
+</file>
+
+<file path=ppt/slideLayouts/slideLayout12.xml><?xml version="1.0" encoding="utf-8"?>
+<p:sldLayout xmlns:a="http://schemas.openxmlformats.org/drawingml/2006/main" xmlns:r="http://schemas.openxmlformats.org/officeDocument/2006/relationships" xmlns:p="http://schemas.openxmlformats.org/presentationml/2006/main" preserve="1">
+  <p:cSld name="Name Card">
+    <p:spTree>
+      <p:nvGrpSpPr>
+        <p:cNvPr id="1" name=""/>
+        <p:cNvGrpSpPr/>
+        <p:nvPr/>
+      </p:nvGrpSpPr>
+      <p:grpSpPr>
+        <a:xfrm>
+          <a:off x="0" y="0"/>
+          <a:ext cx="0" cy="0"/>
+          <a:chOff x="0" y="0"/>
+          <a:chExt cx="0" cy="0"/>
+        </a:xfrm>
+      </p:grpSpPr>
+      <p:sp>
+        <p:nvSpPr>
+          <p:cNvPr id="2" name="Title 1"/>
+          <p:cNvSpPr>
+            <a:spLocks noGrp="1"/>
+          </p:cNvSpPr>
+          <p:nvPr>
+            <p:ph type="title"/>
+          </p:nvPr>
+        </p:nvSpPr>
+        <p:spPr>
+          <a:xfrm>
+            <a:off x="2589213" y="2438400"/>
+            <a:ext cx="8915400" cy="2724845"/>
+          </a:xfrm>
+        </p:spPr>
+        <p:txBody>
+          <a:bodyPr anchor="b">
+            <a:normAutofit/>
+          </a:bodyPr>
+          <a:lstStyle>
+            <a:lvl1pPr algn="l">
+              <a:defRPr sz="4800" b="0"/>
+            </a:lvl1pPr>
+          </a:lstStyle>
+          <a:p>
+            <a:r>
+              <a:rPr lang="en-US"/>
+              <a:t>Click to edit Master title style</a:t>
+            </a:r>
+            <a:endParaRPr lang="en-US" dirty="0"/>
+          </a:p>
+        </p:txBody>
+      </p:sp>
+      <p:sp>
+        <p:nvSpPr>
+          <p:cNvPr id="4" name="Text Placeholder 3"/>
+          <p:cNvSpPr>
+            <a:spLocks noGrp="1"/>
+          </p:cNvSpPr>
+          <p:nvPr>
+            <p:ph type="body" sz="half" idx="2"/>
+          </p:nvPr>
+        </p:nvSpPr>
+        <p:spPr>
+          <a:xfrm>
+            <a:off x="2589213" y="5181600"/>
+            <a:ext cx="8915400" cy="729622"/>
+          </a:xfrm>
+        </p:spPr>
+        <p:txBody>
+          <a:bodyPr vert="horz" lIns="91440" tIns="45720" rIns="91440" bIns="45720" rtlCol="0" anchor="t">
+            <a:normAutofit/>
+          </a:bodyPr>
+          <a:lstStyle>
+            <a:lvl1pPr>
+              <a:buNone/>
+              <a:defRPr lang="en-US">
+                <a:solidFill>
+                  <a:schemeClr val="tx1">
+                    <a:lumMod val="65000"/>
+                    <a:lumOff val="35000"/>
+                  </a:schemeClr>
+                </a:solidFill>
+              </a:defRPr>
+            </a:lvl1pPr>
+          </a:lstStyle>
+          <a:p>
+            <a:pPr marL="0" lvl="0" indent="0">
+              <a:buNone/>
+            </a:pPr>
+            <a:r>
+              <a:rPr lang="en-US"/>
+              <a:t>Click to edit Master text styles</a:t>
+            </a:r>
+          </a:p>
+        </p:txBody>
+      </p:sp>
+      <p:sp>
+        <p:nvSpPr>
+          <p:cNvPr id="5" name="Date Placeholder 4"/>
+          <p:cNvSpPr>
+            <a:spLocks noGrp="1"/>
+          </p:cNvSpPr>
+          <p:nvPr>
+            <p:ph type="dt" sz="half" idx="10"/>
+          </p:nvPr>
+        </p:nvSpPr>
+        <p:spPr/>
+        <p:txBody>
+          <a:bodyPr/>
+          <a:lstStyle/>
+          <a:p>
+            <a:fld id="{D838D6FB-BF45-466C-9214-15B677CBF5C8}" type="datetimeFigureOut">
+              <a:rPr lang="en-IN" smtClean="0"/>
+              <a:t>29-12-2024</a:t>
+            </a:fld>
+            <a:endParaRPr lang="en-IN"/>
+          </a:p>
+        </p:txBody>
+      </p:sp>
+      <p:sp>
+        <p:nvSpPr>
+          <p:cNvPr id="6" name="Footer Placeholder 5"/>
+          <p:cNvSpPr>
+            <a:spLocks noGrp="1"/>
+          </p:cNvSpPr>
+          <p:nvPr>
+            <p:ph type="ftr" sz="quarter" idx="11"/>
+          </p:nvPr>
+        </p:nvSpPr>
+        <p:spPr/>
+        <p:txBody>
+          <a:bodyPr/>
+          <a:lstStyle/>
+          <a:p>
+            <a:endParaRPr lang="en-IN"/>
+          </a:p>
+        </p:txBody>
+      </p:sp>
+      <p:sp>
+        <p:nvSpPr>
+          <p:cNvPr id="9" name="Freeform 11"/>
+          <p:cNvSpPr/>
+          <p:nvPr/>
+        </p:nvSpPr>
+        <p:spPr bwMode="auto">
+          <a:xfrm flipV="1">
+            <a:off x="-4189" y="4911725"/>
+            <a:ext cx="1588527" cy="507297"/>
+          </a:xfrm>
+          <a:custGeom>
+            <a:avLst/>
+            <a:gdLst/>
+            <a:ahLst/>
+            <a:cxnLst/>
+            <a:rect l="l" t="t" r="r" b="b"/>
+            <a:pathLst>
+              <a:path w="9248" h="10000">
+                <a:moveTo>
+                  <a:pt x="9248" y="4701"/>
+                </a:moveTo>
+                <a:lnTo>
+                  <a:pt x="7915" y="188"/>
+                </a:lnTo>
+                <a:cubicBezTo>
+                  <a:pt x="7906" y="156"/>
+                  <a:pt x="7895" y="126"/>
+                  <a:pt x="7886" y="94"/>
+                </a:cubicBezTo>
+                <a:cubicBezTo>
+                  <a:pt x="7859" y="0"/>
+                  <a:pt x="7831" y="0"/>
+                  <a:pt x="7803" y="0"/>
+                </a:cubicBezTo>
+                <a:lnTo>
+                  <a:pt x="7275" y="0"/>
+                </a:lnTo>
+                <a:lnTo>
+                  <a:pt x="0" y="70"/>
+                </a:lnTo>
+                <a:cubicBezTo>
+                  <a:pt x="8" y="3380"/>
+                  <a:pt x="17" y="6690"/>
+                  <a:pt x="25" y="10000"/>
+                </a:cubicBezTo>
+                <a:lnTo>
+                  <a:pt x="7275" y="9966"/>
+                </a:lnTo>
+                <a:lnTo>
+                  <a:pt x="7803" y="9966"/>
+                </a:lnTo>
+                <a:cubicBezTo>
+                  <a:pt x="7831" y="9966"/>
+                  <a:pt x="7859" y="9872"/>
+                  <a:pt x="7886" y="9872"/>
+                </a:cubicBezTo>
+                <a:cubicBezTo>
+                  <a:pt x="7886" y="9778"/>
+                  <a:pt x="7915" y="9778"/>
+                  <a:pt x="7915" y="9778"/>
+                </a:cubicBezTo>
+                <a:lnTo>
+                  <a:pt x="9248" y="5265"/>
+                </a:lnTo>
+                <a:cubicBezTo>
+                  <a:pt x="9303" y="5077"/>
+                  <a:pt x="9303" y="4889"/>
+                  <a:pt x="9248" y="4701"/>
+                </a:cubicBezTo>
+                <a:close/>
+              </a:path>
+            </a:pathLst>
+          </a:custGeom>
+          <a:solidFill>
+            <a:schemeClr val="accent1"/>
+          </a:solidFill>
+          <a:ln>
+            <a:noFill/>
+          </a:ln>
+        </p:spPr>
+      </p:sp>
+      <p:sp>
+        <p:nvSpPr>
+          <p:cNvPr id="7" name="Slide Number Placeholder 6"/>
+          <p:cNvSpPr>
+            <a:spLocks noGrp="1"/>
+          </p:cNvSpPr>
+          <p:nvPr>
+            <p:ph type="sldNum" sz="quarter" idx="12"/>
+          </p:nvPr>
+        </p:nvSpPr>
+        <p:spPr>
+          <a:xfrm>
+            <a:off x="531812" y="4983087"/>
+            <a:ext cx="779767" cy="365125"/>
+          </a:xfrm>
+        </p:spPr>
+        <p:txBody>
+          <a:bodyPr/>
+          <a:lstStyle/>
+          <a:p>
+            <a:fld id="{E2002345-9007-43CD-BD54-4A4255AE303D}" type="slidenum">
+              <a:rPr lang="en-IN" smtClean="0"/>
+              <a:t>‹#›</a:t>
+            </a:fld>
+            <a:endParaRPr lang="en-IN"/>
+          </a:p>
+        </p:txBody>
+      </p:sp>
+    </p:spTree>
+    <p:extLst>
+      <p:ext uri="{BB962C8B-B14F-4D97-AF65-F5344CB8AC3E}">
+        <p14:creationId xmlns:p14="http://schemas.microsoft.com/office/powerpoint/2010/main" val="965183168"/>
+      </p:ext>
+    </p:extLst>
+  </p:cSld>
+  <p:clrMapOvr>
+    <a:masterClrMapping/>
+  </p:clrMapOvr>
+</p:sldLayout>
+</file>
+
+<file path=ppt/slideLayouts/slideLayout13.xml><?xml version="1.0" encoding="utf-8"?>
+<p:sldLayout xmlns:a="http://schemas.openxmlformats.org/drawingml/2006/main" xmlns:r="http://schemas.openxmlformats.org/officeDocument/2006/relationships" xmlns:p="http://schemas.openxmlformats.org/presentationml/2006/main" preserve="1">
+  <p:cSld name="Quote Name Card">
+    <p:spTree>
+      <p:nvGrpSpPr>
+        <p:cNvPr id="1" name=""/>
+        <p:cNvGrpSpPr/>
+        <p:nvPr/>
+      </p:nvGrpSpPr>
+      <p:grpSpPr>
+        <a:xfrm>
+          <a:off x="0" y="0"/>
+          <a:ext cx="0" cy="0"/>
+          <a:chOff x="0" y="0"/>
+          <a:chExt cx="0" cy="0"/>
+        </a:xfrm>
+      </p:grpSpPr>
+      <p:sp>
+        <p:nvSpPr>
+          <p:cNvPr id="12" name="Title 1"/>
+          <p:cNvSpPr>
+            <a:spLocks noGrp="1"/>
+          </p:cNvSpPr>
+          <p:nvPr>
+            <p:ph type="title"/>
+          </p:nvPr>
+        </p:nvSpPr>
+        <p:spPr>
+          <a:xfrm>
+            <a:off x="2849949" y="609600"/>
+            <a:ext cx="8393926" cy="2895600"/>
+          </a:xfrm>
+        </p:spPr>
+        <p:txBody>
+          <a:bodyPr anchor="ctr">
+            <a:normAutofit/>
+          </a:bodyPr>
+          <a:lstStyle>
+            <a:lvl1pPr algn="l">
+              <a:defRPr sz="4800" b="0" cap="none"/>
+            </a:lvl1pPr>
+          </a:lstStyle>
+          <a:p>
+            <a:r>
+              <a:rPr lang="en-US"/>
+              <a:t>Click to edit Master title style</a:t>
+            </a:r>
+            <a:endParaRPr lang="en-US" dirty="0"/>
+          </a:p>
+        </p:txBody>
+      </p:sp>
+      <p:sp>
+        <p:nvSpPr>
+          <p:cNvPr id="21" name="Text Placeholder 9"/>
+          <p:cNvSpPr>
+            <a:spLocks noGrp="1"/>
+          </p:cNvSpPr>
+          <p:nvPr>
+            <p:ph type="body" sz="quarter" idx="13"/>
+          </p:nvPr>
+        </p:nvSpPr>
+        <p:spPr>
+          <a:xfrm>
+            <a:off x="2589212" y="4343400"/>
+            <a:ext cx="8915400" cy="838200"/>
+          </a:xfrm>
+        </p:spPr>
+        <p:txBody>
+          <a:bodyPr anchor="b">
+            <a:noAutofit/>
+          </a:bodyPr>
+          <a:lstStyle>
+            <a:lvl1pPr marL="0" indent="0">
+              <a:buFontTx/>
+              <a:buNone/>
+              <a:defRPr sz="2400">
+                <a:solidFill>
+                  <a:schemeClr val="accent1"/>
+                </a:solidFill>
+              </a:defRPr>
+            </a:lvl1pPr>
+            <a:lvl2pPr marL="457200" indent="0">
+              <a:buFontTx/>
+              <a:buNone/>
+              <a:defRPr/>
+            </a:lvl2pPr>
+            <a:lvl3pPr marL="914400" indent="0">
+              <a:buFontTx/>
+              <a:buNone/>
+              <a:defRPr/>
+            </a:lvl3pPr>
+            <a:lvl4pPr marL="1371600" indent="0">
+              <a:buFontTx/>
+              <a:buNone/>
+              <a:defRPr/>
+            </a:lvl4pPr>
+            <a:lvl5pPr marL="1828800" indent="0">
+              <a:buFontTx/>
+              <a:buNone/>
+              <a:defRPr/>
+            </a:lvl5pPr>
+          </a:lstStyle>
+          <a:p>
+            <a:pPr lvl="0"/>
+            <a:r>
+              <a:rPr lang="en-US"/>
+              <a:t>Click to edit Master text styles</a:t>
+            </a:r>
+          </a:p>
+        </p:txBody>
+      </p:sp>
+      <p:sp>
+        <p:nvSpPr>
+          <p:cNvPr id="4" name="Text Placeholder 3"/>
+          <p:cNvSpPr>
+            <a:spLocks noGrp="1"/>
+          </p:cNvSpPr>
+          <p:nvPr>
+            <p:ph type="body" sz="half" idx="2"/>
+          </p:nvPr>
+        </p:nvSpPr>
+        <p:spPr>
+          <a:xfrm>
+            <a:off x="2589213" y="5181600"/>
+            <a:ext cx="8915400" cy="729622"/>
+          </a:xfrm>
+        </p:spPr>
+        <p:txBody>
+          <a:bodyPr vert="horz" lIns="91440" tIns="45720" rIns="91440" bIns="45720" rtlCol="0" anchor="t">
+            <a:normAutofit/>
+          </a:bodyPr>
+          <a:lstStyle>
+            <a:lvl1pPr>
+              <a:buNone/>
+              <a:defRPr lang="en-US">
+                <a:solidFill>
+                  <a:schemeClr val="tx1">
+                    <a:lumMod val="65000"/>
+                    <a:lumOff val="35000"/>
+                  </a:schemeClr>
+                </a:solidFill>
+              </a:defRPr>
+            </a:lvl1pPr>
+          </a:lstStyle>
+          <a:p>
+            <a:pPr marL="0" lvl="0" indent="0">
+              <a:buNone/>
+            </a:pPr>
+            <a:r>
+              <a:rPr lang="en-US"/>
+              <a:t>Click to edit Master text styles</a:t>
+            </a:r>
+          </a:p>
+        </p:txBody>
+      </p:sp>
+      <p:sp>
+        <p:nvSpPr>
+          <p:cNvPr id="5" name="Date Placeholder 4"/>
+          <p:cNvSpPr>
+            <a:spLocks noGrp="1"/>
+          </p:cNvSpPr>
+          <p:nvPr>
+            <p:ph type="dt" sz="half" idx="10"/>
+          </p:nvPr>
+        </p:nvSpPr>
+        <p:spPr/>
+        <p:txBody>
+          <a:bodyPr/>
+          <a:lstStyle/>
+          <a:p>
+            <a:fld id="{D838D6FB-BF45-466C-9214-15B677CBF5C8}" type="datetimeFigureOut">
+              <a:rPr lang="en-IN" smtClean="0"/>
+              <a:t>29-12-2024</a:t>
+            </a:fld>
+            <a:endParaRPr lang="en-IN"/>
+          </a:p>
+        </p:txBody>
+      </p:sp>
+      <p:sp>
+        <p:nvSpPr>
+          <p:cNvPr id="6" name="Footer Placeholder 5"/>
+          <p:cNvSpPr>
+            <a:spLocks noGrp="1"/>
+          </p:cNvSpPr>
+          <p:nvPr>
+            <p:ph type="ftr" sz="quarter" idx="11"/>
+          </p:nvPr>
+        </p:nvSpPr>
+        <p:spPr/>
+        <p:txBody>
+          <a:bodyPr/>
+          <a:lstStyle/>
+          <a:p>
+            <a:endParaRPr lang="en-IN"/>
+          </a:p>
+        </p:txBody>
+      </p:sp>
+      <p:sp>
+        <p:nvSpPr>
+          <p:cNvPr id="11" name="Freeform 11"/>
+          <p:cNvSpPr/>
+          <p:nvPr/>
+        </p:nvSpPr>
+        <p:spPr bwMode="auto">
+          <a:xfrm flipV="1">
+            <a:off x="-4189" y="4911725"/>
+            <a:ext cx="1588527" cy="507297"/>
+          </a:xfrm>
+          <a:custGeom>
+            <a:avLst/>
+            <a:gdLst/>
+            <a:ahLst/>
+            <a:cxnLst/>
+            <a:rect l="l" t="t" r="r" b="b"/>
+            <a:pathLst>
+              <a:path w="9248" h="10000">
+                <a:moveTo>
+                  <a:pt x="9248" y="4701"/>
+                </a:moveTo>
+                <a:lnTo>
+                  <a:pt x="7915" y="188"/>
+                </a:lnTo>
+                <a:cubicBezTo>
+                  <a:pt x="7906" y="156"/>
+                  <a:pt x="7895" y="126"/>
+                  <a:pt x="7886" y="94"/>
+                </a:cubicBezTo>
+                <a:cubicBezTo>
+                  <a:pt x="7859" y="0"/>
+                  <a:pt x="7831" y="0"/>
+                  <a:pt x="7803" y="0"/>
+                </a:cubicBezTo>
+                <a:lnTo>
+                  <a:pt x="7275" y="0"/>
+                </a:lnTo>
+                <a:lnTo>
+                  <a:pt x="0" y="70"/>
+                </a:lnTo>
+                <a:cubicBezTo>
+                  <a:pt x="8" y="3380"/>
+                  <a:pt x="17" y="6690"/>
+                  <a:pt x="25" y="10000"/>
+                </a:cubicBezTo>
+                <a:lnTo>
+                  <a:pt x="7275" y="9966"/>
+                </a:lnTo>
+                <a:lnTo>
+                  <a:pt x="7803" y="9966"/>
+                </a:lnTo>
+                <a:cubicBezTo>
+                  <a:pt x="7831" y="9966"/>
+                  <a:pt x="7859" y="9872"/>
+                  <a:pt x="7886" y="9872"/>
+                </a:cubicBezTo>
+                <a:cubicBezTo>
+                  <a:pt x="7886" y="9778"/>
+                  <a:pt x="7915" y="9778"/>
+                  <a:pt x="7915" y="9778"/>
+                </a:cubicBezTo>
+                <a:lnTo>
+                  <a:pt x="9248" y="5265"/>
+                </a:lnTo>
+                <a:cubicBezTo>
+                  <a:pt x="9303" y="5077"/>
+                  <a:pt x="9303" y="4889"/>
+                  <a:pt x="9248" y="4701"/>
+                </a:cubicBezTo>
+                <a:close/>
+              </a:path>
+            </a:pathLst>
+          </a:custGeom>
+          <a:solidFill>
+            <a:schemeClr val="accent1"/>
+          </a:solidFill>
+          <a:ln>
+            <a:noFill/>
+          </a:ln>
+        </p:spPr>
+      </p:sp>
+      <p:sp>
+        <p:nvSpPr>
+          <p:cNvPr id="7" name="Slide Number Placeholder 6"/>
+          <p:cNvSpPr>
+            <a:spLocks noGrp="1"/>
+          </p:cNvSpPr>
+          <p:nvPr>
+            <p:ph type="sldNum" sz="quarter" idx="12"/>
+          </p:nvPr>
+        </p:nvSpPr>
+        <p:spPr>
+          <a:xfrm>
+            <a:off x="531812" y="4983087"/>
+            <a:ext cx="779767" cy="365125"/>
+          </a:xfrm>
+        </p:spPr>
+        <p:txBody>
+          <a:bodyPr/>
+          <a:lstStyle/>
+          <a:p>
+            <a:fld id="{E2002345-9007-43CD-BD54-4A4255AE303D}" type="slidenum">
+              <a:rPr lang="en-IN" smtClean="0"/>
+              <a:t>‹#›</a:t>
+            </a:fld>
+            <a:endParaRPr lang="en-IN"/>
+          </a:p>
+        </p:txBody>
+      </p:sp>
+      <p:sp>
+        <p:nvSpPr>
+          <p:cNvPr id="17" name="TextBox 16"/>
+          <p:cNvSpPr txBox="1"/>
+          <p:nvPr/>
+        </p:nvSpPr>
+        <p:spPr>
+          <a:xfrm>
+            <a:off x="2467652" y="648005"/>
+            <a:ext cx="609600" cy="584776"/>
+          </a:xfrm>
+          <a:prstGeom prst="rect">
+            <a:avLst/>
+          </a:prstGeom>
+        </p:spPr>
+        <p:txBody>
+          <a:bodyPr vert="horz" lIns="91440" tIns="45720" rIns="91440" bIns="45720" rtlCol="0" anchor="ctr">
+            <a:noAutofit/>
+          </a:bodyPr>
+          <a:lstStyle/>
+          <a:p>
+            <a:pPr lvl="0"/>
+            <a:r>
+              <a:rPr lang="en-US" sz="8000" baseline="0" dirty="0">
+                <a:ln w="3175" cmpd="sng">
+                  <a:noFill/>
+                </a:ln>
+                <a:solidFill>
+                  <a:schemeClr val="accent1"/>
+                </a:solidFill>
+                <a:effectLst/>
+                <a:latin typeface="Arial"/>
+              </a:rPr>
+              <a:t>“</a:t>
+            </a:r>
+          </a:p>
+        </p:txBody>
+      </p:sp>
+      <p:sp>
+        <p:nvSpPr>
+          <p:cNvPr id="18" name="TextBox 17"/>
+          <p:cNvSpPr txBox="1"/>
+          <p:nvPr/>
+        </p:nvSpPr>
+        <p:spPr>
+          <a:xfrm>
+            <a:off x="11114852" y="2905306"/>
+            <a:ext cx="609600" cy="584776"/>
+          </a:xfrm>
+          <a:prstGeom prst="rect">
+            <a:avLst/>
+          </a:prstGeom>
+        </p:spPr>
+        <p:txBody>
+          <a:bodyPr vert="horz" lIns="91440" tIns="45720" rIns="91440" bIns="45720" rtlCol="0" anchor="ctr">
+            <a:noAutofit/>
+          </a:bodyPr>
+          <a:lstStyle/>
+          <a:p>
+            <a:pPr lvl="0"/>
+            <a:r>
+              <a:rPr lang="en-US" sz="8000" baseline="0" dirty="0">
+                <a:ln w="3175" cmpd="sng">
+                  <a:noFill/>
+                </a:ln>
+                <a:solidFill>
+                  <a:schemeClr val="accent1"/>
+                </a:solidFill>
+                <a:effectLst/>
+                <a:latin typeface="Arial"/>
+              </a:rPr>
+              <a:t>”</a:t>
+            </a:r>
+          </a:p>
+        </p:txBody>
+      </p:sp>
+    </p:spTree>
+    <p:extLst>
+      <p:ext uri="{BB962C8B-B14F-4D97-AF65-F5344CB8AC3E}">
+        <p14:creationId xmlns:p14="http://schemas.microsoft.com/office/powerpoint/2010/main" val="528898140"/>
+      </p:ext>
+    </p:extLst>
+  </p:cSld>
+  <p:clrMapOvr>
+    <a:masterClrMapping/>
+  </p:clrMapOvr>
+</p:sldLayout>
+</file>
+
+<file path=ppt/slideLayouts/slideLayout14.xml><?xml version="1.0" encoding="utf-8"?>
+<p:sldLayout xmlns:a="http://schemas.openxmlformats.org/drawingml/2006/main" xmlns:r="http://schemas.openxmlformats.org/officeDocument/2006/relationships" xmlns:p="http://schemas.openxmlformats.org/presentationml/2006/main" preserve="1">
+  <p:cSld name="True or False">
+    <p:spTree>
+      <p:nvGrpSpPr>
+        <p:cNvPr id="1" name=""/>
+        <p:cNvGrpSpPr/>
+        <p:nvPr/>
+      </p:nvGrpSpPr>
+      <p:grpSpPr>
+        <a:xfrm>
+          <a:off x="0" y="0"/>
+          <a:ext cx="0" cy="0"/>
+          <a:chOff x="0" y="0"/>
+          <a:chExt cx="0" cy="0"/>
+        </a:xfrm>
+      </p:grpSpPr>
+      <p:sp>
+        <p:nvSpPr>
+          <p:cNvPr id="2" name="Title 1"/>
+          <p:cNvSpPr>
+            <a:spLocks noGrp="1"/>
+          </p:cNvSpPr>
+          <p:nvPr>
+            <p:ph type="title"/>
+          </p:nvPr>
+        </p:nvSpPr>
+        <p:spPr>
+          <a:xfrm>
+            <a:off x="2589212" y="627407"/>
+            <a:ext cx="8915399" cy="2880020"/>
+          </a:xfrm>
+        </p:spPr>
+        <p:txBody>
+          <a:bodyPr anchor="ctr">
+            <a:normAutofit/>
+          </a:bodyPr>
+          <a:lstStyle>
+            <a:lvl1pPr algn="l">
+              <a:defRPr sz="4800" b="0"/>
+            </a:lvl1pPr>
+          </a:lstStyle>
+          <a:p>
+            <a:r>
+              <a:rPr lang="en-US"/>
+              <a:t>Click to edit Master title style</a:t>
+            </a:r>
+            <a:endParaRPr lang="en-US" dirty="0"/>
+          </a:p>
+        </p:txBody>
+      </p:sp>
+      <p:sp>
+        <p:nvSpPr>
+          <p:cNvPr id="21" name="Text Placeholder 9"/>
+          <p:cNvSpPr>
+            <a:spLocks noGrp="1"/>
+          </p:cNvSpPr>
+          <p:nvPr>
+            <p:ph type="body" sz="quarter" idx="13"/>
+          </p:nvPr>
+        </p:nvSpPr>
+        <p:spPr>
+          <a:xfrm>
+            <a:off x="2589212" y="4343400"/>
+            <a:ext cx="8915400" cy="838200"/>
+          </a:xfrm>
+        </p:spPr>
+        <p:txBody>
+          <a:bodyPr anchor="b">
+            <a:noAutofit/>
+          </a:bodyPr>
+          <a:lstStyle>
+            <a:lvl1pPr marL="0" indent="0">
+              <a:buFontTx/>
+              <a:buNone/>
+              <a:defRPr sz="2400">
+                <a:solidFill>
+                  <a:schemeClr val="accent1"/>
+                </a:solidFill>
+              </a:defRPr>
+            </a:lvl1pPr>
+            <a:lvl2pPr marL="457200" indent="0">
+              <a:buFontTx/>
+              <a:buNone/>
+              <a:defRPr/>
+            </a:lvl2pPr>
+            <a:lvl3pPr marL="914400" indent="0">
+              <a:buFontTx/>
+              <a:buNone/>
+              <a:defRPr/>
+            </a:lvl3pPr>
+            <a:lvl4pPr marL="1371600" indent="0">
+              <a:buFontTx/>
+              <a:buNone/>
+              <a:defRPr/>
+            </a:lvl4pPr>
+            <a:lvl5pPr marL="1828800" indent="0">
+              <a:buFontTx/>
+              <a:buNone/>
+              <a:defRPr/>
+            </a:lvl5pPr>
+          </a:lstStyle>
+          <a:p>
+            <a:pPr lvl="0"/>
+            <a:r>
+              <a:rPr lang="en-US"/>
+              <a:t>Click to edit Master text styles</a:t>
+            </a:r>
+          </a:p>
+        </p:txBody>
+      </p:sp>
+      <p:sp>
+        <p:nvSpPr>
+          <p:cNvPr id="4" name="Text Placeholder 3"/>
+          <p:cNvSpPr>
+            <a:spLocks noGrp="1"/>
+          </p:cNvSpPr>
+          <p:nvPr>
+            <p:ph type="body" sz="half" idx="2"/>
+          </p:nvPr>
+        </p:nvSpPr>
+        <p:spPr>
+          <a:xfrm>
+            <a:off x="2589213" y="5181600"/>
+            <a:ext cx="8915400" cy="729622"/>
+          </a:xfrm>
+        </p:spPr>
+        <p:txBody>
+          <a:bodyPr vert="horz" lIns="91440" tIns="45720" rIns="91440" bIns="45720" rtlCol="0" anchor="t">
+            <a:normAutofit/>
+          </a:bodyPr>
+          <a:lstStyle>
+            <a:lvl1pPr>
+              <a:buNone/>
+              <a:defRPr lang="en-US">
+                <a:solidFill>
+                  <a:schemeClr val="tx1">
+                    <a:lumMod val="65000"/>
+                    <a:lumOff val="35000"/>
+                  </a:schemeClr>
+                </a:solidFill>
+              </a:defRPr>
+            </a:lvl1pPr>
+          </a:lstStyle>
+          <a:p>
+            <a:pPr marL="0" lvl="0" indent="0">
+              <a:buNone/>
+            </a:pPr>
+            <a:r>
+              <a:rPr lang="en-US"/>
+              <a:t>Click to edit Master text styles</a:t>
+            </a:r>
+          </a:p>
+        </p:txBody>
+      </p:sp>
+      <p:sp>
+        <p:nvSpPr>
+          <p:cNvPr id="5" name="Date Placeholder 4"/>
+          <p:cNvSpPr>
+            <a:spLocks noGrp="1"/>
+          </p:cNvSpPr>
+          <p:nvPr>
+            <p:ph type="dt" sz="half" idx="10"/>
+          </p:nvPr>
+        </p:nvSpPr>
+        <p:spPr/>
+        <p:txBody>
+          <a:bodyPr/>
+          <a:lstStyle/>
+          <a:p>
+            <a:fld id="{D838D6FB-BF45-466C-9214-15B677CBF5C8}" type="datetimeFigureOut">
+              <a:rPr lang="en-IN" smtClean="0"/>
+              <a:t>29-12-2024</a:t>
+            </a:fld>
+            <a:endParaRPr lang="en-IN"/>
+          </a:p>
+        </p:txBody>
+      </p:sp>
+      <p:sp>
+        <p:nvSpPr>
+          <p:cNvPr id="6" name="Footer Placeholder 5"/>
+          <p:cNvSpPr>
+            <a:spLocks noGrp="1"/>
+          </p:cNvSpPr>
+          <p:nvPr>
+            <p:ph type="ftr" sz="quarter" idx="11"/>
+          </p:nvPr>
+        </p:nvSpPr>
+        <p:spPr/>
+        <p:txBody>
+          <a:bodyPr/>
+          <a:lstStyle/>
+          <a:p>
+            <a:endParaRPr lang="en-IN"/>
+          </a:p>
+        </p:txBody>
+      </p:sp>
+      <p:sp>
+        <p:nvSpPr>
+          <p:cNvPr id="9" name="Freeform 11"/>
+          <p:cNvSpPr/>
+          <p:nvPr/>
+        </p:nvSpPr>
+        <p:spPr bwMode="auto">
+          <a:xfrm flipV="1">
+            <a:off x="-4189" y="4911725"/>
+            <a:ext cx="1588527" cy="507297"/>
+          </a:xfrm>
+          <a:custGeom>
+            <a:avLst/>
+            <a:gdLst/>
+            <a:ahLst/>
+            <a:cxnLst/>
+            <a:rect l="l" t="t" r="r" b="b"/>
+            <a:pathLst>
+              <a:path w="9248" h="10000">
+                <a:moveTo>
+                  <a:pt x="9248" y="4701"/>
+                </a:moveTo>
+                <a:lnTo>
+                  <a:pt x="7915" y="188"/>
+                </a:lnTo>
+                <a:cubicBezTo>
+                  <a:pt x="7906" y="156"/>
+                  <a:pt x="7895" y="126"/>
+                  <a:pt x="7886" y="94"/>
+                </a:cubicBezTo>
+                <a:cubicBezTo>
+                  <a:pt x="7859" y="0"/>
+                  <a:pt x="7831" y="0"/>
+                  <a:pt x="7803" y="0"/>
+                </a:cubicBezTo>
+                <a:lnTo>
+                  <a:pt x="7275" y="0"/>
+                </a:lnTo>
+                <a:lnTo>
+                  <a:pt x="0" y="70"/>
+                </a:lnTo>
+                <a:cubicBezTo>
+                  <a:pt x="8" y="3380"/>
+                  <a:pt x="17" y="6690"/>
+                  <a:pt x="25" y="10000"/>
+                </a:cubicBezTo>
+                <a:lnTo>
+                  <a:pt x="7275" y="9966"/>
+                </a:lnTo>
+                <a:lnTo>
+                  <a:pt x="7803" y="9966"/>
+                </a:lnTo>
+                <a:cubicBezTo>
+                  <a:pt x="7831" y="9966"/>
+                  <a:pt x="7859" y="9872"/>
+                  <a:pt x="7886" y="9872"/>
+                </a:cubicBezTo>
+                <a:cubicBezTo>
+                  <a:pt x="7886" y="9778"/>
+                  <a:pt x="7915" y="9778"/>
+                  <a:pt x="7915" y="9778"/>
+                </a:cubicBezTo>
+                <a:lnTo>
+                  <a:pt x="9248" y="5265"/>
+                </a:lnTo>
+                <a:cubicBezTo>
+                  <a:pt x="9303" y="5077"/>
+                  <a:pt x="9303" y="4889"/>
+                  <a:pt x="9248" y="4701"/>
+                </a:cubicBezTo>
+                <a:close/>
+              </a:path>
+            </a:pathLst>
+          </a:custGeom>
+          <a:solidFill>
+            <a:schemeClr val="accent1"/>
+          </a:solidFill>
+          <a:ln>
+            <a:noFill/>
+          </a:ln>
+        </p:spPr>
+      </p:sp>
+      <p:sp>
+        <p:nvSpPr>
+          <p:cNvPr id="7" name="Slide Number Placeholder 6"/>
+          <p:cNvSpPr>
+            <a:spLocks noGrp="1"/>
+          </p:cNvSpPr>
+          <p:nvPr>
+            <p:ph type="sldNum" sz="quarter" idx="12"/>
+          </p:nvPr>
+        </p:nvSpPr>
+        <p:spPr>
+          <a:xfrm>
+            <a:off x="531812" y="4983087"/>
+            <a:ext cx="779767" cy="365125"/>
+          </a:xfrm>
+        </p:spPr>
+        <p:txBody>
+          <a:bodyPr/>
+          <a:lstStyle/>
+          <a:p>
+            <a:fld id="{E2002345-9007-43CD-BD54-4A4255AE303D}" type="slidenum">
+              <a:rPr lang="en-IN" smtClean="0"/>
+              <a:t>‹#›</a:t>
+            </a:fld>
+            <a:endParaRPr lang="en-IN"/>
+          </a:p>
+        </p:txBody>
+      </p:sp>
+    </p:spTree>
+    <p:extLst>
+      <p:ext uri="{BB962C8B-B14F-4D97-AF65-F5344CB8AC3E}">
+        <p14:creationId xmlns:p14="http://schemas.microsoft.com/office/powerpoint/2010/main" val="2135720153"/>
+      </p:ext>
+    </p:extLst>
+  </p:cSld>
+  <p:clrMapOvr>
+    <a:masterClrMapping/>
+  </p:clrMapOvr>
+</p:sldLayout>
+</file>
+
+<file path=ppt/slideLayouts/slideLayout15.xml><?xml version="1.0" encoding="utf-8"?>
 <p:sldLayout xmlns:a="http://schemas.openxmlformats.org/drawingml/2006/main" xmlns:r="http://schemas.openxmlformats.org/officeDocument/2006/relationships" xmlns:p="http://schemas.openxmlformats.org/presentationml/2006/main" type="vertTx" preserve="1">
   <p:cSld name="Title and Vertical Text">
     <p:spTree>
@@ -387,10 +2284,10 @@
           <a:lstStyle/>
           <a:p>
             <a:r>
-              <a:rPr lang="en-US" smtClean="0"/>
+              <a:rPr lang="en-US"/>
               <a:t>Click to edit Master title style</a:t>
             </a:r>
-            <a:endParaRPr lang="en-US"/>
+            <a:endParaRPr lang="en-US" dirty="0"/>
           </a:p>
         </p:txBody>
       </p:sp>
@@ -406,43 +2303,43 @@
         </p:nvSpPr>
         <p:spPr/>
         <p:txBody>
-          <a:bodyPr vert="eaVert"/>
+          <a:bodyPr vert="eaVert" anchor="t"/>
           <a:lstStyle/>
           <a:p>
             <a:pPr lvl="0"/>
             <a:r>
-              <a:rPr lang="en-US" smtClean="0"/>
+              <a:rPr lang="en-US"/>
               <a:t>Click to edit Master text styles</a:t>
             </a:r>
           </a:p>
           <a:p>
             <a:pPr lvl="1"/>
             <a:r>
-              <a:rPr lang="en-US" smtClean="0"/>
+              <a:rPr lang="en-US"/>
               <a:t>Second level</a:t>
             </a:r>
           </a:p>
           <a:p>
             <a:pPr lvl="2"/>
             <a:r>
-              <a:rPr lang="en-US" smtClean="0"/>
+              <a:rPr lang="en-US"/>
               <a:t>Third level</a:t>
             </a:r>
           </a:p>
           <a:p>
             <a:pPr lvl="3"/>
             <a:r>
-              <a:rPr lang="en-US" smtClean="0"/>
+              <a:rPr lang="en-US"/>
               <a:t>Fourth level</a:t>
             </a:r>
           </a:p>
           <a:p>
             <a:pPr lvl="4"/>
             <a:r>
-              <a:rPr lang="en-US" smtClean="0"/>
+              <a:rPr lang="en-US"/>
               <a:t>Fifth level</a:t>
             </a:r>
-            <a:endParaRPr lang="en-US"/>
+            <a:endParaRPr lang="en-US" dirty="0"/>
           </a:p>
         </p:txBody>
       </p:sp>
@@ -461,11 +2358,11 @@
           <a:bodyPr/>
           <a:lstStyle/>
           <a:p>
-            <a:fld id="{5BCAD085-E8A6-8845-BD4E-CB4CCA059FC4}" type="datetimeFigureOut">
-              <a:rPr lang="en-US" smtClean="0"/>
-              <a:t>1/27/13</a:t>
+            <a:fld id="{D838D6FB-BF45-466C-9214-15B677CBF5C8}" type="datetimeFigureOut">
+              <a:rPr lang="en-IN" smtClean="0"/>
+              <a:t>29-12-2024</a:t>
             </a:fld>
-            <a:endParaRPr lang="en-US"/>
+            <a:endParaRPr lang="en-IN"/>
           </a:p>
         </p:txBody>
       </p:sp>
@@ -484,9 +2381,91 @@
           <a:bodyPr/>
           <a:lstStyle/>
           <a:p>
-            <a:endParaRPr lang="en-US"/>
-          </a:p>
-        </p:txBody>
+            <a:endParaRPr lang="en-IN"/>
+          </a:p>
+        </p:txBody>
+      </p:sp>
+      <p:sp>
+        <p:nvSpPr>
+          <p:cNvPr id="8" name="Freeform 11"/>
+          <p:cNvSpPr/>
+          <p:nvPr/>
+        </p:nvSpPr>
+        <p:spPr bwMode="auto">
+          <a:xfrm flipV="1">
+            <a:off x="-4189" y="714375"/>
+            <a:ext cx="1588527" cy="507297"/>
+          </a:xfrm>
+          <a:custGeom>
+            <a:avLst/>
+            <a:gdLst/>
+            <a:ahLst/>
+            <a:cxnLst/>
+            <a:rect l="l" t="t" r="r" b="b"/>
+            <a:pathLst>
+              <a:path w="9248" h="10000">
+                <a:moveTo>
+                  <a:pt x="9248" y="4701"/>
+                </a:moveTo>
+                <a:lnTo>
+                  <a:pt x="7915" y="188"/>
+                </a:lnTo>
+                <a:cubicBezTo>
+                  <a:pt x="7906" y="156"/>
+                  <a:pt x="7895" y="126"/>
+                  <a:pt x="7886" y="94"/>
+                </a:cubicBezTo>
+                <a:cubicBezTo>
+                  <a:pt x="7859" y="0"/>
+                  <a:pt x="7831" y="0"/>
+                  <a:pt x="7803" y="0"/>
+                </a:cubicBezTo>
+                <a:lnTo>
+                  <a:pt x="7275" y="0"/>
+                </a:lnTo>
+                <a:lnTo>
+                  <a:pt x="0" y="70"/>
+                </a:lnTo>
+                <a:cubicBezTo>
+                  <a:pt x="8" y="3380"/>
+                  <a:pt x="17" y="6690"/>
+                  <a:pt x="25" y="10000"/>
+                </a:cubicBezTo>
+                <a:lnTo>
+                  <a:pt x="7275" y="9966"/>
+                </a:lnTo>
+                <a:lnTo>
+                  <a:pt x="7803" y="9966"/>
+                </a:lnTo>
+                <a:cubicBezTo>
+                  <a:pt x="7831" y="9966"/>
+                  <a:pt x="7859" y="9872"/>
+                  <a:pt x="7886" y="9872"/>
+                </a:cubicBezTo>
+                <a:cubicBezTo>
+                  <a:pt x="7886" y="9778"/>
+                  <a:pt x="7915" y="9778"/>
+                  <a:pt x="7915" y="9778"/>
+                </a:cubicBezTo>
+                <a:lnTo>
+                  <a:pt x="9248" y="5265"/>
+                </a:lnTo>
+                <a:cubicBezTo>
+                  <a:pt x="9303" y="5077"/>
+                  <a:pt x="9303" y="4889"/>
+                  <a:pt x="9248" y="4701"/>
+                </a:cubicBezTo>
+                <a:close/>
+              </a:path>
+            </a:pathLst>
+          </a:custGeom>
+          <a:solidFill>
+            <a:schemeClr val="accent1"/>
+          </a:solidFill>
+          <a:ln>
+            <a:noFill/>
+          </a:ln>
+        </p:spPr>
       </p:sp>
       <p:sp>
         <p:nvSpPr>
@@ -503,18 +2482,18 @@
           <a:bodyPr/>
           <a:lstStyle/>
           <a:p>
-            <a:fld id="{C1FF6DA9-008F-8B48-92A6-B652298478BF}" type="slidenum">
-              <a:rPr lang="en-US" smtClean="0"/>
+            <a:fld id="{E2002345-9007-43CD-BD54-4A4255AE303D}" type="slidenum">
+              <a:rPr lang="en-IN" smtClean="0"/>
               <a:t>‹#›</a:t>
             </a:fld>
-            <a:endParaRPr lang="en-US"/>
+            <a:endParaRPr lang="en-IN"/>
           </a:p>
         </p:txBody>
       </p:sp>
     </p:spTree>
     <p:extLst>
       <p:ext uri="{BB962C8B-B14F-4D97-AF65-F5344CB8AC3E}">
-        <p14:creationId xmlns:p14="http://schemas.microsoft.com/office/powerpoint/2010/main" val="2910927964"/>
+        <p14:creationId xmlns:p14="http://schemas.microsoft.com/office/powerpoint/2010/main" val="355317060"/>
       </p:ext>
     </p:extLst>
   </p:cSld>
@@ -524,7 +2503,7 @@
 </p:sldLayout>
 </file>
 
-<file path=ppt/slideLayouts/slideLayout11.xml><?xml version="1.0" encoding="utf-8"?>
+<file path=ppt/slideLayouts/slideLayout16.xml><?xml version="1.0" encoding="utf-8"?>
 <p:sldLayout xmlns:a="http://schemas.openxmlformats.org/drawingml/2006/main" xmlns:r="http://schemas.openxmlformats.org/officeDocument/2006/relationships" xmlns:p="http://schemas.openxmlformats.org/presentationml/2006/main" type="vertTitleAndTx" preserve="1">
   <p:cSld name="Vertical Title and Text">
     <p:spTree>
@@ -553,76 +2532,76 @@
         </p:nvSpPr>
         <p:spPr>
           <a:xfrm>
-            <a:off x="6629400" y="274638"/>
-            <a:ext cx="2057400" cy="5851525"/>
+            <a:off x="9294812" y="627405"/>
+            <a:ext cx="2207601" cy="5283817"/>
           </a:xfrm>
         </p:spPr>
         <p:txBody>
+          <a:bodyPr vert="eaVert" anchor="ctr"/>
+          <a:lstStyle/>
+          <a:p>
+            <a:r>
+              <a:rPr lang="en-US"/>
+              <a:t>Click to edit Master title style</a:t>
+            </a:r>
+            <a:endParaRPr lang="en-US" dirty="0"/>
+          </a:p>
+        </p:txBody>
+      </p:sp>
+      <p:sp>
+        <p:nvSpPr>
+          <p:cNvPr id="3" name="Vertical Text Placeholder 2"/>
+          <p:cNvSpPr>
+            <a:spLocks noGrp="1"/>
+          </p:cNvSpPr>
+          <p:nvPr>
+            <p:ph type="body" orient="vert" idx="1"/>
+          </p:nvPr>
+        </p:nvSpPr>
+        <p:spPr>
+          <a:xfrm>
+            <a:off x="2589212" y="627405"/>
+            <a:ext cx="6477000" cy="5283817"/>
+          </a:xfrm>
+        </p:spPr>
+        <p:txBody>
           <a:bodyPr vert="eaVert"/>
           <a:lstStyle/>
           <a:p>
-            <a:r>
-              <a:rPr lang="en-US" smtClean="0"/>
-              <a:t>Click to edit Master title style</a:t>
-            </a:r>
-            <a:endParaRPr lang="en-US"/>
-          </a:p>
-        </p:txBody>
-      </p:sp>
-      <p:sp>
-        <p:nvSpPr>
-          <p:cNvPr id="3" name="Vertical Text Placeholder 2"/>
-          <p:cNvSpPr>
-            <a:spLocks noGrp="1"/>
-          </p:cNvSpPr>
-          <p:nvPr>
-            <p:ph type="body" orient="vert" idx="1"/>
-          </p:nvPr>
-        </p:nvSpPr>
-        <p:spPr>
-          <a:xfrm>
-            <a:off x="457200" y="274638"/>
-            <a:ext cx="6019800" cy="5851525"/>
-          </a:xfrm>
-        </p:spPr>
-        <p:txBody>
-          <a:bodyPr vert="eaVert"/>
-          <a:lstStyle/>
-          <a:p>
             <a:pPr lvl="0"/>
             <a:r>
-              <a:rPr lang="en-US" smtClean="0"/>
+              <a:rPr lang="en-US"/>
               <a:t>Click to edit Master text styles</a:t>
             </a:r>
           </a:p>
           <a:p>
             <a:pPr lvl="1"/>
             <a:r>
-              <a:rPr lang="en-US" smtClean="0"/>
+              <a:rPr lang="en-US"/>
               <a:t>Second level</a:t>
             </a:r>
           </a:p>
           <a:p>
             <a:pPr lvl="2"/>
             <a:r>
-              <a:rPr lang="en-US" smtClean="0"/>
+              <a:rPr lang="en-US"/>
               <a:t>Third level</a:t>
             </a:r>
           </a:p>
           <a:p>
             <a:pPr lvl="3"/>
             <a:r>
-              <a:rPr lang="en-US" smtClean="0"/>
+              <a:rPr lang="en-US"/>
               <a:t>Fourth level</a:t>
             </a:r>
           </a:p>
           <a:p>
             <a:pPr lvl="4"/>
             <a:r>
-              <a:rPr lang="en-US" smtClean="0"/>
+              <a:rPr lang="en-US"/>
               <a:t>Fifth level</a:t>
             </a:r>
-            <a:endParaRPr lang="en-US"/>
+            <a:endParaRPr lang="en-US" dirty="0"/>
           </a:p>
         </p:txBody>
       </p:sp>
@@ -641,11 +2620,11 @@
           <a:bodyPr/>
           <a:lstStyle/>
           <a:p>
-            <a:fld id="{5BCAD085-E8A6-8845-BD4E-CB4CCA059FC4}" type="datetimeFigureOut">
-              <a:rPr lang="en-US" smtClean="0"/>
-              <a:t>1/27/13</a:t>
+            <a:fld id="{D838D6FB-BF45-466C-9214-15B677CBF5C8}" type="datetimeFigureOut">
+              <a:rPr lang="en-IN" smtClean="0"/>
+              <a:t>29-12-2024</a:t>
             </a:fld>
-            <a:endParaRPr lang="en-US"/>
+            <a:endParaRPr lang="en-IN"/>
           </a:p>
         </p:txBody>
       </p:sp>
@@ -664,9 +2643,91 @@
           <a:bodyPr/>
           <a:lstStyle/>
           <a:p>
-            <a:endParaRPr lang="en-US"/>
-          </a:p>
-        </p:txBody>
+            <a:endParaRPr lang="en-IN"/>
+          </a:p>
+        </p:txBody>
+      </p:sp>
+      <p:sp>
+        <p:nvSpPr>
+          <p:cNvPr id="8" name="Freeform 11"/>
+          <p:cNvSpPr/>
+          <p:nvPr/>
+        </p:nvSpPr>
+        <p:spPr bwMode="auto">
+          <a:xfrm flipV="1">
+            <a:off x="-4189" y="714375"/>
+            <a:ext cx="1588527" cy="507297"/>
+          </a:xfrm>
+          <a:custGeom>
+            <a:avLst/>
+            <a:gdLst/>
+            <a:ahLst/>
+            <a:cxnLst/>
+            <a:rect l="l" t="t" r="r" b="b"/>
+            <a:pathLst>
+              <a:path w="9248" h="10000">
+                <a:moveTo>
+                  <a:pt x="9248" y="4701"/>
+                </a:moveTo>
+                <a:lnTo>
+                  <a:pt x="7915" y="188"/>
+                </a:lnTo>
+                <a:cubicBezTo>
+                  <a:pt x="7906" y="156"/>
+                  <a:pt x="7895" y="126"/>
+                  <a:pt x="7886" y="94"/>
+                </a:cubicBezTo>
+                <a:cubicBezTo>
+                  <a:pt x="7859" y="0"/>
+                  <a:pt x="7831" y="0"/>
+                  <a:pt x="7803" y="0"/>
+                </a:cubicBezTo>
+                <a:lnTo>
+                  <a:pt x="7275" y="0"/>
+                </a:lnTo>
+                <a:lnTo>
+                  <a:pt x="0" y="70"/>
+                </a:lnTo>
+                <a:cubicBezTo>
+                  <a:pt x="8" y="3380"/>
+                  <a:pt x="17" y="6690"/>
+                  <a:pt x="25" y="10000"/>
+                </a:cubicBezTo>
+                <a:lnTo>
+                  <a:pt x="7275" y="9966"/>
+                </a:lnTo>
+                <a:lnTo>
+                  <a:pt x="7803" y="9966"/>
+                </a:lnTo>
+                <a:cubicBezTo>
+                  <a:pt x="7831" y="9966"/>
+                  <a:pt x="7859" y="9872"/>
+                  <a:pt x="7886" y="9872"/>
+                </a:cubicBezTo>
+                <a:cubicBezTo>
+                  <a:pt x="7886" y="9778"/>
+                  <a:pt x="7915" y="9778"/>
+                  <a:pt x="7915" y="9778"/>
+                </a:cubicBezTo>
+                <a:lnTo>
+                  <a:pt x="9248" y="5265"/>
+                </a:lnTo>
+                <a:cubicBezTo>
+                  <a:pt x="9303" y="5077"/>
+                  <a:pt x="9303" y="4889"/>
+                  <a:pt x="9248" y="4701"/>
+                </a:cubicBezTo>
+                <a:close/>
+              </a:path>
+            </a:pathLst>
+          </a:custGeom>
+          <a:solidFill>
+            <a:schemeClr val="accent1"/>
+          </a:solidFill>
+          <a:ln>
+            <a:noFill/>
+          </a:ln>
+        </p:spPr>
       </p:sp>
       <p:sp>
         <p:nvSpPr>
@@ -683,18 +2744,18 @@
           <a:bodyPr/>
           <a:lstStyle/>
           <a:p>
-            <a:fld id="{C1FF6DA9-008F-8B48-92A6-B652298478BF}" type="slidenum">
-              <a:rPr lang="en-US" smtClean="0"/>
+            <a:fld id="{E2002345-9007-43CD-BD54-4A4255AE303D}" type="slidenum">
+              <a:rPr lang="en-IN" smtClean="0"/>
               <a:t>‹#›</a:t>
             </a:fld>
-            <a:endParaRPr lang="en-US"/>
+            <a:endParaRPr lang="en-IN"/>
           </a:p>
         </p:txBody>
       </p:sp>
     </p:spTree>
     <p:extLst>
       <p:ext uri="{BB962C8B-B14F-4D97-AF65-F5344CB8AC3E}">
-        <p14:creationId xmlns:p14="http://schemas.microsoft.com/office/powerpoint/2010/main" val="3612223792"/>
+        <p14:creationId xmlns:p14="http://schemas.microsoft.com/office/powerpoint/2010/main" val="3179405369"/>
       </p:ext>
     </p:extLst>
   </p:cSld>
@@ -731,16 +2792,21 @@
             <p:ph type="title"/>
           </p:nvPr>
         </p:nvSpPr>
-        <p:spPr/>
+        <p:spPr>
+          <a:xfrm>
+            <a:off x="2592925" y="624110"/>
+            <a:ext cx="8911687" cy="1280890"/>
+          </a:xfrm>
+        </p:spPr>
         <p:txBody>
           <a:bodyPr/>
           <a:lstStyle/>
           <a:p>
             <a:r>
-              <a:rPr lang="en-US" smtClean="0"/>
+              <a:rPr lang="en-US"/>
               <a:t>Click to edit Master title style</a:t>
             </a:r>
-            <a:endParaRPr lang="en-US"/>
+            <a:endParaRPr lang="en-US" dirty="0"/>
           </a:p>
         </p:txBody>
       </p:sp>
@@ -754,45 +2820,50 @@
             <p:ph idx="1"/>
           </p:nvPr>
         </p:nvSpPr>
-        <p:spPr/>
+        <p:spPr>
+          <a:xfrm>
+            <a:off x="2589212" y="2133600"/>
+            <a:ext cx="8915400" cy="3777622"/>
+          </a:xfrm>
+        </p:spPr>
         <p:txBody>
           <a:bodyPr/>
           <a:lstStyle/>
           <a:p>
             <a:pPr lvl="0"/>
             <a:r>
-              <a:rPr lang="en-US" smtClean="0"/>
+              <a:rPr lang="en-US"/>
               <a:t>Click to edit Master text styles</a:t>
             </a:r>
           </a:p>
           <a:p>
             <a:pPr lvl="1"/>
             <a:r>
-              <a:rPr lang="en-US" smtClean="0"/>
+              <a:rPr lang="en-US"/>
               <a:t>Second level</a:t>
             </a:r>
           </a:p>
           <a:p>
             <a:pPr lvl="2"/>
             <a:r>
-              <a:rPr lang="en-US" smtClean="0"/>
+              <a:rPr lang="en-US"/>
               <a:t>Third level</a:t>
             </a:r>
           </a:p>
           <a:p>
             <a:pPr lvl="3"/>
             <a:r>
-              <a:rPr lang="en-US" smtClean="0"/>
+              <a:rPr lang="en-US"/>
               <a:t>Fourth level</a:t>
             </a:r>
           </a:p>
           <a:p>
             <a:pPr lvl="4"/>
             <a:r>
-              <a:rPr lang="en-US" smtClean="0"/>
+              <a:rPr lang="en-US"/>
               <a:t>Fifth level</a:t>
             </a:r>
-            <a:endParaRPr lang="en-US"/>
+            <a:endParaRPr lang="en-US" dirty="0"/>
           </a:p>
         </p:txBody>
       </p:sp>
@@ -811,11 +2882,11 @@
           <a:bodyPr/>
           <a:lstStyle/>
           <a:p>
-            <a:fld id="{5BCAD085-E8A6-8845-BD4E-CB4CCA059FC4}" type="datetimeFigureOut">
-              <a:rPr lang="en-US" smtClean="0"/>
-              <a:t>1/27/13</a:t>
+            <a:fld id="{D838D6FB-BF45-466C-9214-15B677CBF5C8}" type="datetimeFigureOut">
+              <a:rPr lang="en-IN" smtClean="0"/>
+              <a:t>29-12-2024</a:t>
             </a:fld>
-            <a:endParaRPr lang="en-US"/>
+            <a:endParaRPr lang="en-IN"/>
           </a:p>
         </p:txBody>
       </p:sp>
@@ -834,9 +2905,91 @@
           <a:bodyPr/>
           <a:lstStyle/>
           <a:p>
-            <a:endParaRPr lang="en-US"/>
-          </a:p>
-        </p:txBody>
+            <a:endParaRPr lang="en-IN"/>
+          </a:p>
+        </p:txBody>
+      </p:sp>
+      <p:sp>
+        <p:nvSpPr>
+          <p:cNvPr id="8" name="Freeform 11"/>
+          <p:cNvSpPr/>
+          <p:nvPr/>
+        </p:nvSpPr>
+        <p:spPr bwMode="auto">
+          <a:xfrm flipV="1">
+            <a:off x="-4189" y="714375"/>
+            <a:ext cx="1588527" cy="507297"/>
+          </a:xfrm>
+          <a:custGeom>
+            <a:avLst/>
+            <a:gdLst/>
+            <a:ahLst/>
+            <a:cxnLst/>
+            <a:rect l="l" t="t" r="r" b="b"/>
+            <a:pathLst>
+              <a:path w="9248" h="10000">
+                <a:moveTo>
+                  <a:pt x="9248" y="4701"/>
+                </a:moveTo>
+                <a:lnTo>
+                  <a:pt x="7915" y="188"/>
+                </a:lnTo>
+                <a:cubicBezTo>
+                  <a:pt x="7906" y="156"/>
+                  <a:pt x="7895" y="126"/>
+                  <a:pt x="7886" y="94"/>
+                </a:cubicBezTo>
+                <a:cubicBezTo>
+                  <a:pt x="7859" y="0"/>
+                  <a:pt x="7831" y="0"/>
+                  <a:pt x="7803" y="0"/>
+                </a:cubicBezTo>
+                <a:lnTo>
+                  <a:pt x="7275" y="0"/>
+                </a:lnTo>
+                <a:lnTo>
+                  <a:pt x="0" y="70"/>
+                </a:lnTo>
+                <a:cubicBezTo>
+                  <a:pt x="8" y="3380"/>
+                  <a:pt x="17" y="6690"/>
+                  <a:pt x="25" y="10000"/>
+                </a:cubicBezTo>
+                <a:lnTo>
+                  <a:pt x="7275" y="9966"/>
+                </a:lnTo>
+                <a:lnTo>
+                  <a:pt x="7803" y="9966"/>
+                </a:lnTo>
+                <a:cubicBezTo>
+                  <a:pt x="7831" y="9966"/>
+                  <a:pt x="7859" y="9872"/>
+                  <a:pt x="7886" y="9872"/>
+                </a:cubicBezTo>
+                <a:cubicBezTo>
+                  <a:pt x="7886" y="9778"/>
+                  <a:pt x="7915" y="9778"/>
+                  <a:pt x="7915" y="9778"/>
+                </a:cubicBezTo>
+                <a:lnTo>
+                  <a:pt x="9248" y="5265"/>
+                </a:lnTo>
+                <a:cubicBezTo>
+                  <a:pt x="9303" y="5077"/>
+                  <a:pt x="9303" y="4889"/>
+                  <a:pt x="9248" y="4701"/>
+                </a:cubicBezTo>
+                <a:close/>
+              </a:path>
+            </a:pathLst>
+          </a:custGeom>
+          <a:solidFill>
+            <a:schemeClr val="accent1"/>
+          </a:solidFill>
+          <a:ln>
+            <a:noFill/>
+          </a:ln>
+        </p:spPr>
       </p:sp>
       <p:sp>
         <p:nvSpPr>
@@ -853,18 +3006,18 @@
           <a:bodyPr/>
           <a:lstStyle/>
           <a:p>
-            <a:fld id="{C1FF6DA9-008F-8B48-92A6-B652298478BF}" type="slidenum">
-              <a:rPr lang="en-US" smtClean="0"/>
+            <a:fld id="{E2002345-9007-43CD-BD54-4A4255AE303D}" type="slidenum">
+              <a:rPr lang="en-IN" smtClean="0"/>
               <a:t>‹#›</a:t>
             </a:fld>
-            <a:endParaRPr lang="en-US"/>
+            <a:endParaRPr lang="en-IN"/>
           </a:p>
         </p:txBody>
       </p:sp>
     </p:spTree>
     <p:extLst>
       <p:ext uri="{BB962C8B-B14F-4D97-AF65-F5344CB8AC3E}">
-        <p14:creationId xmlns:p14="http://schemas.microsoft.com/office/powerpoint/2010/main" val="2614314258"/>
+        <p14:creationId xmlns:p14="http://schemas.microsoft.com/office/powerpoint/2010/main" val="3548553184"/>
       </p:ext>
     </p:extLst>
   </p:cSld>
@@ -903,51 +3056,52 @@
         </p:nvSpPr>
         <p:spPr>
           <a:xfrm>
-            <a:off x="722313" y="4406900"/>
-            <a:ext cx="7772400" cy="1362075"/>
+            <a:off x="2589212" y="2058750"/>
+            <a:ext cx="8915399" cy="1468800"/>
           </a:xfrm>
         </p:spPr>
         <p:txBody>
+          <a:bodyPr anchor="b"/>
+          <a:lstStyle>
+            <a:lvl1pPr algn="l">
+              <a:defRPr sz="4000" b="0" cap="none"/>
+            </a:lvl1pPr>
+          </a:lstStyle>
+          <a:p>
+            <a:r>
+              <a:rPr lang="en-US"/>
+              <a:t>Click to edit Master title style</a:t>
+            </a:r>
+            <a:endParaRPr lang="en-US" dirty="0"/>
+          </a:p>
+        </p:txBody>
+      </p:sp>
+      <p:sp>
+        <p:nvSpPr>
+          <p:cNvPr id="3" name="Text Placeholder 2"/>
+          <p:cNvSpPr>
+            <a:spLocks noGrp="1"/>
+          </p:cNvSpPr>
+          <p:nvPr>
+            <p:ph type="body" idx="1"/>
+          </p:nvPr>
+        </p:nvSpPr>
+        <p:spPr>
+          <a:xfrm>
+            <a:off x="2589212" y="3530129"/>
+            <a:ext cx="8915399" cy="860400"/>
+          </a:xfrm>
+        </p:spPr>
+        <p:txBody>
           <a:bodyPr anchor="t"/>
           <a:lstStyle>
-            <a:lvl1pPr algn="l">
-              <a:defRPr sz="4000" b="1" cap="all"/>
-            </a:lvl1pPr>
-          </a:lstStyle>
-          <a:p>
-            <a:r>
-              <a:rPr lang="en-US" smtClean="0"/>
-              <a:t>Click to edit Master title style</a:t>
-            </a:r>
-            <a:endParaRPr lang="en-US"/>
-          </a:p>
-        </p:txBody>
-      </p:sp>
-      <p:sp>
-        <p:nvSpPr>
-          <p:cNvPr id="3" name="Text Placeholder 2"/>
-          <p:cNvSpPr>
-            <a:spLocks noGrp="1"/>
-          </p:cNvSpPr>
-          <p:nvPr>
-            <p:ph type="body" idx="1"/>
-          </p:nvPr>
-        </p:nvSpPr>
-        <p:spPr>
-          <a:xfrm>
-            <a:off x="722313" y="2906713"/>
-            <a:ext cx="7772400" cy="1500187"/>
-          </a:xfrm>
-        </p:spPr>
-        <p:txBody>
-          <a:bodyPr anchor="b"/>
-          <a:lstStyle>
-            <a:lvl1pPr marL="0" indent="0">
+            <a:lvl1pPr marL="0" indent="0" algn="l">
               <a:buNone/>
               <a:defRPr sz="2000">
                 <a:solidFill>
                   <a:schemeClr val="tx1">
-                    <a:tint val="75000"/>
+                    <a:lumMod val="65000"/>
+                    <a:lumOff val="35000"/>
                   </a:schemeClr>
                 </a:solidFill>
               </a:defRPr>
@@ -1036,7 +3190,7 @@
           <a:p>
             <a:pPr lvl="0"/>
             <a:r>
-              <a:rPr lang="en-US" smtClean="0"/>
+              <a:rPr lang="en-US"/>
               <a:t>Click to edit Master text styles</a:t>
             </a:r>
           </a:p>
@@ -1057,11 +3211,11 @@
           <a:bodyPr/>
           <a:lstStyle/>
           <a:p>
-            <a:fld id="{5BCAD085-E8A6-8845-BD4E-CB4CCA059FC4}" type="datetimeFigureOut">
-              <a:rPr lang="en-US" smtClean="0"/>
-              <a:t>1/27/13</a:t>
+            <a:fld id="{D838D6FB-BF45-466C-9214-15B677CBF5C8}" type="datetimeFigureOut">
+              <a:rPr lang="en-IN" smtClean="0"/>
+              <a:t>29-12-2024</a:t>
             </a:fld>
-            <a:endParaRPr lang="en-US"/>
+            <a:endParaRPr lang="en-IN"/>
           </a:p>
         </p:txBody>
       </p:sp>
@@ -1080,9 +3234,91 @@
           <a:bodyPr/>
           <a:lstStyle/>
           <a:p>
-            <a:endParaRPr lang="en-US"/>
-          </a:p>
-        </p:txBody>
+            <a:endParaRPr lang="en-IN"/>
+          </a:p>
+        </p:txBody>
+      </p:sp>
+      <p:sp>
+        <p:nvSpPr>
+          <p:cNvPr id="9" name="Freeform 11"/>
+          <p:cNvSpPr/>
+          <p:nvPr/>
+        </p:nvSpPr>
+        <p:spPr bwMode="auto">
+          <a:xfrm flipV="1">
+            <a:off x="-4189" y="3178175"/>
+            <a:ext cx="1588527" cy="507297"/>
+          </a:xfrm>
+          <a:custGeom>
+            <a:avLst/>
+            <a:gdLst/>
+            <a:ahLst/>
+            <a:cxnLst/>
+            <a:rect l="l" t="t" r="r" b="b"/>
+            <a:pathLst>
+              <a:path w="9248" h="10000">
+                <a:moveTo>
+                  <a:pt x="9248" y="4701"/>
+                </a:moveTo>
+                <a:lnTo>
+                  <a:pt x="7915" y="188"/>
+                </a:lnTo>
+                <a:cubicBezTo>
+                  <a:pt x="7906" y="156"/>
+                  <a:pt x="7895" y="126"/>
+                  <a:pt x="7886" y="94"/>
+                </a:cubicBezTo>
+                <a:cubicBezTo>
+                  <a:pt x="7859" y="0"/>
+                  <a:pt x="7831" y="0"/>
+                  <a:pt x="7803" y="0"/>
+                </a:cubicBezTo>
+                <a:lnTo>
+                  <a:pt x="7275" y="0"/>
+                </a:lnTo>
+                <a:lnTo>
+                  <a:pt x="0" y="70"/>
+                </a:lnTo>
+                <a:cubicBezTo>
+                  <a:pt x="8" y="3380"/>
+                  <a:pt x="17" y="6690"/>
+                  <a:pt x="25" y="10000"/>
+                </a:cubicBezTo>
+                <a:lnTo>
+                  <a:pt x="7275" y="9966"/>
+                </a:lnTo>
+                <a:lnTo>
+                  <a:pt x="7803" y="9966"/>
+                </a:lnTo>
+                <a:cubicBezTo>
+                  <a:pt x="7831" y="9966"/>
+                  <a:pt x="7859" y="9872"/>
+                  <a:pt x="7886" y="9872"/>
+                </a:cubicBezTo>
+                <a:cubicBezTo>
+                  <a:pt x="7886" y="9778"/>
+                  <a:pt x="7915" y="9778"/>
+                  <a:pt x="7915" y="9778"/>
+                </a:cubicBezTo>
+                <a:lnTo>
+                  <a:pt x="9248" y="5265"/>
+                </a:lnTo>
+                <a:cubicBezTo>
+                  <a:pt x="9303" y="5077"/>
+                  <a:pt x="9303" y="4889"/>
+                  <a:pt x="9248" y="4701"/>
+                </a:cubicBezTo>
+                <a:close/>
+              </a:path>
+            </a:pathLst>
+          </a:custGeom>
+          <a:solidFill>
+            <a:schemeClr val="accent1"/>
+          </a:solidFill>
+          <a:ln>
+            <a:noFill/>
+          </a:ln>
+        </p:spPr>
       </p:sp>
       <p:sp>
         <p:nvSpPr>
@@ -1094,23 +3330,28 @@
             <p:ph type="sldNum" sz="quarter" idx="12"/>
           </p:nvPr>
         </p:nvSpPr>
-        <p:spPr/>
+        <p:spPr>
+          <a:xfrm>
+            <a:off x="531812" y="3244139"/>
+            <a:ext cx="779767" cy="365125"/>
+          </a:xfrm>
+        </p:spPr>
         <p:txBody>
           <a:bodyPr/>
           <a:lstStyle/>
           <a:p>
-            <a:fld id="{C1FF6DA9-008F-8B48-92A6-B652298478BF}" type="slidenum">
-              <a:rPr lang="en-US" smtClean="0"/>
+            <a:fld id="{E2002345-9007-43CD-BD54-4A4255AE303D}" type="slidenum">
+              <a:rPr lang="en-IN" smtClean="0"/>
               <a:t>‹#›</a:t>
             </a:fld>
-            <a:endParaRPr lang="en-US"/>
+            <a:endParaRPr lang="en-IN"/>
           </a:p>
         </p:txBody>
       </p:sp>
     </p:spTree>
     <p:extLst>
       <p:ext uri="{BB962C8B-B14F-4D97-AF65-F5344CB8AC3E}">
-        <p14:creationId xmlns:p14="http://schemas.microsoft.com/office/powerpoint/2010/main" val="960648375"/>
+        <p14:creationId xmlns:p14="http://schemas.microsoft.com/office/powerpoint/2010/main" val="1341367717"/>
       </p:ext>
     </p:extLst>
   </p:cSld>
@@ -1139,7 +3380,7 @@
       </p:grpSpPr>
       <p:sp>
         <p:nvSpPr>
-          <p:cNvPr id="2" name="Title 1"/>
+          <p:cNvPr id="8" name="Title 7"/>
           <p:cNvSpPr>
             <a:spLocks noGrp="1"/>
           </p:cNvSpPr>
@@ -1153,10 +3394,10 @@
           <a:lstStyle/>
           <a:p>
             <a:r>
-              <a:rPr lang="en-US" smtClean="0"/>
+              <a:rPr lang="en-US"/>
               <a:t>Click to edit Master title style</a:t>
             </a:r>
-            <a:endParaRPr lang="en-US"/>
+            <a:endParaRPr lang="en-US" dirty="0"/>
           </a:p>
         </p:txBody>
       </p:sp>
@@ -1172,76 +3413,50 @@
         </p:nvSpPr>
         <p:spPr>
           <a:xfrm>
-            <a:off x="457200" y="1600200"/>
-            <a:ext cx="4038600" cy="4525963"/>
+            <a:off x="2589212" y="2133600"/>
+            <a:ext cx="4313864" cy="3777622"/>
           </a:xfrm>
         </p:spPr>
         <p:txBody>
-          <a:bodyPr/>
-          <a:lstStyle>
-            <a:lvl1pPr>
-              <a:defRPr sz="2800"/>
-            </a:lvl1pPr>
-            <a:lvl2pPr>
-              <a:defRPr sz="2400"/>
-            </a:lvl2pPr>
-            <a:lvl3pPr>
-              <a:defRPr sz="2000"/>
-            </a:lvl3pPr>
-            <a:lvl4pPr>
-              <a:defRPr sz="1800"/>
-            </a:lvl4pPr>
-            <a:lvl5pPr>
-              <a:defRPr sz="1800"/>
-            </a:lvl5pPr>
-            <a:lvl6pPr>
-              <a:defRPr sz="1800"/>
-            </a:lvl6pPr>
-            <a:lvl7pPr>
-              <a:defRPr sz="1800"/>
-            </a:lvl7pPr>
-            <a:lvl8pPr>
-              <a:defRPr sz="1800"/>
-            </a:lvl8pPr>
-            <a:lvl9pPr>
-              <a:defRPr sz="1800"/>
-            </a:lvl9pPr>
-          </a:lstStyle>
+          <a:bodyPr>
+            <a:normAutofit/>
+          </a:bodyPr>
+          <a:lstStyle/>
           <a:p>
             <a:pPr lvl="0"/>
             <a:r>
-              <a:rPr lang="en-US" smtClean="0"/>
+              <a:rPr lang="en-US"/>
               <a:t>Click to edit Master text styles</a:t>
             </a:r>
           </a:p>
           <a:p>
             <a:pPr lvl="1"/>
             <a:r>
-              <a:rPr lang="en-US" smtClean="0"/>
+              <a:rPr lang="en-US"/>
               <a:t>Second level</a:t>
             </a:r>
           </a:p>
           <a:p>
             <a:pPr lvl="2"/>
             <a:r>
-              <a:rPr lang="en-US" smtClean="0"/>
+              <a:rPr lang="en-US"/>
               <a:t>Third level</a:t>
             </a:r>
           </a:p>
           <a:p>
             <a:pPr lvl="3"/>
             <a:r>
-              <a:rPr lang="en-US" smtClean="0"/>
+              <a:rPr lang="en-US"/>
               <a:t>Fourth level</a:t>
             </a:r>
           </a:p>
           <a:p>
             <a:pPr lvl="4"/>
             <a:r>
-              <a:rPr lang="en-US" smtClean="0"/>
+              <a:rPr lang="en-US"/>
               <a:t>Fifth level</a:t>
             </a:r>
-            <a:endParaRPr lang="en-US"/>
+            <a:endParaRPr lang="en-US" dirty="0"/>
           </a:p>
         </p:txBody>
       </p:sp>
@@ -1257,76 +3472,50 @@
         </p:nvSpPr>
         <p:spPr>
           <a:xfrm>
-            <a:off x="4648200" y="1600200"/>
-            <a:ext cx="4038600" cy="4525963"/>
+            <a:off x="7190747" y="2126222"/>
+            <a:ext cx="4313864" cy="3777622"/>
           </a:xfrm>
         </p:spPr>
         <p:txBody>
-          <a:bodyPr/>
-          <a:lstStyle>
-            <a:lvl1pPr>
-              <a:defRPr sz="2800"/>
-            </a:lvl1pPr>
-            <a:lvl2pPr>
-              <a:defRPr sz="2400"/>
-            </a:lvl2pPr>
-            <a:lvl3pPr>
-              <a:defRPr sz="2000"/>
-            </a:lvl3pPr>
-            <a:lvl4pPr>
-              <a:defRPr sz="1800"/>
-            </a:lvl4pPr>
-            <a:lvl5pPr>
-              <a:defRPr sz="1800"/>
-            </a:lvl5pPr>
-            <a:lvl6pPr>
-              <a:defRPr sz="1800"/>
-            </a:lvl6pPr>
-            <a:lvl7pPr>
-              <a:defRPr sz="1800"/>
-            </a:lvl7pPr>
-            <a:lvl8pPr>
-              <a:defRPr sz="1800"/>
-            </a:lvl8pPr>
-            <a:lvl9pPr>
-              <a:defRPr sz="1800"/>
-            </a:lvl9pPr>
-          </a:lstStyle>
+          <a:bodyPr>
+            <a:normAutofit/>
+          </a:bodyPr>
+          <a:lstStyle/>
           <a:p>
             <a:pPr lvl="0"/>
             <a:r>
-              <a:rPr lang="en-US" smtClean="0"/>
+              <a:rPr lang="en-US"/>
               <a:t>Click to edit Master text styles</a:t>
             </a:r>
           </a:p>
           <a:p>
             <a:pPr lvl="1"/>
             <a:r>
-              <a:rPr lang="en-US" smtClean="0"/>
+              <a:rPr lang="en-US"/>
               <a:t>Second level</a:t>
             </a:r>
           </a:p>
           <a:p>
             <a:pPr lvl="2"/>
             <a:r>
-              <a:rPr lang="en-US" smtClean="0"/>
+              <a:rPr lang="en-US"/>
               <a:t>Third level</a:t>
             </a:r>
           </a:p>
           <a:p>
             <a:pPr lvl="3"/>
             <a:r>
-              <a:rPr lang="en-US" smtClean="0"/>
+              <a:rPr lang="en-US"/>
               <a:t>Fourth level</a:t>
             </a:r>
           </a:p>
           <a:p>
             <a:pPr lvl="4"/>
             <a:r>
-              <a:rPr lang="en-US" smtClean="0"/>
+              <a:rPr lang="en-US"/>
               <a:t>Fifth level</a:t>
             </a:r>
-            <a:endParaRPr lang="en-US"/>
+            <a:endParaRPr lang="en-US" dirty="0"/>
           </a:p>
         </p:txBody>
       </p:sp>
@@ -1345,11 +3534,11 @@
           <a:bodyPr/>
           <a:lstStyle/>
           <a:p>
-            <a:fld id="{5BCAD085-E8A6-8845-BD4E-CB4CCA059FC4}" type="datetimeFigureOut">
-              <a:rPr lang="en-US" smtClean="0"/>
-              <a:t>1/27/13</a:t>
+            <a:fld id="{D838D6FB-BF45-466C-9214-15B677CBF5C8}" type="datetimeFigureOut">
+              <a:rPr lang="en-IN" smtClean="0"/>
+              <a:t>29-12-2024</a:t>
             </a:fld>
-            <a:endParaRPr lang="en-US"/>
+            <a:endParaRPr lang="en-IN"/>
           </a:p>
         </p:txBody>
       </p:sp>
@@ -1368,13 +3557,95 @@
           <a:bodyPr/>
           <a:lstStyle/>
           <a:p>
-            <a:endParaRPr lang="en-US"/>
-          </a:p>
-        </p:txBody>
-      </p:sp>
-      <p:sp>
-        <p:nvSpPr>
-          <p:cNvPr id="7" name="Slide Number Placeholder 6"/>
+            <a:endParaRPr lang="en-IN"/>
+          </a:p>
+        </p:txBody>
+      </p:sp>
+      <p:sp>
+        <p:nvSpPr>
+          <p:cNvPr id="12" name="Freeform 11"/>
+          <p:cNvSpPr/>
+          <p:nvPr/>
+        </p:nvSpPr>
+        <p:spPr bwMode="auto">
+          <a:xfrm flipV="1">
+            <a:off x="-4189" y="714375"/>
+            <a:ext cx="1588527" cy="507297"/>
+          </a:xfrm>
+          <a:custGeom>
+            <a:avLst/>
+            <a:gdLst/>
+            <a:ahLst/>
+            <a:cxnLst/>
+            <a:rect l="l" t="t" r="r" b="b"/>
+            <a:pathLst>
+              <a:path w="9248" h="10000">
+                <a:moveTo>
+                  <a:pt x="9248" y="4701"/>
+                </a:moveTo>
+                <a:lnTo>
+                  <a:pt x="7915" y="188"/>
+                </a:lnTo>
+                <a:cubicBezTo>
+                  <a:pt x="7906" y="156"/>
+                  <a:pt x="7895" y="126"/>
+                  <a:pt x="7886" y="94"/>
+                </a:cubicBezTo>
+                <a:cubicBezTo>
+                  <a:pt x="7859" y="0"/>
+                  <a:pt x="7831" y="0"/>
+                  <a:pt x="7803" y="0"/>
+                </a:cubicBezTo>
+                <a:lnTo>
+                  <a:pt x="7275" y="0"/>
+                </a:lnTo>
+                <a:lnTo>
+                  <a:pt x="0" y="70"/>
+                </a:lnTo>
+                <a:cubicBezTo>
+                  <a:pt x="8" y="3380"/>
+                  <a:pt x="17" y="6690"/>
+                  <a:pt x="25" y="10000"/>
+                </a:cubicBezTo>
+                <a:lnTo>
+                  <a:pt x="7275" y="9966"/>
+                </a:lnTo>
+                <a:lnTo>
+                  <a:pt x="7803" y="9966"/>
+                </a:lnTo>
+                <a:cubicBezTo>
+                  <a:pt x="7831" y="9966"/>
+                  <a:pt x="7859" y="9872"/>
+                  <a:pt x="7886" y="9872"/>
+                </a:cubicBezTo>
+                <a:cubicBezTo>
+                  <a:pt x="7886" y="9778"/>
+                  <a:pt x="7915" y="9778"/>
+                  <a:pt x="7915" y="9778"/>
+                </a:cubicBezTo>
+                <a:lnTo>
+                  <a:pt x="9248" y="5265"/>
+                </a:lnTo>
+                <a:cubicBezTo>
+                  <a:pt x="9303" y="5077"/>
+                  <a:pt x="9303" y="4889"/>
+                  <a:pt x="9248" y="4701"/>
+                </a:cubicBezTo>
+                <a:close/>
+              </a:path>
+            </a:pathLst>
+          </a:custGeom>
+          <a:solidFill>
+            <a:schemeClr val="accent1"/>
+          </a:solidFill>
+          <a:ln>
+            <a:noFill/>
+          </a:ln>
+        </p:spPr>
+      </p:sp>
+      <p:sp>
+        <p:nvSpPr>
+          <p:cNvPr id="13" name="Slide Number Placeholder 5"/>
           <p:cNvSpPr>
             <a:spLocks noGrp="1"/>
           </p:cNvSpPr>
@@ -1382,23 +3653,28 @@
             <p:ph type="sldNum" sz="quarter" idx="12"/>
           </p:nvPr>
         </p:nvSpPr>
-        <p:spPr/>
+        <p:spPr>
+          <a:xfrm>
+            <a:off x="531812" y="787782"/>
+            <a:ext cx="779767" cy="365125"/>
+          </a:xfrm>
+        </p:spPr>
         <p:txBody>
           <a:bodyPr/>
           <a:lstStyle/>
           <a:p>
-            <a:fld id="{C1FF6DA9-008F-8B48-92A6-B652298478BF}" type="slidenum">
-              <a:rPr lang="en-US" smtClean="0"/>
+            <a:fld id="{E2002345-9007-43CD-BD54-4A4255AE303D}" type="slidenum">
+              <a:rPr lang="en-IN" smtClean="0"/>
               <a:t>‹#›</a:t>
             </a:fld>
-            <a:endParaRPr lang="en-US"/>
+            <a:endParaRPr lang="en-IN"/>
           </a:p>
         </p:txBody>
       </p:sp>
     </p:spTree>
     <p:extLst>
       <p:ext uri="{BB962C8B-B14F-4D97-AF65-F5344CB8AC3E}">
-        <p14:creationId xmlns:p14="http://schemas.microsoft.com/office/powerpoint/2010/main" val="2782244947"/>
+        <p14:creationId xmlns:p14="http://schemas.microsoft.com/office/powerpoint/2010/main" val="3851646359"/>
       </p:ext>
     </p:extLst>
   </p:cSld>
@@ -1427,7 +3703,7 @@
       </p:grpSpPr>
       <p:sp>
         <p:nvSpPr>
-          <p:cNvPr id="2" name="Title 1"/>
+          <p:cNvPr id="10" name="Title 9"/>
           <p:cNvSpPr>
             <a:spLocks noGrp="1"/>
           </p:cNvSpPr>
@@ -1438,17 +3714,13 @@
         <p:spPr/>
         <p:txBody>
           <a:bodyPr/>
-          <a:lstStyle>
-            <a:lvl1pPr>
-              <a:defRPr/>
-            </a:lvl1pPr>
-          </a:lstStyle>
-          <a:p>
-            <a:r>
-              <a:rPr lang="en-US" smtClean="0"/>
+          <a:lstStyle/>
+          <a:p>
+            <a:r>
+              <a:rPr lang="en-US"/>
               <a:t>Click to edit Master title style</a:t>
             </a:r>
-            <a:endParaRPr lang="en-US"/>
+            <a:endParaRPr lang="en-US" dirty="0"/>
           </a:p>
         </p:txBody>
       </p:sp>
@@ -1464,16 +3736,18 @@
         </p:nvSpPr>
         <p:spPr>
           <a:xfrm>
-            <a:off x="457200" y="1535113"/>
-            <a:ext cx="4040188" cy="639762"/>
+            <a:off x="2939373" y="1972703"/>
+            <a:ext cx="3992732" cy="576262"/>
           </a:xfrm>
         </p:spPr>
         <p:txBody>
-          <a:bodyPr anchor="b"/>
+          <a:bodyPr anchor="b">
+            <a:noAutofit/>
+          </a:bodyPr>
           <a:lstStyle>
             <a:lvl1pPr marL="0" indent="0">
               <a:buNone/>
-              <a:defRPr sz="2400" b="1"/>
+              <a:defRPr sz="2400" b="0"/>
             </a:lvl1pPr>
             <a:lvl2pPr marL="457200" indent="0">
               <a:buNone/>
@@ -1511,7 +3785,7 @@
           <a:p>
             <a:pPr lvl="0"/>
             <a:r>
-              <a:rPr lang="en-US" smtClean="0"/>
+              <a:rPr lang="en-US"/>
               <a:t>Click to edit Master text styles</a:t>
             </a:r>
           </a:p>
@@ -1529,76 +3803,50 @@
         </p:nvSpPr>
         <p:spPr>
           <a:xfrm>
-            <a:off x="457200" y="2174875"/>
-            <a:ext cx="4040188" cy="3951288"/>
+            <a:off x="2589212" y="2548966"/>
+            <a:ext cx="4342893" cy="3354060"/>
           </a:xfrm>
         </p:spPr>
         <p:txBody>
-          <a:bodyPr/>
-          <a:lstStyle>
-            <a:lvl1pPr>
-              <a:defRPr sz="2400"/>
-            </a:lvl1pPr>
-            <a:lvl2pPr>
-              <a:defRPr sz="2000"/>
-            </a:lvl2pPr>
-            <a:lvl3pPr>
-              <a:defRPr sz="1800"/>
-            </a:lvl3pPr>
-            <a:lvl4pPr>
-              <a:defRPr sz="1600"/>
-            </a:lvl4pPr>
-            <a:lvl5pPr>
-              <a:defRPr sz="1600"/>
-            </a:lvl5pPr>
-            <a:lvl6pPr>
-              <a:defRPr sz="1600"/>
-            </a:lvl6pPr>
-            <a:lvl7pPr>
-              <a:defRPr sz="1600"/>
-            </a:lvl7pPr>
-            <a:lvl8pPr>
-              <a:defRPr sz="1600"/>
-            </a:lvl8pPr>
-            <a:lvl9pPr>
-              <a:defRPr sz="1600"/>
-            </a:lvl9pPr>
-          </a:lstStyle>
+          <a:bodyPr>
+            <a:normAutofit/>
+          </a:bodyPr>
+          <a:lstStyle/>
           <a:p>
             <a:pPr lvl="0"/>
             <a:r>
-              <a:rPr lang="en-US" smtClean="0"/>
+              <a:rPr lang="en-US"/>
               <a:t>Click to edit Master text styles</a:t>
             </a:r>
           </a:p>
           <a:p>
             <a:pPr lvl="1"/>
             <a:r>
-              <a:rPr lang="en-US" smtClean="0"/>
+              <a:rPr lang="en-US"/>
               <a:t>Second level</a:t>
             </a:r>
           </a:p>
           <a:p>
             <a:pPr lvl="2"/>
             <a:r>
-              <a:rPr lang="en-US" smtClean="0"/>
+              <a:rPr lang="en-US"/>
               <a:t>Third level</a:t>
             </a:r>
           </a:p>
           <a:p>
             <a:pPr lvl="3"/>
             <a:r>
-              <a:rPr lang="en-US" smtClean="0"/>
+              <a:rPr lang="en-US"/>
               <a:t>Fourth level</a:t>
             </a:r>
           </a:p>
           <a:p>
             <a:pPr lvl="4"/>
             <a:r>
-              <a:rPr lang="en-US" smtClean="0"/>
+              <a:rPr lang="en-US"/>
               <a:t>Fifth level</a:t>
             </a:r>
-            <a:endParaRPr lang="en-US"/>
+            <a:endParaRPr lang="en-US" dirty="0"/>
           </a:p>
         </p:txBody>
       </p:sp>
@@ -1614,16 +3862,18 @@
         </p:nvSpPr>
         <p:spPr>
           <a:xfrm>
-            <a:off x="4645025" y="1535113"/>
-            <a:ext cx="4041775" cy="639762"/>
+            <a:off x="7506629" y="1969475"/>
+            <a:ext cx="3999001" cy="576262"/>
           </a:xfrm>
         </p:spPr>
         <p:txBody>
-          <a:bodyPr anchor="b"/>
+          <a:bodyPr anchor="b">
+            <a:noAutofit/>
+          </a:bodyPr>
           <a:lstStyle>
             <a:lvl1pPr marL="0" indent="0">
               <a:buNone/>
-              <a:defRPr sz="2400" b="1"/>
+              <a:defRPr sz="2400" b="0"/>
             </a:lvl1pPr>
             <a:lvl2pPr marL="457200" indent="0">
               <a:buNone/>
@@ -1661,7 +3911,7 @@
           <a:p>
             <a:pPr lvl="0"/>
             <a:r>
-              <a:rPr lang="en-US" smtClean="0"/>
+              <a:rPr lang="en-US"/>
               <a:t>Click to edit Master text styles</a:t>
             </a:r>
           </a:p>
@@ -1679,76 +3929,50 @@
         </p:nvSpPr>
         <p:spPr>
           <a:xfrm>
-            <a:off x="4645025" y="2174875"/>
-            <a:ext cx="4041775" cy="3951288"/>
+            <a:off x="7166957" y="2545738"/>
+            <a:ext cx="4338674" cy="3354060"/>
           </a:xfrm>
         </p:spPr>
         <p:txBody>
-          <a:bodyPr/>
-          <a:lstStyle>
-            <a:lvl1pPr>
-              <a:defRPr sz="2400"/>
-            </a:lvl1pPr>
-            <a:lvl2pPr>
-              <a:defRPr sz="2000"/>
-            </a:lvl2pPr>
-            <a:lvl3pPr>
-              <a:defRPr sz="1800"/>
-            </a:lvl3pPr>
-            <a:lvl4pPr>
-              <a:defRPr sz="1600"/>
-            </a:lvl4pPr>
-            <a:lvl5pPr>
-              <a:defRPr sz="1600"/>
-            </a:lvl5pPr>
-            <a:lvl6pPr>
-              <a:defRPr sz="1600"/>
-            </a:lvl6pPr>
-            <a:lvl7pPr>
-              <a:defRPr sz="1600"/>
-            </a:lvl7pPr>
-            <a:lvl8pPr>
-              <a:defRPr sz="1600"/>
-            </a:lvl8pPr>
-            <a:lvl9pPr>
-              <a:defRPr sz="1600"/>
-            </a:lvl9pPr>
-          </a:lstStyle>
+          <a:bodyPr>
+            <a:normAutofit/>
+          </a:bodyPr>
+          <a:lstStyle/>
           <a:p>
             <a:pPr lvl="0"/>
             <a:r>
-              <a:rPr lang="en-US" smtClean="0"/>
+              <a:rPr lang="en-US"/>
               <a:t>Click to edit Master text styles</a:t>
             </a:r>
           </a:p>
           <a:p>
             <a:pPr lvl="1"/>
             <a:r>
-              <a:rPr lang="en-US" smtClean="0"/>
+              <a:rPr lang="en-US"/>
               <a:t>Second level</a:t>
             </a:r>
           </a:p>
           <a:p>
             <a:pPr lvl="2"/>
             <a:r>
-              <a:rPr lang="en-US" smtClean="0"/>
+              <a:rPr lang="en-US"/>
               <a:t>Third level</a:t>
             </a:r>
           </a:p>
           <a:p>
             <a:pPr lvl="3"/>
             <a:r>
-              <a:rPr lang="en-US" smtClean="0"/>
+              <a:rPr lang="en-US"/>
               <a:t>Fourth level</a:t>
             </a:r>
           </a:p>
           <a:p>
             <a:pPr lvl="4"/>
             <a:r>
-              <a:rPr lang="en-US" smtClean="0"/>
+              <a:rPr lang="en-US"/>
               <a:t>Fifth level</a:t>
             </a:r>
-            <a:endParaRPr lang="en-US"/>
+            <a:endParaRPr lang="en-US" dirty="0"/>
           </a:p>
         </p:txBody>
       </p:sp>
@@ -1767,11 +3991,11 @@
           <a:bodyPr/>
           <a:lstStyle/>
           <a:p>
-            <a:fld id="{5BCAD085-E8A6-8845-BD4E-CB4CCA059FC4}" type="datetimeFigureOut">
-              <a:rPr lang="en-US" smtClean="0"/>
-              <a:t>1/27/13</a:t>
+            <a:fld id="{D838D6FB-BF45-466C-9214-15B677CBF5C8}" type="datetimeFigureOut">
+              <a:rPr lang="en-IN" smtClean="0"/>
+              <a:t>29-12-2024</a:t>
             </a:fld>
-            <a:endParaRPr lang="en-US"/>
+            <a:endParaRPr lang="en-IN"/>
           </a:p>
         </p:txBody>
       </p:sp>
@@ -1790,13 +4014,95 @@
           <a:bodyPr/>
           <a:lstStyle/>
           <a:p>
-            <a:endParaRPr lang="en-US"/>
-          </a:p>
-        </p:txBody>
-      </p:sp>
-      <p:sp>
-        <p:nvSpPr>
-          <p:cNvPr id="9" name="Slide Number Placeholder 8"/>
+            <a:endParaRPr lang="en-IN"/>
+          </a:p>
+        </p:txBody>
+      </p:sp>
+      <p:sp>
+        <p:nvSpPr>
+          <p:cNvPr id="12" name="Freeform 11"/>
+          <p:cNvSpPr/>
+          <p:nvPr/>
+        </p:nvSpPr>
+        <p:spPr bwMode="auto">
+          <a:xfrm flipV="1">
+            <a:off x="-4189" y="714375"/>
+            <a:ext cx="1588527" cy="507297"/>
+          </a:xfrm>
+          <a:custGeom>
+            <a:avLst/>
+            <a:gdLst/>
+            <a:ahLst/>
+            <a:cxnLst/>
+            <a:rect l="l" t="t" r="r" b="b"/>
+            <a:pathLst>
+              <a:path w="9248" h="10000">
+                <a:moveTo>
+                  <a:pt x="9248" y="4701"/>
+                </a:moveTo>
+                <a:lnTo>
+                  <a:pt x="7915" y="188"/>
+                </a:lnTo>
+                <a:cubicBezTo>
+                  <a:pt x="7906" y="156"/>
+                  <a:pt x="7895" y="126"/>
+                  <a:pt x="7886" y="94"/>
+                </a:cubicBezTo>
+                <a:cubicBezTo>
+                  <a:pt x="7859" y="0"/>
+                  <a:pt x="7831" y="0"/>
+                  <a:pt x="7803" y="0"/>
+                </a:cubicBezTo>
+                <a:lnTo>
+                  <a:pt x="7275" y="0"/>
+                </a:lnTo>
+                <a:lnTo>
+                  <a:pt x="0" y="70"/>
+                </a:lnTo>
+                <a:cubicBezTo>
+                  <a:pt x="8" y="3380"/>
+                  <a:pt x="17" y="6690"/>
+                  <a:pt x="25" y="10000"/>
+                </a:cubicBezTo>
+                <a:lnTo>
+                  <a:pt x="7275" y="9966"/>
+                </a:lnTo>
+                <a:lnTo>
+                  <a:pt x="7803" y="9966"/>
+                </a:lnTo>
+                <a:cubicBezTo>
+                  <a:pt x="7831" y="9966"/>
+                  <a:pt x="7859" y="9872"/>
+                  <a:pt x="7886" y="9872"/>
+                </a:cubicBezTo>
+                <a:cubicBezTo>
+                  <a:pt x="7886" y="9778"/>
+                  <a:pt x="7915" y="9778"/>
+                  <a:pt x="7915" y="9778"/>
+                </a:cubicBezTo>
+                <a:lnTo>
+                  <a:pt x="9248" y="5265"/>
+                </a:lnTo>
+                <a:cubicBezTo>
+                  <a:pt x="9303" y="5077"/>
+                  <a:pt x="9303" y="4889"/>
+                  <a:pt x="9248" y="4701"/>
+                </a:cubicBezTo>
+                <a:close/>
+              </a:path>
+            </a:pathLst>
+          </a:custGeom>
+          <a:solidFill>
+            <a:schemeClr val="accent1"/>
+          </a:solidFill>
+          <a:ln>
+            <a:noFill/>
+          </a:ln>
+        </p:spPr>
+      </p:sp>
+      <p:sp>
+        <p:nvSpPr>
+          <p:cNvPr id="13" name="Slide Number Placeholder 5"/>
           <p:cNvSpPr>
             <a:spLocks noGrp="1"/>
           </p:cNvSpPr>
@@ -1804,23 +4110,28 @@
             <p:ph type="sldNum" sz="quarter" idx="12"/>
           </p:nvPr>
         </p:nvSpPr>
-        <p:spPr/>
+        <p:spPr>
+          <a:xfrm>
+            <a:off x="531812" y="787782"/>
+            <a:ext cx="779767" cy="365125"/>
+          </a:xfrm>
+        </p:spPr>
         <p:txBody>
           <a:bodyPr/>
           <a:lstStyle/>
           <a:p>
-            <a:fld id="{C1FF6DA9-008F-8B48-92A6-B652298478BF}" type="slidenum">
-              <a:rPr lang="en-US" smtClean="0"/>
+            <a:fld id="{E2002345-9007-43CD-BD54-4A4255AE303D}" type="slidenum">
+              <a:rPr lang="en-IN" smtClean="0"/>
               <a:t>‹#›</a:t>
             </a:fld>
-            <a:endParaRPr lang="en-US"/>
+            <a:endParaRPr lang="en-IN"/>
           </a:p>
         </p:txBody>
       </p:sp>
     </p:spTree>
     <p:extLst>
       <p:ext uri="{BB962C8B-B14F-4D97-AF65-F5344CB8AC3E}">
-        <p14:creationId xmlns:p14="http://schemas.microsoft.com/office/powerpoint/2010/main" val="990158736"/>
+        <p14:creationId xmlns:p14="http://schemas.microsoft.com/office/powerpoint/2010/main" val="2144077885"/>
       </p:ext>
     </p:extLst>
   </p:cSld>
@@ -1863,10 +4174,10 @@
           <a:lstStyle/>
           <a:p>
             <a:r>
-              <a:rPr lang="en-US" smtClean="0"/>
+              <a:rPr lang="en-US"/>
               <a:t>Click to edit Master title style</a:t>
             </a:r>
-            <a:endParaRPr lang="en-US"/>
+            <a:endParaRPr lang="en-US" dirty="0"/>
           </a:p>
         </p:txBody>
       </p:sp>
@@ -1885,11 +4196,11 @@
           <a:bodyPr/>
           <a:lstStyle/>
           <a:p>
-            <a:fld id="{5BCAD085-E8A6-8845-BD4E-CB4CCA059FC4}" type="datetimeFigureOut">
-              <a:rPr lang="en-US" smtClean="0"/>
-              <a:t>1/27/13</a:t>
+            <a:fld id="{D838D6FB-BF45-466C-9214-15B677CBF5C8}" type="datetimeFigureOut">
+              <a:rPr lang="en-IN" smtClean="0"/>
+              <a:t>29-12-2024</a:t>
             </a:fld>
-            <a:endParaRPr lang="en-US"/>
+            <a:endParaRPr lang="en-IN"/>
           </a:p>
         </p:txBody>
       </p:sp>
@@ -1908,9 +4219,91 @@
           <a:bodyPr/>
           <a:lstStyle/>
           <a:p>
-            <a:endParaRPr lang="en-US"/>
-          </a:p>
-        </p:txBody>
+            <a:endParaRPr lang="en-IN"/>
+          </a:p>
+        </p:txBody>
+      </p:sp>
+      <p:sp>
+        <p:nvSpPr>
+          <p:cNvPr id="7" name="Freeform 11"/>
+          <p:cNvSpPr/>
+          <p:nvPr/>
+        </p:nvSpPr>
+        <p:spPr bwMode="auto">
+          <a:xfrm flipV="1">
+            <a:off x="-4189" y="714375"/>
+            <a:ext cx="1588527" cy="507297"/>
+          </a:xfrm>
+          <a:custGeom>
+            <a:avLst/>
+            <a:gdLst/>
+            <a:ahLst/>
+            <a:cxnLst/>
+            <a:rect l="l" t="t" r="r" b="b"/>
+            <a:pathLst>
+              <a:path w="9248" h="10000">
+                <a:moveTo>
+                  <a:pt x="9248" y="4701"/>
+                </a:moveTo>
+                <a:lnTo>
+                  <a:pt x="7915" y="188"/>
+                </a:lnTo>
+                <a:cubicBezTo>
+                  <a:pt x="7906" y="156"/>
+                  <a:pt x="7895" y="126"/>
+                  <a:pt x="7886" y="94"/>
+                </a:cubicBezTo>
+                <a:cubicBezTo>
+                  <a:pt x="7859" y="0"/>
+                  <a:pt x="7831" y="0"/>
+                  <a:pt x="7803" y="0"/>
+                </a:cubicBezTo>
+                <a:lnTo>
+                  <a:pt x="7275" y="0"/>
+                </a:lnTo>
+                <a:lnTo>
+                  <a:pt x="0" y="70"/>
+                </a:lnTo>
+                <a:cubicBezTo>
+                  <a:pt x="8" y="3380"/>
+                  <a:pt x="17" y="6690"/>
+                  <a:pt x="25" y="10000"/>
+                </a:cubicBezTo>
+                <a:lnTo>
+                  <a:pt x="7275" y="9966"/>
+                </a:lnTo>
+                <a:lnTo>
+                  <a:pt x="7803" y="9966"/>
+                </a:lnTo>
+                <a:cubicBezTo>
+                  <a:pt x="7831" y="9966"/>
+                  <a:pt x="7859" y="9872"/>
+                  <a:pt x="7886" y="9872"/>
+                </a:cubicBezTo>
+                <a:cubicBezTo>
+                  <a:pt x="7886" y="9778"/>
+                  <a:pt x="7915" y="9778"/>
+                  <a:pt x="7915" y="9778"/>
+                </a:cubicBezTo>
+                <a:lnTo>
+                  <a:pt x="9248" y="5265"/>
+                </a:lnTo>
+                <a:cubicBezTo>
+                  <a:pt x="9303" y="5077"/>
+                  <a:pt x="9303" y="4889"/>
+                  <a:pt x="9248" y="4701"/>
+                </a:cubicBezTo>
+                <a:close/>
+              </a:path>
+            </a:pathLst>
+          </a:custGeom>
+          <a:solidFill>
+            <a:schemeClr val="accent1"/>
+          </a:solidFill>
+          <a:ln>
+            <a:noFill/>
+          </a:ln>
+        </p:spPr>
       </p:sp>
       <p:sp>
         <p:nvSpPr>
@@ -1927,18 +4320,18 @@
           <a:bodyPr/>
           <a:lstStyle/>
           <a:p>
-            <a:fld id="{C1FF6DA9-008F-8B48-92A6-B652298478BF}" type="slidenum">
-              <a:rPr lang="en-US" smtClean="0"/>
+            <a:fld id="{E2002345-9007-43CD-BD54-4A4255AE303D}" type="slidenum">
+              <a:rPr lang="en-IN" smtClean="0"/>
               <a:t>‹#›</a:t>
             </a:fld>
-            <a:endParaRPr lang="en-US"/>
+            <a:endParaRPr lang="en-IN"/>
           </a:p>
         </p:txBody>
       </p:sp>
     </p:spTree>
     <p:extLst>
       <p:ext uri="{BB962C8B-B14F-4D97-AF65-F5344CB8AC3E}">
-        <p14:creationId xmlns:p14="http://schemas.microsoft.com/office/powerpoint/2010/main" val="727027711"/>
+        <p14:creationId xmlns:p14="http://schemas.microsoft.com/office/powerpoint/2010/main" val="3978618609"/>
       </p:ext>
     </p:extLst>
   </p:cSld>
@@ -1980,11 +4373,11 @@
           <a:bodyPr/>
           <a:lstStyle/>
           <a:p>
-            <a:fld id="{5BCAD085-E8A6-8845-BD4E-CB4CCA059FC4}" type="datetimeFigureOut">
-              <a:rPr lang="en-US" smtClean="0"/>
-              <a:t>1/27/13</a:t>
+            <a:fld id="{D838D6FB-BF45-466C-9214-15B677CBF5C8}" type="datetimeFigureOut">
+              <a:rPr lang="en-IN" smtClean="0"/>
+              <a:t>29-12-2024</a:t>
             </a:fld>
-            <a:endParaRPr lang="en-US"/>
+            <a:endParaRPr lang="en-IN"/>
           </a:p>
         </p:txBody>
       </p:sp>
@@ -2003,9 +4396,91 @@
           <a:bodyPr/>
           <a:lstStyle/>
           <a:p>
-            <a:endParaRPr lang="en-US"/>
-          </a:p>
-        </p:txBody>
+            <a:endParaRPr lang="en-IN"/>
+          </a:p>
+        </p:txBody>
+      </p:sp>
+      <p:sp>
+        <p:nvSpPr>
+          <p:cNvPr id="6" name="Freeform 11"/>
+          <p:cNvSpPr/>
+          <p:nvPr/>
+        </p:nvSpPr>
+        <p:spPr bwMode="auto">
+          <a:xfrm flipV="1">
+            <a:off x="-4189" y="714375"/>
+            <a:ext cx="1588527" cy="507297"/>
+          </a:xfrm>
+          <a:custGeom>
+            <a:avLst/>
+            <a:gdLst/>
+            <a:ahLst/>
+            <a:cxnLst/>
+            <a:rect l="l" t="t" r="r" b="b"/>
+            <a:pathLst>
+              <a:path w="9248" h="10000">
+                <a:moveTo>
+                  <a:pt x="9248" y="4701"/>
+                </a:moveTo>
+                <a:lnTo>
+                  <a:pt x="7915" y="188"/>
+                </a:lnTo>
+                <a:cubicBezTo>
+                  <a:pt x="7906" y="156"/>
+                  <a:pt x="7895" y="126"/>
+                  <a:pt x="7886" y="94"/>
+                </a:cubicBezTo>
+                <a:cubicBezTo>
+                  <a:pt x="7859" y="0"/>
+                  <a:pt x="7831" y="0"/>
+                  <a:pt x="7803" y="0"/>
+                </a:cubicBezTo>
+                <a:lnTo>
+                  <a:pt x="7275" y="0"/>
+                </a:lnTo>
+                <a:lnTo>
+                  <a:pt x="0" y="70"/>
+                </a:lnTo>
+                <a:cubicBezTo>
+                  <a:pt x="8" y="3380"/>
+                  <a:pt x="17" y="6690"/>
+                  <a:pt x="25" y="10000"/>
+                </a:cubicBezTo>
+                <a:lnTo>
+                  <a:pt x="7275" y="9966"/>
+                </a:lnTo>
+                <a:lnTo>
+                  <a:pt x="7803" y="9966"/>
+                </a:lnTo>
+                <a:cubicBezTo>
+                  <a:pt x="7831" y="9966"/>
+                  <a:pt x="7859" y="9872"/>
+                  <a:pt x="7886" y="9872"/>
+                </a:cubicBezTo>
+                <a:cubicBezTo>
+                  <a:pt x="7886" y="9778"/>
+                  <a:pt x="7915" y="9778"/>
+                  <a:pt x="7915" y="9778"/>
+                </a:cubicBezTo>
+                <a:lnTo>
+                  <a:pt x="9248" y="5265"/>
+                </a:lnTo>
+                <a:cubicBezTo>
+                  <a:pt x="9303" y="5077"/>
+                  <a:pt x="9303" y="4889"/>
+                  <a:pt x="9248" y="4701"/>
+                </a:cubicBezTo>
+                <a:close/>
+              </a:path>
+            </a:pathLst>
+          </a:custGeom>
+          <a:solidFill>
+            <a:schemeClr val="accent1"/>
+          </a:solidFill>
+          <a:ln>
+            <a:noFill/>
+          </a:ln>
+        </p:spPr>
       </p:sp>
       <p:sp>
         <p:nvSpPr>
@@ -2022,18 +4497,18 @@
           <a:bodyPr/>
           <a:lstStyle/>
           <a:p>
-            <a:fld id="{C1FF6DA9-008F-8B48-92A6-B652298478BF}" type="slidenum">
-              <a:rPr lang="en-US" smtClean="0"/>
+            <a:fld id="{E2002345-9007-43CD-BD54-4A4255AE303D}" type="slidenum">
+              <a:rPr lang="en-IN" smtClean="0"/>
               <a:t>‹#›</a:t>
             </a:fld>
-            <a:endParaRPr lang="en-US"/>
+            <a:endParaRPr lang="en-IN"/>
           </a:p>
         </p:txBody>
       </p:sp>
     </p:spTree>
     <p:extLst>
       <p:ext uri="{BB962C8B-B14F-4D97-AF65-F5344CB8AC3E}">
-        <p14:creationId xmlns:p14="http://schemas.microsoft.com/office/powerpoint/2010/main" val="1212999818"/>
+        <p14:creationId xmlns:p14="http://schemas.microsoft.com/office/powerpoint/2010/main" val="2702328836"/>
       </p:ext>
     </p:extLst>
   </p:cSld>
@@ -2072,23 +4547,23 @@
         </p:nvSpPr>
         <p:spPr>
           <a:xfrm>
-            <a:off x="457200" y="273050"/>
-            <a:ext cx="3008313" cy="1162050"/>
+            <a:off x="2589212" y="446088"/>
+            <a:ext cx="3505199" cy="976312"/>
           </a:xfrm>
         </p:spPr>
         <p:txBody>
           <a:bodyPr anchor="b"/>
           <a:lstStyle>
             <a:lvl1pPr algn="l">
-              <a:defRPr sz="2000" b="1"/>
+              <a:defRPr sz="2000" b="0"/>
             </a:lvl1pPr>
           </a:lstStyle>
           <a:p>
             <a:r>
-              <a:rPr lang="en-US" smtClean="0"/>
+              <a:rPr lang="en-US"/>
               <a:t>Click to edit Master title style</a:t>
             </a:r>
-            <a:endParaRPr lang="en-US"/>
+            <a:endParaRPr lang="en-US" dirty="0"/>
           </a:p>
         </p:txBody>
       </p:sp>
@@ -2104,76 +4579,50 @@
         </p:nvSpPr>
         <p:spPr>
           <a:xfrm>
-            <a:off x="3575050" y="273050"/>
-            <a:ext cx="5111750" cy="5853113"/>
+            <a:off x="6323012" y="446088"/>
+            <a:ext cx="5181600" cy="5414963"/>
           </a:xfrm>
         </p:spPr>
         <p:txBody>
-          <a:bodyPr/>
-          <a:lstStyle>
-            <a:lvl1pPr>
-              <a:defRPr sz="3200"/>
-            </a:lvl1pPr>
-            <a:lvl2pPr>
-              <a:defRPr sz="2800"/>
-            </a:lvl2pPr>
-            <a:lvl3pPr>
-              <a:defRPr sz="2400"/>
-            </a:lvl3pPr>
-            <a:lvl4pPr>
-              <a:defRPr sz="2000"/>
-            </a:lvl4pPr>
-            <a:lvl5pPr>
-              <a:defRPr sz="2000"/>
-            </a:lvl5pPr>
-            <a:lvl6pPr>
-              <a:defRPr sz="2000"/>
-            </a:lvl6pPr>
-            <a:lvl7pPr>
-              <a:defRPr sz="2000"/>
-            </a:lvl7pPr>
-            <a:lvl8pPr>
-              <a:defRPr sz="2000"/>
-            </a:lvl8pPr>
-            <a:lvl9pPr>
-              <a:defRPr sz="2000"/>
-            </a:lvl9pPr>
-          </a:lstStyle>
+          <a:bodyPr anchor="ctr">
+            <a:normAutofit/>
+          </a:bodyPr>
+          <a:lstStyle/>
           <a:p>
             <a:pPr lvl="0"/>
             <a:r>
-              <a:rPr lang="en-US" smtClean="0"/>
+              <a:rPr lang="en-US"/>
               <a:t>Click to edit Master text styles</a:t>
             </a:r>
           </a:p>
           <a:p>
             <a:pPr lvl="1"/>
             <a:r>
-              <a:rPr lang="en-US" smtClean="0"/>
+              <a:rPr lang="en-US"/>
               <a:t>Second level</a:t>
             </a:r>
           </a:p>
           <a:p>
             <a:pPr lvl="2"/>
             <a:r>
-              <a:rPr lang="en-US" smtClean="0"/>
+              <a:rPr lang="en-US"/>
               <a:t>Third level</a:t>
             </a:r>
           </a:p>
           <a:p>
             <a:pPr lvl="3"/>
             <a:r>
-              <a:rPr lang="en-US" smtClean="0"/>
+              <a:rPr lang="en-US"/>
               <a:t>Fourth level</a:t>
             </a:r>
           </a:p>
           <a:p>
             <a:pPr lvl="4"/>
             <a:r>
-              <a:rPr lang="en-US" smtClean="0"/>
+              <a:rPr lang="en-US"/>
               <a:t>Fifth level</a:t>
             </a:r>
-            <a:endParaRPr lang="en-US"/>
+            <a:endParaRPr lang="en-US" dirty="0"/>
           </a:p>
         </p:txBody>
       </p:sp>
@@ -2189,8 +4638,8 @@
         </p:nvSpPr>
         <p:spPr>
           <a:xfrm>
-            <a:off x="457200" y="1435100"/>
-            <a:ext cx="3008313" cy="4691063"/>
+            <a:off x="2589212" y="1598613"/>
+            <a:ext cx="3505199" cy="4262436"/>
           </a:xfrm>
         </p:spPr>
         <p:txBody>
@@ -2236,7 +4685,7 @@
           <a:p>
             <a:pPr lvl="0"/>
             <a:r>
-              <a:rPr lang="en-US" smtClean="0"/>
+              <a:rPr lang="en-US"/>
               <a:t>Click to edit Master text styles</a:t>
             </a:r>
           </a:p>
@@ -2257,11 +4706,11 @@
           <a:bodyPr/>
           <a:lstStyle/>
           <a:p>
-            <a:fld id="{5BCAD085-E8A6-8845-BD4E-CB4CCA059FC4}" type="datetimeFigureOut">
-              <a:rPr lang="en-US" smtClean="0"/>
-              <a:t>1/27/13</a:t>
+            <a:fld id="{D838D6FB-BF45-466C-9214-15B677CBF5C8}" type="datetimeFigureOut">
+              <a:rPr lang="en-IN" smtClean="0"/>
+              <a:t>29-12-2024</a:t>
             </a:fld>
-            <a:endParaRPr lang="en-US"/>
+            <a:endParaRPr lang="en-IN"/>
           </a:p>
         </p:txBody>
       </p:sp>
@@ -2280,9 +4729,91 @@
           <a:bodyPr/>
           <a:lstStyle/>
           <a:p>
-            <a:endParaRPr lang="en-US"/>
-          </a:p>
-        </p:txBody>
+            <a:endParaRPr lang="en-IN"/>
+          </a:p>
+        </p:txBody>
+      </p:sp>
+      <p:sp>
+        <p:nvSpPr>
+          <p:cNvPr id="9" name="Freeform 11"/>
+          <p:cNvSpPr/>
+          <p:nvPr/>
+        </p:nvSpPr>
+        <p:spPr bwMode="auto">
+          <a:xfrm flipV="1">
+            <a:off x="-4189" y="714375"/>
+            <a:ext cx="1588527" cy="507297"/>
+          </a:xfrm>
+          <a:custGeom>
+            <a:avLst/>
+            <a:gdLst/>
+            <a:ahLst/>
+            <a:cxnLst/>
+            <a:rect l="l" t="t" r="r" b="b"/>
+            <a:pathLst>
+              <a:path w="9248" h="10000">
+                <a:moveTo>
+                  <a:pt x="9248" y="4701"/>
+                </a:moveTo>
+                <a:lnTo>
+                  <a:pt x="7915" y="188"/>
+                </a:lnTo>
+                <a:cubicBezTo>
+                  <a:pt x="7906" y="156"/>
+                  <a:pt x="7895" y="126"/>
+                  <a:pt x="7886" y="94"/>
+                </a:cubicBezTo>
+                <a:cubicBezTo>
+                  <a:pt x="7859" y="0"/>
+                  <a:pt x="7831" y="0"/>
+                  <a:pt x="7803" y="0"/>
+                </a:cubicBezTo>
+                <a:lnTo>
+                  <a:pt x="7275" y="0"/>
+                </a:lnTo>
+                <a:lnTo>
+                  <a:pt x="0" y="70"/>
+                </a:lnTo>
+                <a:cubicBezTo>
+                  <a:pt x="8" y="3380"/>
+                  <a:pt x="17" y="6690"/>
+                  <a:pt x="25" y="10000"/>
+                </a:cubicBezTo>
+                <a:lnTo>
+                  <a:pt x="7275" y="9966"/>
+                </a:lnTo>
+                <a:lnTo>
+                  <a:pt x="7803" y="9966"/>
+                </a:lnTo>
+                <a:cubicBezTo>
+                  <a:pt x="7831" y="9966"/>
+                  <a:pt x="7859" y="9872"/>
+                  <a:pt x="7886" y="9872"/>
+                </a:cubicBezTo>
+                <a:cubicBezTo>
+                  <a:pt x="7886" y="9778"/>
+                  <a:pt x="7915" y="9778"/>
+                  <a:pt x="7915" y="9778"/>
+                </a:cubicBezTo>
+                <a:lnTo>
+                  <a:pt x="9248" y="5265"/>
+                </a:lnTo>
+                <a:cubicBezTo>
+                  <a:pt x="9303" y="5077"/>
+                  <a:pt x="9303" y="4889"/>
+                  <a:pt x="9248" y="4701"/>
+                </a:cubicBezTo>
+                <a:close/>
+              </a:path>
+            </a:pathLst>
+          </a:custGeom>
+          <a:solidFill>
+            <a:schemeClr val="accent1"/>
+          </a:solidFill>
+          <a:ln>
+            <a:noFill/>
+          </a:ln>
+        </p:spPr>
       </p:sp>
       <p:sp>
         <p:nvSpPr>
@@ -2299,18 +4830,18 @@
           <a:bodyPr/>
           <a:lstStyle/>
           <a:p>
-            <a:fld id="{C1FF6DA9-008F-8B48-92A6-B652298478BF}" type="slidenum">
-              <a:rPr lang="en-US" smtClean="0"/>
+            <a:fld id="{E2002345-9007-43CD-BD54-4A4255AE303D}" type="slidenum">
+              <a:rPr lang="en-IN" smtClean="0"/>
               <a:t>‹#›</a:t>
             </a:fld>
-            <a:endParaRPr lang="en-US"/>
+            <a:endParaRPr lang="en-IN"/>
           </a:p>
         </p:txBody>
       </p:sp>
     </p:spTree>
     <p:extLst>
       <p:ext uri="{BB962C8B-B14F-4D97-AF65-F5344CB8AC3E}">
-        <p14:creationId xmlns:p14="http://schemas.microsoft.com/office/powerpoint/2010/main" val="1840726560"/>
+        <p14:creationId xmlns:p14="http://schemas.microsoft.com/office/powerpoint/2010/main" val="855627387"/>
       </p:ext>
     </p:extLst>
   </p:cSld>
@@ -2349,23 +4880,25 @@
         </p:nvSpPr>
         <p:spPr>
           <a:xfrm>
-            <a:off x="1792288" y="4800600"/>
-            <a:ext cx="5486400" cy="566738"/>
+            <a:off x="2589213" y="4800600"/>
+            <a:ext cx="8915400" cy="566738"/>
           </a:xfrm>
         </p:spPr>
         <p:txBody>
-          <a:bodyPr anchor="b"/>
+          <a:bodyPr anchor="b">
+            <a:normAutofit/>
+          </a:bodyPr>
           <a:lstStyle>
             <a:lvl1pPr algn="l">
-              <a:defRPr sz="2000" b="1"/>
+              <a:defRPr sz="2400" b="0"/>
             </a:lvl1pPr>
           </a:lstStyle>
           <a:p>
             <a:r>
-              <a:rPr lang="en-US" smtClean="0"/>
+              <a:rPr lang="en-US"/>
               <a:t>Click to edit Master title style</a:t>
             </a:r>
-            <a:endParaRPr lang="en-US"/>
+            <a:endParaRPr lang="en-US" dirty="0"/>
           </a:p>
         </p:txBody>
       </p:sp>
@@ -2373,7 +4906,7 @@
         <p:nvSpPr>
           <p:cNvPr id="3" name="Picture Placeholder 2"/>
           <p:cNvSpPr>
-            <a:spLocks noGrp="1"/>
+            <a:spLocks noGrp="1" noChangeAspect="1"/>
           </p:cNvSpPr>
           <p:nvPr>
             <p:ph type="pic" idx="1"/>
@@ -2381,77 +4914,85 @@
         </p:nvSpPr>
         <p:spPr>
           <a:xfrm>
-            <a:off x="1792288" y="612775"/>
-            <a:ext cx="5486400" cy="4114800"/>
+            <a:off x="2589212" y="634965"/>
+            <a:ext cx="8915400" cy="3854970"/>
           </a:xfrm>
         </p:spPr>
         <p:txBody>
-          <a:bodyPr/>
+          <a:bodyPr anchor="t">
+            <a:normAutofit/>
+          </a:bodyPr>
+          <a:lstStyle>
+            <a:lvl1pPr marL="0" indent="0" algn="ctr">
+              <a:buNone/>
+              <a:defRPr sz="1600"/>
+            </a:lvl1pPr>
+            <a:lvl2pPr marL="457200" indent="0">
+              <a:buNone/>
+              <a:defRPr sz="1600"/>
+            </a:lvl2pPr>
+            <a:lvl3pPr marL="914400" indent="0">
+              <a:buNone/>
+              <a:defRPr sz="1600"/>
+            </a:lvl3pPr>
+            <a:lvl4pPr marL="1371600" indent="0">
+              <a:buNone/>
+              <a:defRPr sz="1600"/>
+            </a:lvl4pPr>
+            <a:lvl5pPr marL="1828800" indent="0">
+              <a:buNone/>
+              <a:defRPr sz="1600"/>
+            </a:lvl5pPr>
+            <a:lvl6pPr marL="2286000" indent="0">
+              <a:buNone/>
+              <a:defRPr sz="1600"/>
+            </a:lvl6pPr>
+            <a:lvl7pPr marL="2743200" indent="0">
+              <a:buNone/>
+              <a:defRPr sz="1600"/>
+            </a:lvl7pPr>
+            <a:lvl8pPr marL="3200400" indent="0">
+              <a:buNone/>
+              <a:defRPr sz="1600"/>
+            </a:lvl8pPr>
+            <a:lvl9pPr marL="3657600" indent="0">
+              <a:buNone/>
+              <a:defRPr sz="1600"/>
+            </a:lvl9pPr>
+          </a:lstStyle>
+          <a:p>
+            <a:r>
+              <a:rPr lang="en-US"/>
+              <a:t>Click icon to add picture</a:t>
+            </a:r>
+            <a:endParaRPr lang="en-US" dirty="0"/>
+          </a:p>
+        </p:txBody>
+      </p:sp>
+      <p:sp>
+        <p:nvSpPr>
+          <p:cNvPr id="4" name="Text Placeholder 3"/>
+          <p:cNvSpPr>
+            <a:spLocks noGrp="1"/>
+          </p:cNvSpPr>
+          <p:nvPr>
+            <p:ph type="body" sz="half" idx="2"/>
+          </p:nvPr>
+        </p:nvSpPr>
+        <p:spPr>
+          <a:xfrm>
+            <a:off x="2589213" y="5367338"/>
+            <a:ext cx="8915400" cy="493712"/>
+          </a:xfrm>
+        </p:spPr>
+        <p:txBody>
+          <a:bodyPr>
+            <a:normAutofit/>
+          </a:bodyPr>
           <a:lstStyle>
             <a:lvl1pPr marL="0" indent="0">
               <a:buNone/>
-              <a:defRPr sz="3200"/>
-            </a:lvl1pPr>
-            <a:lvl2pPr marL="457200" indent="0">
-              <a:buNone/>
-              <a:defRPr sz="2800"/>
-            </a:lvl2pPr>
-            <a:lvl3pPr marL="914400" indent="0">
-              <a:buNone/>
-              <a:defRPr sz="2400"/>
-            </a:lvl3pPr>
-            <a:lvl4pPr marL="1371600" indent="0">
-              <a:buNone/>
-              <a:defRPr sz="2000"/>
-            </a:lvl4pPr>
-            <a:lvl5pPr marL="1828800" indent="0">
-              <a:buNone/>
-              <a:defRPr sz="2000"/>
-            </a:lvl5pPr>
-            <a:lvl6pPr marL="2286000" indent="0">
-              <a:buNone/>
-              <a:defRPr sz="2000"/>
-            </a:lvl6pPr>
-            <a:lvl7pPr marL="2743200" indent="0">
-              <a:buNone/>
-              <a:defRPr sz="2000"/>
-            </a:lvl7pPr>
-            <a:lvl8pPr marL="3200400" indent="0">
-              <a:buNone/>
-              <a:defRPr sz="2000"/>
-            </a:lvl8pPr>
-            <a:lvl9pPr marL="3657600" indent="0">
-              <a:buNone/>
-              <a:defRPr sz="2000"/>
-            </a:lvl9pPr>
-          </a:lstStyle>
-          <a:p>
-            <a:endParaRPr lang="en-US"/>
-          </a:p>
-        </p:txBody>
-      </p:sp>
-      <p:sp>
-        <p:nvSpPr>
-          <p:cNvPr id="4" name="Text Placeholder 3"/>
-          <p:cNvSpPr>
-            <a:spLocks noGrp="1"/>
-          </p:cNvSpPr>
-          <p:nvPr>
-            <p:ph type="body" sz="half" idx="2"/>
-          </p:nvPr>
-        </p:nvSpPr>
-        <p:spPr>
-          <a:xfrm>
-            <a:off x="1792288" y="5367338"/>
-            <a:ext cx="5486400" cy="804862"/>
-          </a:xfrm>
-        </p:spPr>
-        <p:txBody>
-          <a:bodyPr/>
-          <a:lstStyle>
-            <a:lvl1pPr marL="0" indent="0">
-              <a:buNone/>
-              <a:defRPr sz="1400"/>
+              <a:defRPr sz="1200"/>
             </a:lvl1pPr>
             <a:lvl2pPr marL="457200" indent="0">
               <a:buNone/>
@@ -2489,7 +5030,7 @@
           <a:p>
             <a:pPr lvl="0"/>
             <a:r>
-              <a:rPr lang="en-US" smtClean="0"/>
+              <a:rPr lang="en-US"/>
               <a:t>Click to edit Master text styles</a:t>
             </a:r>
           </a:p>
@@ -2510,11 +5051,11 @@
           <a:bodyPr/>
           <a:lstStyle/>
           <a:p>
-            <a:fld id="{5BCAD085-E8A6-8845-BD4E-CB4CCA059FC4}" type="datetimeFigureOut">
-              <a:rPr lang="en-US" smtClean="0"/>
-              <a:t>1/27/13</a:t>
+            <a:fld id="{D838D6FB-BF45-466C-9214-15B677CBF5C8}" type="datetimeFigureOut">
+              <a:rPr lang="en-IN" smtClean="0"/>
+              <a:t>29-12-2024</a:t>
             </a:fld>
-            <a:endParaRPr lang="en-US"/>
+            <a:endParaRPr lang="en-IN"/>
           </a:p>
         </p:txBody>
       </p:sp>
@@ -2533,9 +5074,91 @@
           <a:bodyPr/>
           <a:lstStyle/>
           <a:p>
-            <a:endParaRPr lang="en-US"/>
-          </a:p>
-        </p:txBody>
+            <a:endParaRPr lang="en-IN"/>
+          </a:p>
+        </p:txBody>
+      </p:sp>
+      <p:sp>
+        <p:nvSpPr>
+          <p:cNvPr id="9" name="Freeform 11"/>
+          <p:cNvSpPr/>
+          <p:nvPr/>
+        </p:nvSpPr>
+        <p:spPr bwMode="auto">
+          <a:xfrm flipV="1">
+            <a:off x="-4189" y="4911725"/>
+            <a:ext cx="1588527" cy="507297"/>
+          </a:xfrm>
+          <a:custGeom>
+            <a:avLst/>
+            <a:gdLst/>
+            <a:ahLst/>
+            <a:cxnLst/>
+            <a:rect l="l" t="t" r="r" b="b"/>
+            <a:pathLst>
+              <a:path w="9248" h="10000">
+                <a:moveTo>
+                  <a:pt x="9248" y="4701"/>
+                </a:moveTo>
+                <a:lnTo>
+                  <a:pt x="7915" y="188"/>
+                </a:lnTo>
+                <a:cubicBezTo>
+                  <a:pt x="7906" y="156"/>
+                  <a:pt x="7895" y="126"/>
+                  <a:pt x="7886" y="94"/>
+                </a:cubicBezTo>
+                <a:cubicBezTo>
+                  <a:pt x="7859" y="0"/>
+                  <a:pt x="7831" y="0"/>
+                  <a:pt x="7803" y="0"/>
+                </a:cubicBezTo>
+                <a:lnTo>
+                  <a:pt x="7275" y="0"/>
+                </a:lnTo>
+                <a:lnTo>
+                  <a:pt x="0" y="70"/>
+                </a:lnTo>
+                <a:cubicBezTo>
+                  <a:pt x="8" y="3380"/>
+                  <a:pt x="17" y="6690"/>
+                  <a:pt x="25" y="10000"/>
+                </a:cubicBezTo>
+                <a:lnTo>
+                  <a:pt x="7275" y="9966"/>
+                </a:lnTo>
+                <a:lnTo>
+                  <a:pt x="7803" y="9966"/>
+                </a:lnTo>
+                <a:cubicBezTo>
+                  <a:pt x="7831" y="9966"/>
+                  <a:pt x="7859" y="9872"/>
+                  <a:pt x="7886" y="9872"/>
+                </a:cubicBezTo>
+                <a:cubicBezTo>
+                  <a:pt x="7886" y="9778"/>
+                  <a:pt x="7915" y="9778"/>
+                  <a:pt x="7915" y="9778"/>
+                </a:cubicBezTo>
+                <a:lnTo>
+                  <a:pt x="9248" y="5265"/>
+                </a:lnTo>
+                <a:cubicBezTo>
+                  <a:pt x="9303" y="5077"/>
+                  <a:pt x="9303" y="4889"/>
+                  <a:pt x="9248" y="4701"/>
+                </a:cubicBezTo>
+                <a:close/>
+              </a:path>
+            </a:pathLst>
+          </a:custGeom>
+          <a:solidFill>
+            <a:schemeClr val="accent1"/>
+          </a:solidFill>
+          <a:ln>
+            <a:noFill/>
+          </a:ln>
+        </p:spPr>
       </p:sp>
       <p:sp>
         <p:nvSpPr>
@@ -2547,23 +5170,28 @@
             <p:ph type="sldNum" sz="quarter" idx="12"/>
           </p:nvPr>
         </p:nvSpPr>
-        <p:spPr/>
+        <p:spPr>
+          <a:xfrm>
+            <a:off x="531812" y="4983087"/>
+            <a:ext cx="779767" cy="365125"/>
+          </a:xfrm>
+        </p:spPr>
         <p:txBody>
           <a:bodyPr/>
           <a:lstStyle/>
           <a:p>
-            <a:fld id="{C1FF6DA9-008F-8B48-92A6-B652298478BF}" type="slidenum">
-              <a:rPr lang="en-US" smtClean="0"/>
+            <a:fld id="{E2002345-9007-43CD-BD54-4A4255AE303D}" type="slidenum">
+              <a:rPr lang="en-IN" smtClean="0"/>
               <a:t>‹#›</a:t>
             </a:fld>
-            <a:endParaRPr lang="en-US"/>
+            <a:endParaRPr lang="en-IN"/>
           </a:p>
         </p:txBody>
       </p:sp>
     </p:spTree>
     <p:extLst>
       <p:ext uri="{BB962C8B-B14F-4D97-AF65-F5344CB8AC3E}">
-        <p14:creationId xmlns:p14="http://schemas.microsoft.com/office/powerpoint/2010/main" val="3889236939"/>
+        <p14:creationId xmlns:p14="http://schemas.microsoft.com/office/powerpoint/2010/main" val="1777828136"/>
       </p:ext>
     </p:extLst>
   </p:cSld>
@@ -2577,8 +5205,8 @@
 <p:sldMaster xmlns:a="http://schemas.openxmlformats.org/drawingml/2006/main" xmlns:r="http://schemas.openxmlformats.org/officeDocument/2006/relationships" xmlns:p="http://schemas.openxmlformats.org/presentationml/2006/main">
   <p:cSld>
     <p:bg>
-      <p:bgRef idx="1001">
-        <a:schemeClr val="bg1"/>
+      <p:bgRef idx="1002">
+        <a:schemeClr val="bg2"/>
       </p:bgRef>
     </p:bg>
     <p:spTree>
@@ -2595,36 +5223,1853 @@
           <a:chExt cx="0" cy="0"/>
         </a:xfrm>
       </p:grpSpPr>
-      <p:sp>
-        <p:nvSpPr>
-          <p:cNvPr id="2" name="Title Placeholder 1"/>
-          <p:cNvSpPr>
-            <a:spLocks noGrp="1"/>
-          </p:cNvSpPr>
-          <p:nvPr>
-            <p:ph type="title"/>
-          </p:nvPr>
+      <p:grpSp>
+        <p:nvGrpSpPr>
+          <p:cNvPr id="23" name="Group 22"/>
+          <p:cNvGrpSpPr/>
+          <p:nvPr/>
+        </p:nvGrpSpPr>
+        <p:grpSpPr>
+          <a:xfrm>
+            <a:off x="1" y="228600"/>
+            <a:ext cx="2851516" cy="6638628"/>
+            <a:chOff x="2487613" y="285750"/>
+            <a:chExt cx="2428875" cy="5654676"/>
+          </a:xfrm>
+        </p:grpSpPr>
+        <p:sp>
+          <p:nvSpPr>
+            <p:cNvPr id="24" name="Freeform 11"/>
+            <p:cNvSpPr/>
+            <p:nvPr/>
+          </p:nvSpPr>
+          <p:spPr bwMode="auto">
+            <a:xfrm>
+              <a:off x="2487613" y="2284413"/>
+              <a:ext cx="85725" cy="533400"/>
+            </a:xfrm>
+            <a:custGeom>
+              <a:avLst/>
+              <a:gdLst/>
+              <a:ahLst/>
+              <a:cxnLst/>
+              <a:rect l="0" t="0" r="r" b="b"/>
+              <a:pathLst>
+                <a:path w="22" h="136">
+                  <a:moveTo>
+                    <a:pt x="22" y="136"/>
+                  </a:moveTo>
+                  <a:cubicBezTo>
+                    <a:pt x="20" y="117"/>
+                    <a:pt x="19" y="99"/>
+                    <a:pt x="17" y="80"/>
+                  </a:cubicBezTo>
+                  <a:cubicBezTo>
+                    <a:pt x="11" y="54"/>
+                    <a:pt x="6" y="27"/>
+                    <a:pt x="0" y="0"/>
+                  </a:cubicBezTo>
+                  <a:cubicBezTo>
+                    <a:pt x="0" y="35"/>
+                    <a:pt x="0" y="35"/>
+                    <a:pt x="0" y="35"/>
+                  </a:cubicBezTo>
+                  <a:cubicBezTo>
+                    <a:pt x="6" y="64"/>
+                    <a:pt x="13" y="94"/>
+                    <a:pt x="20" y="124"/>
+                  </a:cubicBezTo>
+                  <a:cubicBezTo>
+                    <a:pt x="20" y="128"/>
+                    <a:pt x="21" y="132"/>
+                    <a:pt x="22" y="136"/>
+                  </a:cubicBezTo>
+                  <a:close/>
+                </a:path>
+              </a:pathLst>
+            </a:custGeom>
+            <a:solidFill>
+              <a:schemeClr val="tx2">
+                <a:alpha val="20000"/>
+              </a:schemeClr>
+            </a:solidFill>
+            <a:ln>
+              <a:noFill/>
+            </a:ln>
+          </p:spPr>
+        </p:sp>
+        <p:sp>
+          <p:nvSpPr>
+            <p:cNvPr id="25" name="Freeform 12"/>
+            <p:cNvSpPr/>
+            <p:nvPr/>
+          </p:nvSpPr>
+          <p:spPr bwMode="auto">
+            <a:xfrm>
+              <a:off x="2597151" y="2779713"/>
+              <a:ext cx="550863" cy="1978025"/>
+            </a:xfrm>
+            <a:custGeom>
+              <a:avLst/>
+              <a:gdLst/>
+              <a:ahLst/>
+              <a:cxnLst/>
+              <a:rect l="0" t="0" r="r" b="b"/>
+              <a:pathLst>
+                <a:path w="140" h="504">
+                  <a:moveTo>
+                    <a:pt x="86" y="350"/>
+                  </a:moveTo>
+                  <a:cubicBezTo>
+                    <a:pt x="103" y="402"/>
+                    <a:pt x="120" y="453"/>
+                    <a:pt x="139" y="504"/>
+                  </a:cubicBezTo>
+                  <a:cubicBezTo>
+                    <a:pt x="139" y="495"/>
+                    <a:pt x="139" y="487"/>
+                    <a:pt x="140" y="478"/>
+                  </a:cubicBezTo>
+                  <a:cubicBezTo>
+                    <a:pt x="124" y="435"/>
+                    <a:pt x="109" y="391"/>
+                    <a:pt x="95" y="347"/>
+                  </a:cubicBezTo>
+                  <a:cubicBezTo>
+                    <a:pt x="58" y="233"/>
+                    <a:pt x="27" y="117"/>
+                    <a:pt x="0" y="0"/>
+                  </a:cubicBezTo>
+                  <a:cubicBezTo>
+                    <a:pt x="2" y="20"/>
+                    <a:pt x="4" y="41"/>
+                    <a:pt x="6" y="61"/>
+                  </a:cubicBezTo>
+                  <a:cubicBezTo>
+                    <a:pt x="30" y="158"/>
+                    <a:pt x="56" y="255"/>
+                    <a:pt x="86" y="350"/>
+                  </a:cubicBezTo>
+                  <a:close/>
+                </a:path>
+              </a:pathLst>
+            </a:custGeom>
+            <a:solidFill>
+              <a:schemeClr val="tx2">
+                <a:alpha val="20000"/>
+              </a:schemeClr>
+            </a:solidFill>
+            <a:ln>
+              <a:noFill/>
+            </a:ln>
+          </p:spPr>
+        </p:sp>
+        <p:sp>
+          <p:nvSpPr>
+            <p:cNvPr id="26" name="Freeform 13"/>
+            <p:cNvSpPr/>
+            <p:nvPr/>
+          </p:nvSpPr>
+          <p:spPr bwMode="auto">
+            <a:xfrm>
+              <a:off x="3175001" y="4730750"/>
+              <a:ext cx="519113" cy="1209675"/>
+            </a:xfrm>
+            <a:custGeom>
+              <a:avLst/>
+              <a:gdLst/>
+              <a:ahLst/>
+              <a:cxnLst/>
+              <a:rect l="0" t="0" r="r" b="b"/>
+              <a:pathLst>
+                <a:path w="132" h="308">
+                  <a:moveTo>
+                    <a:pt x="8" y="22"/>
+                  </a:moveTo>
+                  <a:cubicBezTo>
+                    <a:pt x="5" y="15"/>
+                    <a:pt x="2" y="8"/>
+                    <a:pt x="0" y="0"/>
+                  </a:cubicBezTo>
+                  <a:cubicBezTo>
+                    <a:pt x="0" y="10"/>
+                    <a:pt x="0" y="19"/>
+                    <a:pt x="0" y="29"/>
+                  </a:cubicBezTo>
+                  <a:cubicBezTo>
+                    <a:pt x="21" y="85"/>
+                    <a:pt x="44" y="140"/>
+                    <a:pt x="68" y="194"/>
+                  </a:cubicBezTo>
+                  <a:cubicBezTo>
+                    <a:pt x="85" y="232"/>
+                    <a:pt x="104" y="270"/>
+                    <a:pt x="123" y="308"/>
+                  </a:cubicBezTo>
+                  <a:cubicBezTo>
+                    <a:pt x="132" y="308"/>
+                    <a:pt x="132" y="308"/>
+                    <a:pt x="132" y="308"/>
+                  </a:cubicBezTo>
+                  <a:cubicBezTo>
+                    <a:pt x="113" y="269"/>
+                    <a:pt x="94" y="230"/>
+                    <a:pt x="77" y="190"/>
+                  </a:cubicBezTo>
+                  <a:cubicBezTo>
+                    <a:pt x="52" y="135"/>
+                    <a:pt x="29" y="79"/>
+                    <a:pt x="8" y="22"/>
+                  </a:cubicBezTo>
+                  <a:close/>
+                </a:path>
+              </a:pathLst>
+            </a:custGeom>
+            <a:solidFill>
+              <a:schemeClr val="tx2">
+                <a:alpha val="20000"/>
+              </a:schemeClr>
+            </a:solidFill>
+            <a:ln>
+              <a:noFill/>
+            </a:ln>
+          </p:spPr>
+        </p:sp>
+        <p:sp>
+          <p:nvSpPr>
+            <p:cNvPr id="27" name="Freeform 14"/>
+            <p:cNvSpPr/>
+            <p:nvPr/>
+          </p:nvSpPr>
+          <p:spPr bwMode="auto">
+            <a:xfrm>
+              <a:off x="3305176" y="5630863"/>
+              <a:ext cx="146050" cy="309563"/>
+            </a:xfrm>
+            <a:custGeom>
+              <a:avLst/>
+              <a:gdLst/>
+              <a:ahLst/>
+              <a:cxnLst/>
+              <a:rect l="0" t="0" r="r" b="b"/>
+              <a:pathLst>
+                <a:path w="37" h="79">
+                  <a:moveTo>
+                    <a:pt x="28" y="79"/>
+                  </a:moveTo>
+                  <a:cubicBezTo>
+                    <a:pt x="37" y="79"/>
+                    <a:pt x="37" y="79"/>
+                    <a:pt x="37" y="79"/>
+                  </a:cubicBezTo>
+                  <a:cubicBezTo>
+                    <a:pt x="24" y="53"/>
+                    <a:pt x="12" y="27"/>
+                    <a:pt x="0" y="0"/>
+                  </a:cubicBezTo>
+                  <a:cubicBezTo>
+                    <a:pt x="8" y="27"/>
+                    <a:pt x="17" y="53"/>
+                    <a:pt x="28" y="79"/>
+                  </a:cubicBezTo>
+                  <a:close/>
+                </a:path>
+              </a:pathLst>
+            </a:custGeom>
+            <a:solidFill>
+              <a:schemeClr val="tx2">
+                <a:alpha val="20000"/>
+              </a:schemeClr>
+            </a:solidFill>
+            <a:ln>
+              <a:noFill/>
+            </a:ln>
+          </p:spPr>
+        </p:sp>
+        <p:sp>
+          <p:nvSpPr>
+            <p:cNvPr id="28" name="Freeform 15"/>
+            <p:cNvSpPr/>
+            <p:nvPr/>
+          </p:nvSpPr>
+          <p:spPr bwMode="auto">
+            <a:xfrm>
+              <a:off x="2573338" y="2817813"/>
+              <a:ext cx="700088" cy="2835275"/>
+            </a:xfrm>
+            <a:custGeom>
+              <a:avLst/>
+              <a:gdLst/>
+              <a:ahLst/>
+              <a:cxnLst/>
+              <a:rect l="0" t="0" r="r" b="b"/>
+              <a:pathLst>
+                <a:path w="178" h="722">
+                  <a:moveTo>
+                    <a:pt x="162" y="660"/>
+                  </a:moveTo>
+                  <a:cubicBezTo>
+                    <a:pt x="145" y="618"/>
+                    <a:pt x="130" y="576"/>
+                    <a:pt x="116" y="534"/>
+                  </a:cubicBezTo>
+                  <a:cubicBezTo>
+                    <a:pt x="84" y="437"/>
+                    <a:pt x="59" y="337"/>
+                    <a:pt x="40" y="236"/>
+                  </a:cubicBezTo>
+                  <a:cubicBezTo>
+                    <a:pt x="29" y="175"/>
+                    <a:pt x="20" y="113"/>
+                    <a:pt x="12" y="51"/>
+                  </a:cubicBezTo>
+                  <a:cubicBezTo>
+                    <a:pt x="8" y="34"/>
+                    <a:pt x="4" y="17"/>
+                    <a:pt x="0" y="0"/>
+                  </a:cubicBezTo>
+                  <a:cubicBezTo>
+                    <a:pt x="8" y="79"/>
+                    <a:pt x="19" y="159"/>
+                    <a:pt x="33" y="237"/>
+                  </a:cubicBezTo>
+                  <a:cubicBezTo>
+                    <a:pt x="51" y="339"/>
+                    <a:pt x="76" y="439"/>
+                    <a:pt x="107" y="537"/>
+                  </a:cubicBezTo>
+                  <a:cubicBezTo>
+                    <a:pt x="123" y="586"/>
+                    <a:pt x="141" y="634"/>
+                    <a:pt x="160" y="681"/>
+                  </a:cubicBezTo>
+                  <a:cubicBezTo>
+                    <a:pt x="166" y="695"/>
+                    <a:pt x="172" y="708"/>
+                    <a:pt x="178" y="722"/>
+                  </a:cubicBezTo>
+                  <a:cubicBezTo>
+                    <a:pt x="176" y="717"/>
+                    <a:pt x="175" y="713"/>
+                    <a:pt x="174" y="708"/>
+                  </a:cubicBezTo>
+                  <a:cubicBezTo>
+                    <a:pt x="169" y="692"/>
+                    <a:pt x="165" y="676"/>
+                    <a:pt x="162" y="660"/>
+                  </a:cubicBezTo>
+                  <a:close/>
+                </a:path>
+              </a:pathLst>
+            </a:custGeom>
+            <a:solidFill>
+              <a:schemeClr val="tx2">
+                <a:alpha val="20000"/>
+              </a:schemeClr>
+            </a:solidFill>
+            <a:ln>
+              <a:noFill/>
+            </a:ln>
+          </p:spPr>
+        </p:sp>
+        <p:sp>
+          <p:nvSpPr>
+            <p:cNvPr id="29" name="Freeform 16"/>
+            <p:cNvSpPr/>
+            <p:nvPr/>
+          </p:nvSpPr>
+          <p:spPr bwMode="auto">
+            <a:xfrm>
+              <a:off x="2506663" y="285750"/>
+              <a:ext cx="90488" cy="2493963"/>
+            </a:xfrm>
+            <a:custGeom>
+              <a:avLst/>
+              <a:gdLst/>
+              <a:ahLst/>
+              <a:cxnLst/>
+              <a:rect l="0" t="0" r="r" b="b"/>
+              <a:pathLst>
+                <a:path w="23" h="635">
+                  <a:moveTo>
+                    <a:pt x="11" y="577"/>
+                  </a:moveTo>
+                  <a:cubicBezTo>
+                    <a:pt x="12" y="581"/>
+                    <a:pt x="12" y="585"/>
+                    <a:pt x="12" y="589"/>
+                  </a:cubicBezTo>
+                  <a:cubicBezTo>
+                    <a:pt x="15" y="603"/>
+                    <a:pt x="19" y="617"/>
+                    <a:pt x="22" y="632"/>
+                  </a:cubicBezTo>
+                  <a:cubicBezTo>
+                    <a:pt x="22" y="633"/>
+                    <a:pt x="22" y="634"/>
+                    <a:pt x="23" y="635"/>
+                  </a:cubicBezTo>
+                  <a:cubicBezTo>
+                    <a:pt x="21" y="615"/>
+                    <a:pt x="19" y="596"/>
+                    <a:pt x="17" y="576"/>
+                  </a:cubicBezTo>
+                  <a:cubicBezTo>
+                    <a:pt x="9" y="474"/>
+                    <a:pt x="5" y="372"/>
+                    <a:pt x="5" y="269"/>
+                  </a:cubicBezTo>
+                  <a:cubicBezTo>
+                    <a:pt x="6" y="179"/>
+                    <a:pt x="9" y="90"/>
+                    <a:pt x="15" y="0"/>
+                  </a:cubicBezTo>
+                  <a:cubicBezTo>
+                    <a:pt x="12" y="0"/>
+                    <a:pt x="12" y="0"/>
+                    <a:pt x="12" y="0"/>
+                  </a:cubicBezTo>
+                  <a:cubicBezTo>
+                    <a:pt x="5" y="89"/>
+                    <a:pt x="2" y="179"/>
+                    <a:pt x="1" y="269"/>
+                  </a:cubicBezTo>
+                  <a:cubicBezTo>
+                    <a:pt x="0" y="372"/>
+                    <a:pt x="3" y="474"/>
+                    <a:pt x="11" y="577"/>
+                  </a:cubicBezTo>
+                  <a:close/>
+                </a:path>
+              </a:pathLst>
+            </a:custGeom>
+            <a:solidFill>
+              <a:schemeClr val="tx2">
+                <a:alpha val="20000"/>
+              </a:schemeClr>
+            </a:solidFill>
+            <a:ln>
+              <a:noFill/>
+            </a:ln>
+          </p:spPr>
+        </p:sp>
+        <p:sp>
+          <p:nvSpPr>
+            <p:cNvPr id="30" name="Freeform 17"/>
+            <p:cNvSpPr/>
+            <p:nvPr/>
+          </p:nvSpPr>
+          <p:spPr bwMode="auto">
+            <a:xfrm>
+              <a:off x="2554288" y="2598738"/>
+              <a:ext cx="66675" cy="420688"/>
+            </a:xfrm>
+            <a:custGeom>
+              <a:avLst/>
+              <a:gdLst/>
+              <a:ahLst/>
+              <a:cxnLst/>
+              <a:rect l="0" t="0" r="r" b="b"/>
+              <a:pathLst>
+                <a:path w="17" h="107">
+                  <a:moveTo>
+                    <a:pt x="0" y="0"/>
+                  </a:moveTo>
+                  <a:cubicBezTo>
+                    <a:pt x="2" y="19"/>
+                    <a:pt x="3" y="37"/>
+                    <a:pt x="5" y="56"/>
+                  </a:cubicBezTo>
+                  <a:cubicBezTo>
+                    <a:pt x="9" y="73"/>
+                    <a:pt x="13" y="90"/>
+                    <a:pt x="17" y="107"/>
+                  </a:cubicBezTo>
+                  <a:cubicBezTo>
+                    <a:pt x="15" y="87"/>
+                    <a:pt x="13" y="66"/>
+                    <a:pt x="11" y="46"/>
+                  </a:cubicBezTo>
+                  <a:cubicBezTo>
+                    <a:pt x="10" y="45"/>
+                    <a:pt x="10" y="44"/>
+                    <a:pt x="10" y="43"/>
+                  </a:cubicBezTo>
+                  <a:cubicBezTo>
+                    <a:pt x="7" y="28"/>
+                    <a:pt x="3" y="14"/>
+                    <a:pt x="0" y="0"/>
+                  </a:cubicBezTo>
+                  <a:close/>
+                </a:path>
+              </a:pathLst>
+            </a:custGeom>
+            <a:solidFill>
+              <a:schemeClr val="tx2">
+                <a:alpha val="20000"/>
+              </a:schemeClr>
+            </a:solidFill>
+            <a:ln>
+              <a:noFill/>
+            </a:ln>
+          </p:spPr>
+        </p:sp>
+        <p:sp>
+          <p:nvSpPr>
+            <p:cNvPr id="31" name="Freeform 18"/>
+            <p:cNvSpPr/>
+            <p:nvPr/>
+          </p:nvSpPr>
+          <p:spPr bwMode="auto">
+            <a:xfrm>
+              <a:off x="3143251" y="4757738"/>
+              <a:ext cx="161925" cy="873125"/>
+            </a:xfrm>
+            <a:custGeom>
+              <a:avLst/>
+              <a:gdLst/>
+              <a:ahLst/>
+              <a:cxnLst/>
+              <a:rect l="0" t="0" r="r" b="b"/>
+              <a:pathLst>
+                <a:path w="41" h="222">
+                  <a:moveTo>
+                    <a:pt x="0" y="0"/>
+                  </a:moveTo>
+                  <a:cubicBezTo>
+                    <a:pt x="0" y="31"/>
+                    <a:pt x="2" y="62"/>
+                    <a:pt x="5" y="93"/>
+                  </a:cubicBezTo>
+                  <a:cubicBezTo>
+                    <a:pt x="8" y="117"/>
+                    <a:pt x="12" y="142"/>
+                    <a:pt x="17" y="166"/>
+                  </a:cubicBezTo>
+                  <a:cubicBezTo>
+                    <a:pt x="19" y="172"/>
+                    <a:pt x="22" y="178"/>
+                    <a:pt x="24" y="184"/>
+                  </a:cubicBezTo>
+                  <a:cubicBezTo>
+                    <a:pt x="30" y="197"/>
+                    <a:pt x="35" y="209"/>
+                    <a:pt x="41" y="222"/>
+                  </a:cubicBezTo>
+                  <a:cubicBezTo>
+                    <a:pt x="40" y="219"/>
+                    <a:pt x="39" y="215"/>
+                    <a:pt x="38" y="212"/>
+                  </a:cubicBezTo>
+                  <a:cubicBezTo>
+                    <a:pt x="26" y="172"/>
+                    <a:pt x="18" y="132"/>
+                    <a:pt x="13" y="92"/>
+                  </a:cubicBezTo>
+                  <a:cubicBezTo>
+                    <a:pt x="11" y="68"/>
+                    <a:pt x="9" y="45"/>
+                    <a:pt x="8" y="22"/>
+                  </a:cubicBezTo>
+                  <a:cubicBezTo>
+                    <a:pt x="8" y="21"/>
+                    <a:pt x="7" y="20"/>
+                    <a:pt x="7" y="18"/>
+                  </a:cubicBezTo>
+                  <a:cubicBezTo>
+                    <a:pt x="5" y="12"/>
+                    <a:pt x="2" y="6"/>
+                    <a:pt x="0" y="0"/>
+                  </a:cubicBezTo>
+                  <a:close/>
+                </a:path>
+              </a:pathLst>
+            </a:custGeom>
+            <a:solidFill>
+              <a:schemeClr val="tx2">
+                <a:alpha val="20000"/>
+              </a:schemeClr>
+            </a:solidFill>
+            <a:ln>
+              <a:noFill/>
+            </a:ln>
+          </p:spPr>
+        </p:sp>
+        <p:sp>
+          <p:nvSpPr>
+            <p:cNvPr id="32" name="Freeform 19"/>
+            <p:cNvSpPr/>
+            <p:nvPr/>
+          </p:nvSpPr>
+          <p:spPr bwMode="auto">
+            <a:xfrm>
+              <a:off x="3148013" y="1282700"/>
+              <a:ext cx="1768475" cy="3448050"/>
+            </a:xfrm>
+            <a:custGeom>
+              <a:avLst/>
+              <a:gdLst/>
+              <a:ahLst/>
+              <a:cxnLst/>
+              <a:rect l="0" t="0" r="r" b="b"/>
+              <a:pathLst>
+                <a:path w="450" h="878">
+                  <a:moveTo>
+                    <a:pt x="7" y="854"/>
+                  </a:moveTo>
+                  <a:cubicBezTo>
+                    <a:pt x="10" y="772"/>
+                    <a:pt x="26" y="691"/>
+                    <a:pt x="50" y="613"/>
+                  </a:cubicBezTo>
+                  <a:cubicBezTo>
+                    <a:pt x="75" y="535"/>
+                    <a:pt x="109" y="460"/>
+                    <a:pt x="149" y="388"/>
+                  </a:cubicBezTo>
+                  <a:cubicBezTo>
+                    <a:pt x="189" y="316"/>
+                    <a:pt x="235" y="248"/>
+                    <a:pt x="285" y="183"/>
+                  </a:cubicBezTo>
+                  <a:cubicBezTo>
+                    <a:pt x="310" y="151"/>
+                    <a:pt x="337" y="119"/>
+                    <a:pt x="364" y="89"/>
+                  </a:cubicBezTo>
+                  <a:cubicBezTo>
+                    <a:pt x="378" y="74"/>
+                    <a:pt x="392" y="58"/>
+                    <a:pt x="406" y="44"/>
+                  </a:cubicBezTo>
+                  <a:cubicBezTo>
+                    <a:pt x="421" y="29"/>
+                    <a:pt x="435" y="15"/>
+                    <a:pt x="450" y="1"/>
+                  </a:cubicBezTo>
+                  <a:cubicBezTo>
+                    <a:pt x="450" y="0"/>
+                    <a:pt x="450" y="0"/>
+                    <a:pt x="450" y="0"/>
+                  </a:cubicBezTo>
+                  <a:cubicBezTo>
+                    <a:pt x="434" y="14"/>
+                    <a:pt x="420" y="28"/>
+                    <a:pt x="405" y="43"/>
+                  </a:cubicBezTo>
+                  <a:cubicBezTo>
+                    <a:pt x="391" y="57"/>
+                    <a:pt x="377" y="72"/>
+                    <a:pt x="363" y="88"/>
+                  </a:cubicBezTo>
+                  <a:cubicBezTo>
+                    <a:pt x="335" y="118"/>
+                    <a:pt x="308" y="149"/>
+                    <a:pt x="283" y="181"/>
+                  </a:cubicBezTo>
+                  <a:cubicBezTo>
+                    <a:pt x="232" y="246"/>
+                    <a:pt x="185" y="314"/>
+                    <a:pt x="145" y="386"/>
+                  </a:cubicBezTo>
+                  <a:cubicBezTo>
+                    <a:pt x="104" y="457"/>
+                    <a:pt x="70" y="533"/>
+                    <a:pt x="45" y="611"/>
+                  </a:cubicBezTo>
+                  <a:cubicBezTo>
+                    <a:pt x="19" y="690"/>
+                    <a:pt x="3" y="771"/>
+                    <a:pt x="0" y="854"/>
+                  </a:cubicBezTo>
+                  <a:cubicBezTo>
+                    <a:pt x="0" y="856"/>
+                    <a:pt x="0" y="857"/>
+                    <a:pt x="0" y="859"/>
+                  </a:cubicBezTo>
+                  <a:cubicBezTo>
+                    <a:pt x="2" y="865"/>
+                    <a:pt x="4" y="872"/>
+                    <a:pt x="7" y="878"/>
+                  </a:cubicBezTo>
+                  <a:cubicBezTo>
+                    <a:pt x="7" y="870"/>
+                    <a:pt x="7" y="862"/>
+                    <a:pt x="7" y="854"/>
+                  </a:cubicBezTo>
+                  <a:close/>
+                </a:path>
+              </a:pathLst>
+            </a:custGeom>
+            <a:solidFill>
+              <a:schemeClr val="tx2">
+                <a:alpha val="20000"/>
+              </a:schemeClr>
+            </a:solidFill>
+            <a:ln>
+              <a:noFill/>
+            </a:ln>
+          </p:spPr>
+        </p:sp>
+        <p:sp>
+          <p:nvSpPr>
+            <p:cNvPr id="33" name="Freeform 20"/>
+            <p:cNvSpPr/>
+            <p:nvPr/>
+          </p:nvSpPr>
+          <p:spPr bwMode="auto">
+            <a:xfrm>
+              <a:off x="3273426" y="5653088"/>
+              <a:ext cx="138113" cy="287338"/>
+            </a:xfrm>
+            <a:custGeom>
+              <a:avLst/>
+              <a:gdLst/>
+              <a:ahLst/>
+              <a:cxnLst/>
+              <a:rect l="0" t="0" r="r" b="b"/>
+              <a:pathLst>
+                <a:path w="35" h="73">
+                  <a:moveTo>
+                    <a:pt x="0" y="0"/>
+                  </a:moveTo>
+                  <a:cubicBezTo>
+                    <a:pt x="7" y="24"/>
+                    <a:pt x="16" y="49"/>
+                    <a:pt x="26" y="73"/>
+                  </a:cubicBezTo>
+                  <a:cubicBezTo>
+                    <a:pt x="35" y="73"/>
+                    <a:pt x="35" y="73"/>
+                    <a:pt x="35" y="73"/>
+                  </a:cubicBezTo>
+                  <a:cubicBezTo>
+                    <a:pt x="23" y="49"/>
+                    <a:pt x="11" y="24"/>
+                    <a:pt x="0" y="0"/>
+                  </a:cubicBezTo>
+                  <a:close/>
+                </a:path>
+              </a:pathLst>
+            </a:custGeom>
+            <a:solidFill>
+              <a:schemeClr val="tx2">
+                <a:alpha val="20000"/>
+              </a:schemeClr>
+            </a:solidFill>
+            <a:ln>
+              <a:noFill/>
+            </a:ln>
+          </p:spPr>
+        </p:sp>
+        <p:sp>
+          <p:nvSpPr>
+            <p:cNvPr id="34" name="Freeform 21"/>
+            <p:cNvSpPr/>
+            <p:nvPr/>
+          </p:nvSpPr>
+          <p:spPr bwMode="auto">
+            <a:xfrm>
+              <a:off x="3143251" y="4656138"/>
+              <a:ext cx="31750" cy="188913"/>
+            </a:xfrm>
+            <a:custGeom>
+              <a:avLst/>
+              <a:gdLst/>
+              <a:ahLst/>
+              <a:cxnLst/>
+              <a:rect l="0" t="0" r="r" b="b"/>
+              <a:pathLst>
+                <a:path w="8" h="48">
+                  <a:moveTo>
+                    <a:pt x="7" y="44"/>
+                  </a:moveTo>
+                  <a:cubicBezTo>
+                    <a:pt x="7" y="46"/>
+                    <a:pt x="8" y="47"/>
+                    <a:pt x="8" y="48"/>
+                  </a:cubicBezTo>
+                  <a:cubicBezTo>
+                    <a:pt x="8" y="38"/>
+                    <a:pt x="8" y="29"/>
+                    <a:pt x="8" y="19"/>
+                  </a:cubicBezTo>
+                  <a:cubicBezTo>
+                    <a:pt x="5" y="13"/>
+                    <a:pt x="3" y="6"/>
+                    <a:pt x="1" y="0"/>
+                  </a:cubicBezTo>
+                  <a:cubicBezTo>
+                    <a:pt x="0" y="9"/>
+                    <a:pt x="0" y="17"/>
+                    <a:pt x="0" y="26"/>
+                  </a:cubicBezTo>
+                  <a:cubicBezTo>
+                    <a:pt x="2" y="32"/>
+                    <a:pt x="5" y="38"/>
+                    <a:pt x="7" y="44"/>
+                  </a:cubicBezTo>
+                  <a:close/>
+                </a:path>
+              </a:pathLst>
+            </a:custGeom>
+            <a:solidFill>
+              <a:schemeClr val="tx2">
+                <a:alpha val="20000"/>
+              </a:schemeClr>
+            </a:solidFill>
+            <a:ln>
+              <a:noFill/>
+            </a:ln>
+          </p:spPr>
+        </p:sp>
+        <p:sp>
+          <p:nvSpPr>
+            <p:cNvPr id="35" name="Freeform 22"/>
+            <p:cNvSpPr/>
+            <p:nvPr/>
+          </p:nvSpPr>
+          <p:spPr bwMode="auto">
+            <a:xfrm>
+              <a:off x="3211513" y="5410200"/>
+              <a:ext cx="203200" cy="530225"/>
+            </a:xfrm>
+            <a:custGeom>
+              <a:avLst/>
+              <a:gdLst/>
+              <a:ahLst/>
+              <a:cxnLst/>
+              <a:rect l="0" t="0" r="r" b="b"/>
+              <a:pathLst>
+                <a:path w="52" h="135">
+                  <a:moveTo>
+                    <a:pt x="7" y="18"/>
+                  </a:moveTo>
+                  <a:cubicBezTo>
+                    <a:pt x="5" y="12"/>
+                    <a:pt x="2" y="6"/>
+                    <a:pt x="0" y="0"/>
+                  </a:cubicBezTo>
+                  <a:cubicBezTo>
+                    <a:pt x="3" y="16"/>
+                    <a:pt x="7" y="32"/>
+                    <a:pt x="12" y="48"/>
+                  </a:cubicBezTo>
+                  <a:cubicBezTo>
+                    <a:pt x="13" y="53"/>
+                    <a:pt x="14" y="57"/>
+                    <a:pt x="16" y="62"/>
+                  </a:cubicBezTo>
+                  <a:cubicBezTo>
+                    <a:pt x="27" y="86"/>
+                    <a:pt x="39" y="111"/>
+                    <a:pt x="51" y="135"/>
+                  </a:cubicBezTo>
+                  <a:cubicBezTo>
+                    <a:pt x="52" y="135"/>
+                    <a:pt x="52" y="135"/>
+                    <a:pt x="52" y="135"/>
+                  </a:cubicBezTo>
+                  <a:cubicBezTo>
+                    <a:pt x="41" y="109"/>
+                    <a:pt x="32" y="83"/>
+                    <a:pt x="24" y="56"/>
+                  </a:cubicBezTo>
+                  <a:cubicBezTo>
+                    <a:pt x="18" y="43"/>
+                    <a:pt x="13" y="31"/>
+                    <a:pt x="7" y="18"/>
+                  </a:cubicBezTo>
+                  <a:close/>
+                </a:path>
+              </a:pathLst>
+            </a:custGeom>
+            <a:solidFill>
+              <a:schemeClr val="tx2">
+                <a:alpha val="20000"/>
+              </a:schemeClr>
+            </a:solidFill>
+            <a:ln>
+              <a:noFill/>
+            </a:ln>
+          </p:spPr>
+        </p:sp>
+      </p:grpSp>
+      <p:grpSp>
+        <p:nvGrpSpPr>
+          <p:cNvPr id="10" name="Group 9"/>
+          <p:cNvGrpSpPr/>
+          <p:nvPr/>
+        </p:nvGrpSpPr>
+        <p:grpSpPr>
+          <a:xfrm>
+            <a:off x="27221" y="157"/>
+            <a:ext cx="2356674" cy="6853096"/>
+            <a:chOff x="6627813" y="195610"/>
+            <a:chExt cx="1952625" cy="5678141"/>
+          </a:xfrm>
+        </p:grpSpPr>
+        <p:sp>
+          <p:nvSpPr>
+            <p:cNvPr id="11" name="Freeform 27"/>
+            <p:cNvSpPr/>
+            <p:nvPr/>
+          </p:nvSpPr>
+          <p:spPr bwMode="auto">
+            <a:xfrm>
+              <a:off x="6627813" y="195610"/>
+              <a:ext cx="409575" cy="3646488"/>
+            </a:xfrm>
+            <a:custGeom>
+              <a:avLst/>
+              <a:gdLst/>
+              <a:ahLst/>
+              <a:cxnLst/>
+              <a:rect l="0" t="0" r="r" b="b"/>
+              <a:pathLst>
+                <a:path w="103" h="920">
+                  <a:moveTo>
+                    <a:pt x="7" y="210"/>
+                  </a:moveTo>
+                  <a:cubicBezTo>
+                    <a:pt x="11" y="288"/>
+                    <a:pt x="17" y="367"/>
+                    <a:pt x="26" y="445"/>
+                  </a:cubicBezTo>
+                  <a:cubicBezTo>
+                    <a:pt x="34" y="523"/>
+                    <a:pt x="44" y="601"/>
+                    <a:pt x="57" y="679"/>
+                  </a:cubicBezTo>
+                  <a:cubicBezTo>
+                    <a:pt x="69" y="757"/>
+                    <a:pt x="84" y="834"/>
+                    <a:pt x="101" y="911"/>
+                  </a:cubicBezTo>
+                  <a:cubicBezTo>
+                    <a:pt x="102" y="914"/>
+                    <a:pt x="103" y="917"/>
+                    <a:pt x="103" y="920"/>
+                  </a:cubicBezTo>
+                  <a:cubicBezTo>
+                    <a:pt x="102" y="905"/>
+                    <a:pt x="100" y="889"/>
+                    <a:pt x="99" y="874"/>
+                  </a:cubicBezTo>
+                  <a:cubicBezTo>
+                    <a:pt x="99" y="871"/>
+                    <a:pt x="99" y="868"/>
+                    <a:pt x="99" y="866"/>
+                  </a:cubicBezTo>
+                  <a:cubicBezTo>
+                    <a:pt x="85" y="803"/>
+                    <a:pt x="73" y="741"/>
+                    <a:pt x="63" y="678"/>
+                  </a:cubicBezTo>
+                  <a:cubicBezTo>
+                    <a:pt x="50" y="600"/>
+                    <a:pt x="39" y="523"/>
+                    <a:pt x="30" y="444"/>
+                  </a:cubicBezTo>
+                  <a:cubicBezTo>
+                    <a:pt x="21" y="366"/>
+                    <a:pt x="14" y="288"/>
+                    <a:pt x="9" y="209"/>
+                  </a:cubicBezTo>
+                  <a:cubicBezTo>
+                    <a:pt x="7" y="170"/>
+                    <a:pt x="5" y="131"/>
+                    <a:pt x="3" y="92"/>
+                  </a:cubicBezTo>
+                  <a:cubicBezTo>
+                    <a:pt x="2" y="61"/>
+                    <a:pt x="1" y="31"/>
+                    <a:pt x="1" y="0"/>
+                  </a:cubicBezTo>
+                  <a:cubicBezTo>
+                    <a:pt x="0" y="0"/>
+                    <a:pt x="0" y="0"/>
+                    <a:pt x="0" y="0"/>
+                  </a:cubicBezTo>
+                  <a:cubicBezTo>
+                    <a:pt x="0" y="31"/>
+                    <a:pt x="1" y="61"/>
+                    <a:pt x="1" y="92"/>
+                  </a:cubicBezTo>
+                  <a:cubicBezTo>
+                    <a:pt x="3" y="131"/>
+                    <a:pt x="4" y="170"/>
+                    <a:pt x="7" y="210"/>
+                  </a:cubicBezTo>
+                  <a:close/>
+                </a:path>
+              </a:pathLst>
+            </a:custGeom>
+            <a:solidFill>
+              <a:schemeClr val="tx2"/>
+            </a:solidFill>
+            <a:ln>
+              <a:noFill/>
+            </a:ln>
+          </p:spPr>
+        </p:sp>
+        <p:sp>
+          <p:nvSpPr>
+            <p:cNvPr id="12" name="Freeform 28"/>
+            <p:cNvSpPr/>
+            <p:nvPr/>
+          </p:nvSpPr>
+          <p:spPr bwMode="auto">
+            <a:xfrm>
+              <a:off x="7061201" y="3771900"/>
+              <a:ext cx="350838" cy="1309688"/>
+            </a:xfrm>
+            <a:custGeom>
+              <a:avLst/>
+              <a:gdLst/>
+              <a:ahLst/>
+              <a:cxnLst/>
+              <a:rect l="0" t="0" r="r" b="b"/>
+              <a:pathLst>
+                <a:path w="88" h="330">
+                  <a:moveTo>
+                    <a:pt x="53" y="229"/>
+                  </a:moveTo>
+                  <a:cubicBezTo>
+                    <a:pt x="64" y="263"/>
+                    <a:pt x="75" y="297"/>
+                    <a:pt x="88" y="330"/>
+                  </a:cubicBezTo>
+                  <a:cubicBezTo>
+                    <a:pt x="88" y="323"/>
+                    <a:pt x="88" y="315"/>
+                    <a:pt x="88" y="308"/>
+                  </a:cubicBezTo>
+                  <a:cubicBezTo>
+                    <a:pt x="88" y="307"/>
+                    <a:pt x="88" y="305"/>
+                    <a:pt x="88" y="304"/>
+                  </a:cubicBezTo>
+                  <a:cubicBezTo>
+                    <a:pt x="79" y="278"/>
+                    <a:pt x="70" y="252"/>
+                    <a:pt x="62" y="226"/>
+                  </a:cubicBezTo>
+                  <a:cubicBezTo>
+                    <a:pt x="38" y="152"/>
+                    <a:pt x="17" y="76"/>
+                    <a:pt x="0" y="0"/>
+                  </a:cubicBezTo>
+                  <a:cubicBezTo>
+                    <a:pt x="2" y="21"/>
+                    <a:pt x="4" y="42"/>
+                    <a:pt x="7" y="63"/>
+                  </a:cubicBezTo>
+                  <a:cubicBezTo>
+                    <a:pt x="21" y="119"/>
+                    <a:pt x="36" y="174"/>
+                    <a:pt x="53" y="229"/>
+                  </a:cubicBezTo>
+                  <a:close/>
+                </a:path>
+              </a:pathLst>
+            </a:custGeom>
+            <a:solidFill>
+              <a:schemeClr val="tx2"/>
+            </a:solidFill>
+            <a:ln>
+              <a:noFill/>
+            </a:ln>
+          </p:spPr>
+        </p:sp>
+        <p:sp>
+          <p:nvSpPr>
+            <p:cNvPr id="13" name="Freeform 29"/>
+            <p:cNvSpPr/>
+            <p:nvPr/>
+          </p:nvSpPr>
+          <p:spPr bwMode="auto">
+            <a:xfrm>
+              <a:off x="7439026" y="5053013"/>
+              <a:ext cx="357188" cy="820738"/>
+            </a:xfrm>
+            <a:custGeom>
+              <a:avLst/>
+              <a:gdLst/>
+              <a:ahLst/>
+              <a:cxnLst/>
+              <a:rect l="0" t="0" r="r" b="b"/>
+              <a:pathLst>
+                <a:path w="90" h="207">
+                  <a:moveTo>
+                    <a:pt x="6" y="15"/>
+                  </a:moveTo>
+                  <a:cubicBezTo>
+                    <a:pt x="4" y="10"/>
+                    <a:pt x="2" y="5"/>
+                    <a:pt x="0" y="0"/>
+                  </a:cubicBezTo>
+                  <a:cubicBezTo>
+                    <a:pt x="0" y="9"/>
+                    <a:pt x="0" y="19"/>
+                    <a:pt x="1" y="29"/>
+                  </a:cubicBezTo>
+                  <a:cubicBezTo>
+                    <a:pt x="14" y="62"/>
+                    <a:pt x="27" y="95"/>
+                    <a:pt x="42" y="127"/>
+                  </a:cubicBezTo>
+                  <a:cubicBezTo>
+                    <a:pt x="54" y="154"/>
+                    <a:pt x="67" y="181"/>
+                    <a:pt x="80" y="207"/>
+                  </a:cubicBezTo>
+                  <a:cubicBezTo>
+                    <a:pt x="90" y="207"/>
+                    <a:pt x="90" y="207"/>
+                    <a:pt x="90" y="207"/>
+                  </a:cubicBezTo>
+                  <a:cubicBezTo>
+                    <a:pt x="76" y="180"/>
+                    <a:pt x="63" y="152"/>
+                    <a:pt x="50" y="123"/>
+                  </a:cubicBezTo>
+                  <a:cubicBezTo>
+                    <a:pt x="34" y="88"/>
+                    <a:pt x="20" y="51"/>
+                    <a:pt x="6" y="15"/>
+                  </a:cubicBezTo>
+                  <a:close/>
+                </a:path>
+              </a:pathLst>
+            </a:custGeom>
+            <a:solidFill>
+              <a:schemeClr val="tx2"/>
+            </a:solidFill>
+            <a:ln>
+              <a:noFill/>
+            </a:ln>
+          </p:spPr>
+        </p:sp>
+        <p:sp>
+          <p:nvSpPr>
+            <p:cNvPr id="14" name="Freeform 30"/>
+            <p:cNvSpPr/>
+            <p:nvPr/>
+          </p:nvSpPr>
+          <p:spPr bwMode="auto">
+            <a:xfrm>
+              <a:off x="7037388" y="3811588"/>
+              <a:ext cx="457200" cy="1852613"/>
+            </a:xfrm>
+            <a:custGeom>
+              <a:avLst/>
+              <a:gdLst/>
+              <a:ahLst/>
+              <a:cxnLst/>
+              <a:rect l="0" t="0" r="r" b="b"/>
+              <a:pathLst>
+                <a:path w="115" h="467">
+                  <a:moveTo>
+                    <a:pt x="101" y="409"/>
+                  </a:moveTo>
+                  <a:cubicBezTo>
+                    <a:pt x="93" y="388"/>
+                    <a:pt x="85" y="366"/>
+                    <a:pt x="78" y="344"/>
+                  </a:cubicBezTo>
+                  <a:cubicBezTo>
+                    <a:pt x="57" y="281"/>
+                    <a:pt x="41" y="216"/>
+                    <a:pt x="29" y="151"/>
+                  </a:cubicBezTo>
+                  <a:cubicBezTo>
+                    <a:pt x="22" y="119"/>
+                    <a:pt x="17" y="86"/>
+                    <a:pt x="13" y="53"/>
+                  </a:cubicBezTo>
+                  <a:cubicBezTo>
+                    <a:pt x="9" y="35"/>
+                    <a:pt x="4" y="18"/>
+                    <a:pt x="0" y="0"/>
+                  </a:cubicBezTo>
+                  <a:cubicBezTo>
+                    <a:pt x="5" y="51"/>
+                    <a:pt x="12" y="102"/>
+                    <a:pt x="21" y="152"/>
+                  </a:cubicBezTo>
+                  <a:cubicBezTo>
+                    <a:pt x="33" y="218"/>
+                    <a:pt x="49" y="283"/>
+                    <a:pt x="69" y="347"/>
+                  </a:cubicBezTo>
+                  <a:cubicBezTo>
+                    <a:pt x="79" y="378"/>
+                    <a:pt x="90" y="410"/>
+                    <a:pt x="103" y="441"/>
+                  </a:cubicBezTo>
+                  <a:cubicBezTo>
+                    <a:pt x="107" y="449"/>
+                    <a:pt x="111" y="458"/>
+                    <a:pt x="115" y="467"/>
+                  </a:cubicBezTo>
+                  <a:cubicBezTo>
+                    <a:pt x="114" y="464"/>
+                    <a:pt x="113" y="461"/>
+                    <a:pt x="112" y="458"/>
+                  </a:cubicBezTo>
+                  <a:cubicBezTo>
+                    <a:pt x="108" y="442"/>
+                    <a:pt x="104" y="425"/>
+                    <a:pt x="101" y="409"/>
+                  </a:cubicBezTo>
+                  <a:close/>
+                </a:path>
+              </a:pathLst>
+            </a:custGeom>
+            <a:solidFill>
+              <a:schemeClr val="tx2"/>
+            </a:solidFill>
+            <a:ln>
+              <a:noFill/>
+            </a:ln>
+          </p:spPr>
+        </p:sp>
+        <p:sp>
+          <p:nvSpPr>
+            <p:cNvPr id="15" name="Freeform 31"/>
+            <p:cNvSpPr/>
+            <p:nvPr/>
+          </p:nvSpPr>
+          <p:spPr bwMode="auto">
+            <a:xfrm>
+              <a:off x="6992938" y="1263650"/>
+              <a:ext cx="144463" cy="2508250"/>
+            </a:xfrm>
+            <a:custGeom>
+              <a:avLst/>
+              <a:gdLst/>
+              <a:ahLst/>
+              <a:cxnLst/>
+              <a:rect l="0" t="0" r="r" b="b"/>
+              <a:pathLst>
+                <a:path w="36" h="633">
+                  <a:moveTo>
+                    <a:pt x="17" y="633"/>
+                  </a:moveTo>
+                  <a:cubicBezTo>
+                    <a:pt x="15" y="621"/>
+                    <a:pt x="14" y="609"/>
+                    <a:pt x="13" y="597"/>
+                  </a:cubicBezTo>
+                  <a:cubicBezTo>
+                    <a:pt x="8" y="530"/>
+                    <a:pt x="5" y="464"/>
+                    <a:pt x="5" y="398"/>
+                  </a:cubicBezTo>
+                  <a:cubicBezTo>
+                    <a:pt x="5" y="331"/>
+                    <a:pt x="8" y="265"/>
+                    <a:pt x="13" y="198"/>
+                  </a:cubicBezTo>
+                  <a:cubicBezTo>
+                    <a:pt x="15" y="165"/>
+                    <a:pt x="18" y="132"/>
+                    <a:pt x="22" y="99"/>
+                  </a:cubicBezTo>
+                  <a:cubicBezTo>
+                    <a:pt x="26" y="66"/>
+                    <a:pt x="30" y="33"/>
+                    <a:pt x="36" y="0"/>
+                  </a:cubicBezTo>
+                  <a:cubicBezTo>
+                    <a:pt x="35" y="0"/>
+                    <a:pt x="35" y="0"/>
+                    <a:pt x="35" y="0"/>
+                  </a:cubicBezTo>
+                  <a:cubicBezTo>
+                    <a:pt x="29" y="33"/>
+                    <a:pt x="24" y="66"/>
+                    <a:pt x="20" y="99"/>
+                  </a:cubicBezTo>
+                  <a:cubicBezTo>
+                    <a:pt x="16" y="132"/>
+                    <a:pt x="13" y="165"/>
+                    <a:pt x="10" y="198"/>
+                  </a:cubicBezTo>
+                  <a:cubicBezTo>
+                    <a:pt x="4" y="264"/>
+                    <a:pt x="1" y="331"/>
+                    <a:pt x="1" y="398"/>
+                  </a:cubicBezTo>
+                  <a:cubicBezTo>
+                    <a:pt x="0" y="461"/>
+                    <a:pt x="2" y="525"/>
+                    <a:pt x="7" y="589"/>
+                  </a:cubicBezTo>
+                  <a:cubicBezTo>
+                    <a:pt x="10" y="603"/>
+                    <a:pt x="13" y="618"/>
+                    <a:pt x="16" y="632"/>
+                  </a:cubicBezTo>
+                  <a:cubicBezTo>
+                    <a:pt x="16" y="632"/>
+                    <a:pt x="17" y="633"/>
+                    <a:pt x="17" y="633"/>
+                  </a:cubicBezTo>
+                  <a:close/>
+                </a:path>
+              </a:pathLst>
+            </a:custGeom>
+            <a:solidFill>
+              <a:schemeClr val="tx2"/>
+            </a:solidFill>
+            <a:ln>
+              <a:noFill/>
+            </a:ln>
+          </p:spPr>
+        </p:sp>
+        <p:sp>
+          <p:nvSpPr>
+            <p:cNvPr id="16" name="Freeform 32"/>
+            <p:cNvSpPr/>
+            <p:nvPr/>
+          </p:nvSpPr>
+          <p:spPr bwMode="auto">
+            <a:xfrm>
+              <a:off x="7526338" y="5640388"/>
+              <a:ext cx="111125" cy="233363"/>
+            </a:xfrm>
+            <a:custGeom>
+              <a:avLst/>
+              <a:gdLst/>
+              <a:ahLst/>
+              <a:cxnLst/>
+              <a:rect l="0" t="0" r="r" b="b"/>
+              <a:pathLst>
+                <a:path w="28" h="59">
+                  <a:moveTo>
+                    <a:pt x="22" y="59"/>
+                  </a:moveTo>
+                  <a:cubicBezTo>
+                    <a:pt x="28" y="59"/>
+                    <a:pt x="28" y="59"/>
+                    <a:pt x="28" y="59"/>
+                  </a:cubicBezTo>
+                  <a:cubicBezTo>
+                    <a:pt x="18" y="40"/>
+                    <a:pt x="9" y="20"/>
+                    <a:pt x="0" y="0"/>
+                  </a:cubicBezTo>
+                  <a:cubicBezTo>
+                    <a:pt x="6" y="20"/>
+                    <a:pt x="13" y="40"/>
+                    <a:pt x="22" y="59"/>
+                  </a:cubicBezTo>
+                  <a:close/>
+                </a:path>
+              </a:pathLst>
+            </a:custGeom>
+            <a:solidFill>
+              <a:schemeClr val="tx2"/>
+            </a:solidFill>
+            <a:ln>
+              <a:noFill/>
+            </a:ln>
+          </p:spPr>
+        </p:sp>
+        <p:sp>
+          <p:nvSpPr>
+            <p:cNvPr id="17" name="Freeform 33"/>
+            <p:cNvSpPr/>
+            <p:nvPr/>
+          </p:nvSpPr>
+          <p:spPr bwMode="auto">
+            <a:xfrm>
+              <a:off x="7021513" y="3598863"/>
+              <a:ext cx="68263" cy="423863"/>
+            </a:xfrm>
+            <a:custGeom>
+              <a:avLst/>
+              <a:gdLst/>
+              <a:ahLst/>
+              <a:cxnLst/>
+              <a:rect l="0" t="0" r="r" b="b"/>
+              <a:pathLst>
+                <a:path w="17" h="107">
+                  <a:moveTo>
+                    <a:pt x="4" y="54"/>
+                  </a:moveTo>
+                  <a:cubicBezTo>
+                    <a:pt x="8" y="72"/>
+                    <a:pt x="13" y="89"/>
+                    <a:pt x="17" y="107"/>
+                  </a:cubicBezTo>
+                  <a:cubicBezTo>
+                    <a:pt x="14" y="86"/>
+                    <a:pt x="12" y="65"/>
+                    <a:pt x="10" y="44"/>
+                  </a:cubicBezTo>
+                  <a:cubicBezTo>
+                    <a:pt x="10" y="44"/>
+                    <a:pt x="9" y="43"/>
+                    <a:pt x="9" y="43"/>
+                  </a:cubicBezTo>
+                  <a:cubicBezTo>
+                    <a:pt x="6" y="29"/>
+                    <a:pt x="3" y="14"/>
+                    <a:pt x="0" y="0"/>
+                  </a:cubicBezTo>
+                  <a:cubicBezTo>
+                    <a:pt x="0" y="2"/>
+                    <a:pt x="0" y="5"/>
+                    <a:pt x="0" y="8"/>
+                  </a:cubicBezTo>
+                  <a:cubicBezTo>
+                    <a:pt x="1" y="23"/>
+                    <a:pt x="3" y="39"/>
+                    <a:pt x="4" y="54"/>
+                  </a:cubicBezTo>
+                  <a:close/>
+                </a:path>
+              </a:pathLst>
+            </a:custGeom>
+            <a:solidFill>
+              <a:schemeClr val="tx2"/>
+            </a:solidFill>
+            <a:ln>
+              <a:noFill/>
+            </a:ln>
+          </p:spPr>
+        </p:sp>
+        <p:sp>
+          <p:nvSpPr>
+            <p:cNvPr id="18" name="Freeform 34"/>
+            <p:cNvSpPr/>
+            <p:nvPr/>
+          </p:nvSpPr>
+          <p:spPr bwMode="auto">
+            <a:xfrm>
+              <a:off x="7412038" y="2801938"/>
+              <a:ext cx="1168400" cy="2251075"/>
+            </a:xfrm>
+            <a:custGeom>
+              <a:avLst/>
+              <a:gdLst/>
+              <a:ahLst/>
+              <a:cxnLst/>
+              <a:rect l="0" t="0" r="r" b="b"/>
+              <a:pathLst>
+                <a:path w="294" h="568">
+                  <a:moveTo>
+                    <a:pt x="8" y="553"/>
+                  </a:moveTo>
+                  <a:cubicBezTo>
+                    <a:pt x="9" y="501"/>
+                    <a:pt x="19" y="448"/>
+                    <a:pt x="35" y="397"/>
+                  </a:cubicBezTo>
+                  <a:cubicBezTo>
+                    <a:pt x="51" y="347"/>
+                    <a:pt x="73" y="298"/>
+                    <a:pt x="99" y="252"/>
+                  </a:cubicBezTo>
+                  <a:cubicBezTo>
+                    <a:pt x="124" y="205"/>
+                    <a:pt x="154" y="161"/>
+                    <a:pt x="187" y="119"/>
+                  </a:cubicBezTo>
+                  <a:cubicBezTo>
+                    <a:pt x="203" y="98"/>
+                    <a:pt x="220" y="77"/>
+                    <a:pt x="238" y="58"/>
+                  </a:cubicBezTo>
+                  <a:cubicBezTo>
+                    <a:pt x="247" y="48"/>
+                    <a:pt x="256" y="38"/>
+                    <a:pt x="265" y="28"/>
+                  </a:cubicBezTo>
+                  <a:cubicBezTo>
+                    <a:pt x="274" y="19"/>
+                    <a:pt x="284" y="9"/>
+                    <a:pt x="294" y="0"/>
+                  </a:cubicBezTo>
+                  <a:cubicBezTo>
+                    <a:pt x="293" y="0"/>
+                    <a:pt x="293" y="0"/>
+                    <a:pt x="293" y="0"/>
+                  </a:cubicBezTo>
+                  <a:cubicBezTo>
+                    <a:pt x="283" y="9"/>
+                    <a:pt x="273" y="18"/>
+                    <a:pt x="264" y="27"/>
+                  </a:cubicBezTo>
+                  <a:cubicBezTo>
+                    <a:pt x="255" y="37"/>
+                    <a:pt x="246" y="47"/>
+                    <a:pt x="237" y="56"/>
+                  </a:cubicBezTo>
+                  <a:cubicBezTo>
+                    <a:pt x="218" y="76"/>
+                    <a:pt x="201" y="96"/>
+                    <a:pt x="185" y="117"/>
+                  </a:cubicBezTo>
+                  <a:cubicBezTo>
+                    <a:pt x="151" y="159"/>
+                    <a:pt x="121" y="203"/>
+                    <a:pt x="95" y="249"/>
+                  </a:cubicBezTo>
+                  <a:cubicBezTo>
+                    <a:pt x="68" y="296"/>
+                    <a:pt x="46" y="345"/>
+                    <a:pt x="30" y="396"/>
+                  </a:cubicBezTo>
+                  <a:cubicBezTo>
+                    <a:pt x="13" y="445"/>
+                    <a:pt x="3" y="497"/>
+                    <a:pt x="0" y="549"/>
+                  </a:cubicBezTo>
+                  <a:cubicBezTo>
+                    <a:pt x="3" y="555"/>
+                    <a:pt x="5" y="561"/>
+                    <a:pt x="7" y="568"/>
+                  </a:cubicBezTo>
+                  <a:cubicBezTo>
+                    <a:pt x="7" y="563"/>
+                    <a:pt x="7" y="558"/>
+                    <a:pt x="8" y="553"/>
+                  </a:cubicBezTo>
+                  <a:close/>
+                </a:path>
+              </a:pathLst>
+            </a:custGeom>
+            <a:solidFill>
+              <a:schemeClr val="tx2"/>
+            </a:solidFill>
+            <a:ln>
+              <a:noFill/>
+            </a:ln>
+          </p:spPr>
+        </p:sp>
+        <p:sp>
+          <p:nvSpPr>
+            <p:cNvPr id="19" name="Freeform 35"/>
+            <p:cNvSpPr/>
+            <p:nvPr/>
+          </p:nvSpPr>
+          <p:spPr bwMode="auto">
+            <a:xfrm>
+              <a:off x="7494588" y="5664200"/>
+              <a:ext cx="100013" cy="209550"/>
+            </a:xfrm>
+            <a:custGeom>
+              <a:avLst/>
+              <a:gdLst/>
+              <a:ahLst/>
+              <a:cxnLst/>
+              <a:rect l="0" t="0" r="r" b="b"/>
+              <a:pathLst>
+                <a:path w="25" h="53">
+                  <a:moveTo>
+                    <a:pt x="0" y="0"/>
+                  </a:moveTo>
+                  <a:cubicBezTo>
+                    <a:pt x="5" y="18"/>
+                    <a:pt x="12" y="36"/>
+                    <a:pt x="19" y="53"/>
+                  </a:cubicBezTo>
+                  <a:cubicBezTo>
+                    <a:pt x="25" y="53"/>
+                    <a:pt x="25" y="53"/>
+                    <a:pt x="25" y="53"/>
+                  </a:cubicBezTo>
+                  <a:cubicBezTo>
+                    <a:pt x="16" y="36"/>
+                    <a:pt x="8" y="18"/>
+                    <a:pt x="0" y="0"/>
+                  </a:cubicBezTo>
+                  <a:close/>
+                </a:path>
+              </a:pathLst>
+            </a:custGeom>
+            <a:solidFill>
+              <a:schemeClr val="tx2"/>
+            </a:solidFill>
+            <a:ln>
+              <a:noFill/>
+            </a:ln>
+          </p:spPr>
+        </p:sp>
+        <p:sp>
+          <p:nvSpPr>
+            <p:cNvPr id="20" name="Freeform 36"/>
+            <p:cNvSpPr/>
+            <p:nvPr/>
+          </p:nvSpPr>
+          <p:spPr bwMode="auto">
+            <a:xfrm>
+              <a:off x="7412038" y="5081588"/>
+              <a:ext cx="114300" cy="558800"/>
+            </a:xfrm>
+            <a:custGeom>
+              <a:avLst/>
+              <a:gdLst/>
+              <a:ahLst/>
+              <a:cxnLst/>
+              <a:rect l="0" t="0" r="r" b="b"/>
+              <a:pathLst>
+                <a:path w="29" h="141">
+                  <a:moveTo>
+                    <a:pt x="0" y="0"/>
+                  </a:moveTo>
+                  <a:cubicBezTo>
+                    <a:pt x="0" y="30"/>
+                    <a:pt x="2" y="60"/>
+                    <a:pt x="7" y="89"/>
+                  </a:cubicBezTo>
+                  <a:cubicBezTo>
+                    <a:pt x="11" y="98"/>
+                    <a:pt x="14" y="108"/>
+                    <a:pt x="18" y="117"/>
+                  </a:cubicBezTo>
+                  <a:cubicBezTo>
+                    <a:pt x="22" y="125"/>
+                    <a:pt x="25" y="133"/>
+                    <a:pt x="29" y="141"/>
+                  </a:cubicBezTo>
+                  <a:cubicBezTo>
+                    <a:pt x="28" y="139"/>
+                    <a:pt x="28" y="137"/>
+                    <a:pt x="27" y="135"/>
+                  </a:cubicBezTo>
+                  <a:cubicBezTo>
+                    <a:pt x="16" y="98"/>
+                    <a:pt x="10" y="60"/>
+                    <a:pt x="8" y="22"/>
+                  </a:cubicBezTo>
+                  <a:cubicBezTo>
+                    <a:pt x="7" y="18"/>
+                    <a:pt x="5" y="15"/>
+                    <a:pt x="4" y="11"/>
+                  </a:cubicBezTo>
+                  <a:cubicBezTo>
+                    <a:pt x="2" y="7"/>
+                    <a:pt x="1" y="3"/>
+                    <a:pt x="0" y="0"/>
+                  </a:cubicBezTo>
+                  <a:close/>
+                </a:path>
+              </a:pathLst>
+            </a:custGeom>
+            <a:solidFill>
+              <a:schemeClr val="tx2"/>
+            </a:solidFill>
+            <a:ln>
+              <a:noFill/>
+            </a:ln>
+          </p:spPr>
+        </p:sp>
+        <p:sp>
+          <p:nvSpPr>
+            <p:cNvPr id="21" name="Freeform 37"/>
+            <p:cNvSpPr/>
+            <p:nvPr/>
+          </p:nvSpPr>
+          <p:spPr bwMode="auto">
+            <a:xfrm>
+              <a:off x="7412038" y="4978400"/>
+              <a:ext cx="31750" cy="188913"/>
+            </a:xfrm>
+            <a:custGeom>
+              <a:avLst/>
+              <a:gdLst/>
+              <a:ahLst/>
+              <a:cxnLst/>
+              <a:rect l="0" t="0" r="r" b="b"/>
+              <a:pathLst>
+                <a:path w="8" h="48">
+                  <a:moveTo>
+                    <a:pt x="0" y="26"/>
+                  </a:moveTo>
+                  <a:cubicBezTo>
+                    <a:pt x="1" y="29"/>
+                    <a:pt x="2" y="33"/>
+                    <a:pt x="4" y="37"/>
+                  </a:cubicBezTo>
+                  <a:cubicBezTo>
+                    <a:pt x="5" y="41"/>
+                    <a:pt x="7" y="44"/>
+                    <a:pt x="8" y="48"/>
+                  </a:cubicBezTo>
+                  <a:cubicBezTo>
+                    <a:pt x="7" y="38"/>
+                    <a:pt x="7" y="28"/>
+                    <a:pt x="7" y="19"/>
+                  </a:cubicBezTo>
+                  <a:cubicBezTo>
+                    <a:pt x="5" y="12"/>
+                    <a:pt x="3" y="6"/>
+                    <a:pt x="0" y="0"/>
+                  </a:cubicBezTo>
+                  <a:cubicBezTo>
+                    <a:pt x="0" y="1"/>
+                    <a:pt x="0" y="3"/>
+                    <a:pt x="0" y="4"/>
+                  </a:cubicBezTo>
+                  <a:cubicBezTo>
+                    <a:pt x="0" y="11"/>
+                    <a:pt x="0" y="19"/>
+                    <a:pt x="0" y="26"/>
+                  </a:cubicBezTo>
+                  <a:close/>
+                </a:path>
+              </a:pathLst>
+            </a:custGeom>
+            <a:solidFill>
+              <a:schemeClr val="tx2"/>
+            </a:solidFill>
+            <a:ln>
+              <a:noFill/>
+            </a:ln>
+          </p:spPr>
+        </p:sp>
+        <p:sp>
+          <p:nvSpPr>
+            <p:cNvPr id="22" name="Freeform 38"/>
+            <p:cNvSpPr/>
+            <p:nvPr/>
+          </p:nvSpPr>
+          <p:spPr bwMode="auto">
+            <a:xfrm>
+              <a:off x="7439026" y="5434013"/>
+              <a:ext cx="174625" cy="439738"/>
+            </a:xfrm>
+            <a:custGeom>
+              <a:avLst/>
+              <a:gdLst/>
+              <a:ahLst/>
+              <a:cxnLst/>
+              <a:rect l="0" t="0" r="r" b="b"/>
+              <a:pathLst>
+                <a:path w="44" h="111">
+                  <a:moveTo>
+                    <a:pt x="11" y="28"/>
+                  </a:moveTo>
+                  <a:cubicBezTo>
+                    <a:pt x="7" y="19"/>
+                    <a:pt x="4" y="9"/>
+                    <a:pt x="0" y="0"/>
+                  </a:cubicBezTo>
+                  <a:cubicBezTo>
+                    <a:pt x="3" y="16"/>
+                    <a:pt x="7" y="33"/>
+                    <a:pt x="11" y="49"/>
+                  </a:cubicBezTo>
+                  <a:cubicBezTo>
+                    <a:pt x="12" y="52"/>
+                    <a:pt x="13" y="55"/>
+                    <a:pt x="14" y="58"/>
+                  </a:cubicBezTo>
+                  <a:cubicBezTo>
+                    <a:pt x="22" y="76"/>
+                    <a:pt x="30" y="94"/>
+                    <a:pt x="39" y="111"/>
+                  </a:cubicBezTo>
+                  <a:cubicBezTo>
+                    <a:pt x="44" y="111"/>
+                    <a:pt x="44" y="111"/>
+                    <a:pt x="44" y="111"/>
+                  </a:cubicBezTo>
+                  <a:cubicBezTo>
+                    <a:pt x="35" y="92"/>
+                    <a:pt x="28" y="72"/>
+                    <a:pt x="22" y="52"/>
+                  </a:cubicBezTo>
+                  <a:cubicBezTo>
+                    <a:pt x="18" y="44"/>
+                    <a:pt x="15" y="36"/>
+                    <a:pt x="11" y="28"/>
+                  </a:cubicBezTo>
+                  <a:close/>
+                </a:path>
+              </a:pathLst>
+            </a:custGeom>
+            <a:solidFill>
+              <a:schemeClr val="tx2"/>
+            </a:solidFill>
+            <a:ln>
+              <a:noFill/>
+            </a:ln>
+          </p:spPr>
+        </p:sp>
+      </p:grpSp>
+      <p:sp>
+        <p:nvSpPr>
+          <p:cNvPr id="7" name="Rectangle 6"/>
+          <p:cNvSpPr/>
+          <p:nvPr/>
         </p:nvSpPr>
         <p:spPr>
           <a:xfrm>
-            <a:off x="457200" y="274638"/>
-            <a:ext cx="8229600" cy="1143000"/>
+            <a:off x="0" y="0"/>
+            <a:ext cx="182880" cy="6858000"/>
+          </a:xfrm>
+          <a:prstGeom prst="rect">
+            <a:avLst/>
+          </a:prstGeom>
+          <a:solidFill>
+            <a:schemeClr val="tx2"/>
+          </a:solidFill>
+          <a:ln>
+            <a:noFill/>
+          </a:ln>
+          <a:effectLst/>
+        </p:spPr>
+        <p:style>
+          <a:lnRef idx="1">
+            <a:schemeClr val="accent1"/>
+          </a:lnRef>
+          <a:fillRef idx="3">
+            <a:schemeClr val="accent1"/>
+          </a:fillRef>
+          <a:effectRef idx="2">
+            <a:schemeClr val="accent1"/>
+          </a:effectRef>
+          <a:fontRef idx="minor">
+            <a:schemeClr val="lt1"/>
+          </a:fontRef>
+        </p:style>
+      </p:sp>
+      <p:sp>
+        <p:nvSpPr>
+          <p:cNvPr id="2" name="Title Placeholder 1"/>
+          <p:cNvSpPr>
+            <a:spLocks noGrp="1"/>
+          </p:cNvSpPr>
+          <p:nvPr>
+            <p:ph type="title"/>
+          </p:nvPr>
+        </p:nvSpPr>
+        <p:spPr>
+          <a:xfrm>
+            <a:off x="2592924" y="624110"/>
+            <a:ext cx="8911687" cy="1280890"/>
           </a:xfrm>
           <a:prstGeom prst="rect">
             <a:avLst/>
           </a:prstGeom>
         </p:spPr>
         <p:txBody>
-          <a:bodyPr vert="horz" lIns="91440" tIns="45720" rIns="91440" bIns="45720" rtlCol="0" anchor="ctr">
+          <a:bodyPr vert="horz" lIns="91440" tIns="45720" rIns="91440" bIns="45720" rtlCol="0" anchor="t">
             <a:normAutofit/>
           </a:bodyPr>
           <a:lstStyle/>
           <a:p>
             <a:r>
-              <a:rPr lang="en-US" smtClean="0"/>
+              <a:rPr lang="en-US"/>
               <a:t>Click to edit Master title style</a:t>
             </a:r>
-            <a:endParaRPr lang="en-US"/>
+            <a:endParaRPr lang="en-US" dirty="0"/>
           </a:p>
         </p:txBody>
       </p:sp>
@@ -2640,8 +7085,8 @@
         </p:nvSpPr>
         <p:spPr>
           <a:xfrm>
-            <a:off x="457200" y="1600200"/>
-            <a:ext cx="8229600" cy="4525963"/>
+            <a:off x="2589212" y="2133600"/>
+            <a:ext cx="8915400" cy="3886200"/>
           </a:xfrm>
           <a:prstGeom prst="rect">
             <a:avLst/>
@@ -2655,38 +7100,38 @@
           <a:p>
             <a:pPr lvl="0"/>
             <a:r>
-              <a:rPr lang="en-US" smtClean="0"/>
+              <a:rPr lang="en-US"/>
               <a:t>Click to edit Master text styles</a:t>
             </a:r>
           </a:p>
           <a:p>
             <a:pPr lvl="1"/>
             <a:r>
-              <a:rPr lang="en-US" smtClean="0"/>
+              <a:rPr lang="en-US"/>
               <a:t>Second level</a:t>
             </a:r>
           </a:p>
           <a:p>
             <a:pPr lvl="2"/>
             <a:r>
-              <a:rPr lang="en-US" smtClean="0"/>
+              <a:rPr lang="en-US"/>
               <a:t>Third level</a:t>
             </a:r>
           </a:p>
           <a:p>
             <a:pPr lvl="3"/>
             <a:r>
-              <a:rPr lang="en-US" smtClean="0"/>
+              <a:rPr lang="en-US"/>
               <a:t>Fourth level</a:t>
             </a:r>
           </a:p>
           <a:p>
             <a:pPr lvl="4"/>
             <a:r>
-              <a:rPr lang="en-US" smtClean="0"/>
+              <a:rPr lang="en-US"/>
               <a:t>Fifth level</a:t>
             </a:r>
-            <a:endParaRPr lang="en-US"/>
+            <a:endParaRPr lang="en-US" dirty="0"/>
           </a:p>
         </p:txBody>
       </p:sp>
@@ -2702,8 +7147,8 @@
         </p:nvSpPr>
         <p:spPr>
           <a:xfrm>
-            <a:off x="457200" y="6356350"/>
-            <a:ext cx="2133600" cy="365125"/>
+            <a:off x="10361612" y="6130437"/>
+            <a:ext cx="1146283" cy="370396"/>
           </a:xfrm>
           <a:prstGeom prst="rect">
             <a:avLst/>
@@ -2712,8 +7157,8 @@
         <p:txBody>
           <a:bodyPr vert="horz" lIns="91440" tIns="45720" rIns="91440" bIns="45720" rtlCol="0" anchor="ctr"/>
           <a:lstStyle>
-            <a:lvl1pPr algn="l">
-              <a:defRPr sz="1200">
+            <a:lvl1pPr algn="r">
+              <a:defRPr sz="900">
                 <a:solidFill>
                   <a:schemeClr val="tx1">
                     <a:tint val="75000"/>
@@ -2723,11 +7168,11 @@
             </a:lvl1pPr>
           </a:lstStyle>
           <a:p>
-            <a:fld id="{5BCAD085-E8A6-8845-BD4E-CB4CCA059FC4}" type="datetimeFigureOut">
-              <a:rPr lang="en-US" smtClean="0"/>
-              <a:t>1/27/13</a:t>
+            <a:fld id="{D838D6FB-BF45-466C-9214-15B677CBF5C8}" type="datetimeFigureOut">
+              <a:rPr lang="en-IN" smtClean="0"/>
+              <a:t>29-12-2024</a:t>
             </a:fld>
-            <a:endParaRPr lang="en-US"/>
+            <a:endParaRPr lang="en-IN"/>
           </a:p>
         </p:txBody>
       </p:sp>
@@ -2743,8 +7188,8 @@
         </p:nvSpPr>
         <p:spPr>
           <a:xfrm>
-            <a:off x="3124200" y="6356350"/>
-            <a:ext cx="2895600" cy="365125"/>
+            <a:off x="2589212" y="6135808"/>
+            <a:ext cx="7619999" cy="365125"/>
           </a:xfrm>
           <a:prstGeom prst="rect">
             <a:avLst/>
@@ -2753,8 +7198,8 @@
         <p:txBody>
           <a:bodyPr vert="horz" lIns="91440" tIns="45720" rIns="91440" bIns="45720" rtlCol="0" anchor="ctr"/>
           <a:lstStyle>
-            <a:lvl1pPr algn="ctr">
-              <a:defRPr sz="1200">
+            <a:lvl1pPr algn="l">
+              <a:defRPr sz="900">
                 <a:solidFill>
                   <a:schemeClr val="tx1">
                     <a:tint val="75000"/>
@@ -2764,7 +7209,7 @@
             </a:lvl1pPr>
           </a:lstStyle>
           <a:p>
-            <a:endParaRPr lang="en-US"/>
+            <a:endParaRPr lang="en-IN"/>
           </a:p>
         </p:txBody>
       </p:sp>
@@ -2778,10 +7223,10 @@
             <p:ph type="sldNum" sz="quarter" idx="4"/>
           </p:nvPr>
         </p:nvSpPr>
-        <p:spPr>
+        <p:spPr bwMode="gray">
           <a:xfrm>
-            <a:off x="6553200" y="6356350"/>
-            <a:ext cx="2133600" cy="365125"/>
+            <a:off x="531812" y="787782"/>
+            <a:ext cx="779767" cy="365125"/>
           </a:xfrm>
           <a:prstGeom prst="rect">
             <a:avLst/>
@@ -2791,72 +7236,142 @@
           <a:bodyPr vert="horz" lIns="91440" tIns="45720" rIns="91440" bIns="45720" rtlCol="0" anchor="ctr"/>
           <a:lstStyle>
             <a:lvl1pPr algn="r">
-              <a:defRPr sz="1200">
+              <a:defRPr sz="2000">
                 <a:solidFill>
-                  <a:schemeClr val="tx1">
-                    <a:tint val="75000"/>
-                  </a:schemeClr>
+                  <a:srgbClr val="FEFFFF"/>
                 </a:solidFill>
               </a:defRPr>
             </a:lvl1pPr>
           </a:lstStyle>
           <a:p>
-            <a:fld id="{C1FF6DA9-008F-8B48-92A6-B652298478BF}" type="slidenum">
-              <a:rPr lang="en-US" smtClean="0"/>
+            <a:fld id="{E2002345-9007-43CD-BD54-4A4255AE303D}" type="slidenum">
+              <a:rPr lang="en-IN" smtClean="0"/>
               <a:t>‹#›</a:t>
             </a:fld>
-            <a:endParaRPr lang="en-US"/>
+            <a:endParaRPr lang="en-IN"/>
           </a:p>
         </p:txBody>
       </p:sp>
     </p:spTree>
     <p:extLst>
       <p:ext uri="{BB962C8B-B14F-4D97-AF65-F5344CB8AC3E}">
-        <p14:creationId xmlns:p14="http://schemas.microsoft.com/office/powerpoint/2010/main" val="2209977519"/>
+        <p14:creationId xmlns:p14="http://schemas.microsoft.com/office/powerpoint/2010/main" val="3338255326"/>
       </p:ext>
     </p:extLst>
   </p:cSld>
   <p:clrMap bg1="lt1" tx1="dk1" bg2="lt2" tx2="dk2" accent1="accent1" accent2="accent2" accent3="accent3" accent4="accent4" accent5="accent5" accent6="accent6" hlink="hlink" folHlink="folHlink"/>
   <p:sldLayoutIdLst>
-    <p:sldLayoutId id="2147483649" r:id="rId1"/>
-    <p:sldLayoutId id="2147483650" r:id="rId2"/>
-    <p:sldLayoutId id="2147483651" r:id="rId3"/>
-    <p:sldLayoutId id="2147483652" r:id="rId4"/>
-    <p:sldLayoutId id="2147483653" r:id="rId5"/>
-    <p:sldLayoutId id="2147483654" r:id="rId6"/>
-    <p:sldLayoutId id="2147483655" r:id="rId7"/>
-    <p:sldLayoutId id="2147483656" r:id="rId8"/>
-    <p:sldLayoutId id="2147483657" r:id="rId9"/>
-    <p:sldLayoutId id="2147483658" r:id="rId10"/>
-    <p:sldLayoutId id="2147483659" r:id="rId11"/>
+    <p:sldLayoutId id="2147483690" r:id="rId1"/>
+    <p:sldLayoutId id="2147483691" r:id="rId2"/>
+    <p:sldLayoutId id="2147483692" r:id="rId3"/>
+    <p:sldLayoutId id="2147483693" r:id="rId4"/>
+    <p:sldLayoutId id="2147483694" r:id="rId5"/>
+    <p:sldLayoutId id="2147483695" r:id="rId6"/>
+    <p:sldLayoutId id="2147483696" r:id="rId7"/>
+    <p:sldLayoutId id="2147483697" r:id="rId8"/>
+    <p:sldLayoutId id="2147483698" r:id="rId9"/>
+    <p:sldLayoutId id="2147483699" r:id="rId10"/>
+    <p:sldLayoutId id="2147483700" r:id="rId11"/>
+    <p:sldLayoutId id="2147483701" r:id="rId12"/>
+    <p:sldLayoutId id="2147483702" r:id="rId13"/>
+    <p:sldLayoutId id="2147483703" r:id="rId14"/>
+    <p:sldLayoutId id="2147483704" r:id="rId15"/>
+    <p:sldLayoutId id="2147483705" r:id="rId16"/>
   </p:sldLayoutIdLst>
   <p:txStyles>
     <p:titleStyle>
-      <a:lvl1pPr algn="ctr" defTabSz="457200" rtl="0" eaLnBrk="1" latinLnBrk="0" hangingPunct="1">
+      <a:lvl1pPr algn="l" defTabSz="457200" rtl="0" eaLnBrk="1" latinLnBrk="0" hangingPunct="1">
         <a:spcBef>
           <a:spcPct val="0"/>
         </a:spcBef>
         <a:buNone/>
-        <a:defRPr sz="4400" kern="1200">
+        <a:defRPr sz="3600" kern="1200">
           <a:solidFill>
-            <a:schemeClr val="tx1"/>
+            <a:schemeClr val="accent2">
+              <a:lumMod val="75000"/>
+            </a:schemeClr>
           </a:solidFill>
           <a:latin typeface="+mj-lt"/>
           <a:ea typeface="+mj-ea"/>
           <a:cs typeface="+mj-cs"/>
         </a:defRPr>
       </a:lvl1pPr>
+      <a:lvl2pPr eaLnBrk="1" hangingPunct="1">
+        <a:defRPr>
+          <a:solidFill>
+            <a:schemeClr val="tx2"/>
+          </a:solidFill>
+        </a:defRPr>
+      </a:lvl2pPr>
+      <a:lvl3pPr eaLnBrk="1" hangingPunct="1">
+        <a:defRPr>
+          <a:solidFill>
+            <a:schemeClr val="tx2"/>
+          </a:solidFill>
+        </a:defRPr>
+      </a:lvl3pPr>
+      <a:lvl4pPr eaLnBrk="1" hangingPunct="1">
+        <a:defRPr>
+          <a:solidFill>
+            <a:schemeClr val="tx2"/>
+          </a:solidFill>
+        </a:defRPr>
+      </a:lvl4pPr>
+      <a:lvl5pPr eaLnBrk="1" hangingPunct="1">
+        <a:defRPr>
+          <a:solidFill>
+            <a:schemeClr val="tx2"/>
+          </a:solidFill>
+        </a:defRPr>
+      </a:lvl5pPr>
+      <a:lvl6pPr eaLnBrk="1" hangingPunct="1">
+        <a:defRPr>
+          <a:solidFill>
+            <a:schemeClr val="tx2"/>
+          </a:solidFill>
+        </a:defRPr>
+      </a:lvl6pPr>
+      <a:lvl7pPr eaLnBrk="1" hangingPunct="1">
+        <a:defRPr>
+          <a:solidFill>
+            <a:schemeClr val="tx2"/>
+          </a:solidFill>
+        </a:defRPr>
+      </a:lvl7pPr>
+      <a:lvl8pPr eaLnBrk="1" hangingPunct="1">
+        <a:defRPr>
+          <a:solidFill>
+            <a:schemeClr val="tx2"/>
+          </a:solidFill>
+        </a:defRPr>
+      </a:lvl8pPr>
+      <a:lvl9pPr eaLnBrk="1" hangingPunct="1">
+        <a:defRPr>
+          <a:solidFill>
+            <a:schemeClr val="tx2"/>
+          </a:solidFill>
+        </a:defRPr>
+      </a:lvl9pPr>
     </p:titleStyle>
     <p:bodyStyle>
       <a:lvl1pPr marL="342900" indent="-342900" algn="l" defTabSz="457200" rtl="0" eaLnBrk="1" latinLnBrk="0" hangingPunct="1">
         <a:spcBef>
-          <a:spcPct val="20000"/>
+          <a:spcPts val="1000"/>
         </a:spcBef>
-        <a:buFont typeface="Arial"/>
-        <a:buChar char="•"/>
-        <a:defRPr sz="3200" kern="1200">
+        <a:spcAft>
+          <a:spcPts val="0"/>
+        </a:spcAft>
+        <a:buClr>
+          <a:schemeClr val="accent1"/>
+        </a:buClr>
+        <a:buFont typeface="Wingdings 3" charset="2"/>
+        <a:buChar char=""/>
+        <a:defRPr sz="1800" kern="1200">
           <a:solidFill>
-            <a:schemeClr val="tx1"/>
+            <a:schemeClr val="tx1">
+              <a:lumMod val="75000"/>
+              <a:lumOff val="25000"/>
+            </a:schemeClr>
           </a:solidFill>
           <a:latin typeface="+mn-lt"/>
           <a:ea typeface="+mn-ea"/>
@@ -2865,13 +7380,22 @@
       </a:lvl1pPr>
       <a:lvl2pPr marL="742950" indent="-285750" algn="l" defTabSz="457200" rtl="0" eaLnBrk="1" latinLnBrk="0" hangingPunct="1">
         <a:spcBef>
-          <a:spcPct val="20000"/>
+          <a:spcPts val="1000"/>
         </a:spcBef>
-        <a:buFont typeface="Arial"/>
-        <a:buChar char="–"/>
-        <a:defRPr sz="2800" kern="1200">
+        <a:spcAft>
+          <a:spcPts val="0"/>
+        </a:spcAft>
+        <a:buClr>
+          <a:schemeClr val="accent1"/>
+        </a:buClr>
+        <a:buFont typeface="Wingdings 3" charset="2"/>
+        <a:buChar char=""/>
+        <a:defRPr sz="1600" kern="1200">
           <a:solidFill>
-            <a:schemeClr val="tx1"/>
+            <a:schemeClr val="tx1">
+              <a:lumMod val="75000"/>
+              <a:lumOff val="25000"/>
+            </a:schemeClr>
           </a:solidFill>
           <a:latin typeface="+mn-lt"/>
           <a:ea typeface="+mn-ea"/>
@@ -2880,13 +7404,22 @@
       </a:lvl2pPr>
       <a:lvl3pPr marL="1143000" indent="-228600" algn="l" defTabSz="457200" rtl="0" eaLnBrk="1" latinLnBrk="0" hangingPunct="1">
         <a:spcBef>
-          <a:spcPct val="20000"/>
+          <a:spcPts val="1000"/>
         </a:spcBef>
-        <a:buFont typeface="Arial"/>
-        <a:buChar char="•"/>
-        <a:defRPr sz="2400" kern="1200">
+        <a:spcAft>
+          <a:spcPts val="0"/>
+        </a:spcAft>
+        <a:buClr>
+          <a:schemeClr val="accent1"/>
+        </a:buClr>
+        <a:buFont typeface="Wingdings 3" charset="2"/>
+        <a:buChar char=""/>
+        <a:defRPr sz="1400" kern="1200">
           <a:solidFill>
-            <a:schemeClr val="tx1"/>
+            <a:schemeClr val="tx1">
+              <a:lumMod val="75000"/>
+              <a:lumOff val="25000"/>
+            </a:schemeClr>
           </a:solidFill>
           <a:latin typeface="+mn-lt"/>
           <a:ea typeface="+mn-ea"/>
@@ -2895,13 +7428,22 @@
       </a:lvl3pPr>
       <a:lvl4pPr marL="1600200" indent="-228600" algn="l" defTabSz="457200" rtl="0" eaLnBrk="1" latinLnBrk="0" hangingPunct="1">
         <a:spcBef>
-          <a:spcPct val="20000"/>
+          <a:spcPts val="1000"/>
         </a:spcBef>
-        <a:buFont typeface="Arial"/>
-        <a:buChar char="–"/>
-        <a:defRPr sz="2000" kern="1200">
+        <a:spcAft>
+          <a:spcPts val="0"/>
+        </a:spcAft>
+        <a:buClr>
+          <a:schemeClr val="accent1"/>
+        </a:buClr>
+        <a:buFont typeface="Wingdings 3" charset="2"/>
+        <a:buChar char=""/>
+        <a:defRPr sz="1200" kern="1200">
           <a:solidFill>
-            <a:schemeClr val="tx1"/>
+            <a:schemeClr val="tx1">
+              <a:lumMod val="75000"/>
+              <a:lumOff val="25000"/>
+            </a:schemeClr>
           </a:solidFill>
           <a:latin typeface="+mn-lt"/>
           <a:ea typeface="+mn-ea"/>
@@ -2910,13 +7452,22 @@
       </a:lvl4pPr>
       <a:lvl5pPr marL="2057400" indent="-228600" algn="l" defTabSz="457200" rtl="0" eaLnBrk="1" latinLnBrk="0" hangingPunct="1">
         <a:spcBef>
-          <a:spcPct val="20000"/>
+          <a:spcPts val="1000"/>
         </a:spcBef>
-        <a:buFont typeface="Arial"/>
-        <a:buChar char="»"/>
-        <a:defRPr sz="2000" kern="1200">
+        <a:spcAft>
+          <a:spcPts val="0"/>
+        </a:spcAft>
+        <a:buClr>
+          <a:schemeClr val="accent1"/>
+        </a:buClr>
+        <a:buFont typeface="Wingdings 3" charset="2"/>
+        <a:buChar char=""/>
+        <a:defRPr sz="1200" kern="1200">
           <a:solidFill>
-            <a:schemeClr val="tx1"/>
+            <a:schemeClr val="tx1">
+              <a:lumMod val="75000"/>
+              <a:lumOff val="25000"/>
+            </a:schemeClr>
           </a:solidFill>
           <a:latin typeface="+mn-lt"/>
           <a:ea typeface="+mn-ea"/>
@@ -2925,13 +7476,22 @@
       </a:lvl5pPr>
       <a:lvl6pPr marL="2514600" indent="-228600" algn="l" defTabSz="457200" rtl="0" eaLnBrk="1" latinLnBrk="0" hangingPunct="1">
         <a:spcBef>
-          <a:spcPct val="20000"/>
+          <a:spcPts val="1000"/>
         </a:spcBef>
-        <a:buFont typeface="Arial"/>
-        <a:buChar char="•"/>
-        <a:defRPr sz="2000" kern="1200">
+        <a:spcAft>
+          <a:spcPts val="0"/>
+        </a:spcAft>
+        <a:buClr>
+          <a:schemeClr val="accent1"/>
+        </a:buClr>
+        <a:buFont typeface="Wingdings 3" charset="2"/>
+        <a:buChar char=""/>
+        <a:defRPr sz="1200" kern="1200">
           <a:solidFill>
-            <a:schemeClr val="tx1"/>
+            <a:schemeClr val="tx1">
+              <a:lumMod val="75000"/>
+              <a:lumOff val="25000"/>
+            </a:schemeClr>
           </a:solidFill>
           <a:latin typeface="+mn-lt"/>
           <a:ea typeface="+mn-ea"/>
@@ -2940,13 +7500,22 @@
       </a:lvl6pPr>
       <a:lvl7pPr marL="2971800" indent="-228600" algn="l" defTabSz="457200" rtl="0" eaLnBrk="1" latinLnBrk="0" hangingPunct="1">
         <a:spcBef>
-          <a:spcPct val="20000"/>
+          <a:spcPts val="1000"/>
         </a:spcBef>
-        <a:buFont typeface="Arial"/>
-        <a:buChar char="•"/>
-        <a:defRPr sz="2000" kern="1200">
+        <a:spcAft>
+          <a:spcPts val="0"/>
+        </a:spcAft>
+        <a:buClr>
+          <a:schemeClr val="accent1"/>
+        </a:buClr>
+        <a:buFont typeface="Wingdings 3" charset="2"/>
+        <a:buChar char=""/>
+        <a:defRPr sz="1200" kern="1200">
           <a:solidFill>
-            <a:schemeClr val="tx1"/>
+            <a:schemeClr val="tx1">
+              <a:lumMod val="75000"/>
+              <a:lumOff val="25000"/>
+            </a:schemeClr>
           </a:solidFill>
           <a:latin typeface="+mn-lt"/>
           <a:ea typeface="+mn-ea"/>
@@ -2955,13 +7524,22 @@
       </a:lvl7pPr>
       <a:lvl8pPr marL="3429000" indent="-228600" algn="l" defTabSz="457200" rtl="0" eaLnBrk="1" latinLnBrk="0" hangingPunct="1">
         <a:spcBef>
-          <a:spcPct val="20000"/>
+          <a:spcPts val="1000"/>
         </a:spcBef>
-        <a:buFont typeface="Arial"/>
-        <a:buChar char="•"/>
-        <a:defRPr sz="2000" kern="1200">
+        <a:spcAft>
+          <a:spcPts val="0"/>
+        </a:spcAft>
+        <a:buClr>
+          <a:schemeClr val="accent1"/>
+        </a:buClr>
+        <a:buFont typeface="Wingdings 3" charset="2"/>
+        <a:buChar char=""/>
+        <a:defRPr sz="1200" kern="1200">
           <a:solidFill>
-            <a:schemeClr val="tx1"/>
+            <a:schemeClr val="tx1">
+              <a:lumMod val="75000"/>
+              <a:lumOff val="25000"/>
+            </a:schemeClr>
           </a:solidFill>
           <a:latin typeface="+mn-lt"/>
           <a:ea typeface="+mn-ea"/>
@@ -2970,13 +7548,22 @@
       </a:lvl8pPr>
       <a:lvl9pPr marL="3886200" indent="-228600" algn="l" defTabSz="457200" rtl="0" eaLnBrk="1" latinLnBrk="0" hangingPunct="1">
         <a:spcBef>
-          <a:spcPct val="20000"/>
+          <a:spcPts val="1000"/>
         </a:spcBef>
-        <a:buFont typeface="Arial"/>
-        <a:buChar char="•"/>
-        <a:defRPr sz="2000" kern="1200">
+        <a:spcAft>
+          <a:spcPts val="0"/>
+        </a:spcAft>
+        <a:buClr>
+          <a:schemeClr val="accent1"/>
+        </a:buClr>
+        <a:buFont typeface="Wingdings 3" charset="2"/>
+        <a:buChar char=""/>
+        <a:defRPr sz="1200" kern="1200">
           <a:solidFill>
-            <a:schemeClr val="tx1"/>
+            <a:schemeClr val="tx1">
+              <a:lumMod val="75000"/>
+              <a:lumOff val="25000"/>
+            </a:schemeClr>
           </a:solidFill>
           <a:latin typeface="+mn-lt"/>
           <a:ea typeface="+mn-ea"/>
@@ -3084,6 +7671,90 @@
 </file>
 
 <file path=ppt/slides/slide1.xml><?xml version="1.0" encoding="utf-8"?>
+<p:sld xmlns:a="http://schemas.openxmlformats.org/drawingml/2006/main" xmlns:r="http://schemas.openxmlformats.org/officeDocument/2006/relationships" xmlns:p="http://schemas.openxmlformats.org/presentationml/2006/main">
+  <p:cSld>
+    <p:spTree>
+      <p:nvGrpSpPr>
+        <p:cNvPr id="1" name=""/>
+        <p:cNvGrpSpPr/>
+        <p:nvPr/>
+      </p:nvGrpSpPr>
+      <p:grpSpPr>
+        <a:xfrm>
+          <a:off x="0" y="0"/>
+          <a:ext cx="0" cy="0"/>
+          <a:chOff x="0" y="0"/>
+          <a:chExt cx="0" cy="0"/>
+        </a:xfrm>
+      </p:grpSpPr>
+      <p:sp>
+        <p:nvSpPr>
+          <p:cNvPr id="2" name="Title 1">
+            <a:extLst>
+              <a:ext uri="{FF2B5EF4-FFF2-40B4-BE49-F238E27FC236}">
+                <a16:creationId xmlns:a16="http://schemas.microsoft.com/office/drawing/2014/main" id="{6AEA4CF1-9207-D575-D51A-BC29C2CD03AB}"/>
+              </a:ext>
+            </a:extLst>
+          </p:cNvPr>
+          <p:cNvSpPr>
+            <a:spLocks noGrp="1"/>
+          </p:cNvSpPr>
+          <p:nvPr>
+            <p:ph type="ctrTitle"/>
+          </p:nvPr>
+        </p:nvSpPr>
+        <p:spPr/>
+        <p:txBody>
+          <a:bodyPr/>
+          <a:lstStyle/>
+          <a:p>
+            <a:r>
+              <a:rPr lang="en-US" dirty="0"/>
+              <a:t>SIDE HUSTLE</a:t>
+            </a:r>
+            <a:endParaRPr lang="en-IN" dirty="0"/>
+          </a:p>
+        </p:txBody>
+      </p:sp>
+      <p:sp>
+        <p:nvSpPr>
+          <p:cNvPr id="3" name="Subtitle 2">
+            <a:extLst>
+              <a:ext uri="{FF2B5EF4-FFF2-40B4-BE49-F238E27FC236}">
+                <a16:creationId xmlns:a16="http://schemas.microsoft.com/office/drawing/2014/main" id="{FADD7E37-18BA-80CE-BAF3-E8D09BD76600}"/>
+              </a:ext>
+            </a:extLst>
+          </p:cNvPr>
+          <p:cNvSpPr>
+            <a:spLocks noGrp="1"/>
+          </p:cNvSpPr>
+          <p:nvPr>
+            <p:ph type="subTitle" idx="1"/>
+          </p:nvPr>
+        </p:nvSpPr>
+        <p:spPr/>
+        <p:txBody>
+          <a:bodyPr/>
+          <a:lstStyle/>
+          <a:p>
+            <a:endParaRPr lang="en-IN"/>
+          </a:p>
+        </p:txBody>
+      </p:sp>
+    </p:spTree>
+    <p:extLst>
+      <p:ext uri="{BB962C8B-B14F-4D97-AF65-F5344CB8AC3E}">
+        <p14:creationId xmlns:p14="http://schemas.microsoft.com/office/powerpoint/2010/main" val="2160080654"/>
+      </p:ext>
+    </p:extLst>
+  </p:cSld>
+  <p:clrMapOvr>
+    <a:masterClrMapping/>
+  </p:clrMapOvr>
+</p:sld>
+</file>
+
+<file path=ppt/slides/slide10.xml><?xml version="1.0" encoding="utf-8"?>
 <p:sld xmlns:a="http://schemas.openxmlformats.org/drawingml/2006/main" xmlns:p="http://schemas.openxmlformats.org/presentationml/2006/main" xmlns:r="http://schemas.openxmlformats.org/officeDocument/2006/relationships">
   <p:cSld>
     <p:spTree>
@@ -3100,7 +7771,7 @@
             <a:spLocks noGrp="1"/>
           </p:cNvSpPr>
           <p:nvPr>
-            <p:ph type="ctrTitle"/>
+            <p:ph type="title"/>
           </p:nvPr>
         </p:nvSpPr>
         <p:spPr/>
@@ -3109,19 +7780,102 @@
           <a:lstStyle/>
           <a:p>
             <a:r>
-              <a:t>Introduction to Data Mining</a:t>
-            </a:r>
-          </a:p>
-        </p:txBody>
-      </p:sp>
-      <p:sp>
-        <p:nvSpPr>
-          <p:cNvPr id="3" name="Subtitle 2"/>
-          <p:cNvSpPr>
-            <a:spLocks noGrp="1"/>
-          </p:cNvSpPr>
-          <p:nvPr>
-            <p:ph type="subTitle" idx="1"/>
+              <a:t>Why Data Mining? Understanding Its Value</a:t>
+            </a:r>
+          </a:p>
+        </p:txBody>
+      </p:sp>
+      <p:sp>
+        <p:nvSpPr>
+          <p:cNvPr id="3" name="Content Placeholder 2"/>
+          <p:cNvSpPr>
+            <a:spLocks noGrp="1"/>
+          </p:cNvSpPr>
+          <p:nvPr>
+            <p:ph idx="1"/>
+          </p:nvPr>
+        </p:nvSpPr>
+        <p:spPr/>
+        <p:txBody>
+          <a:bodyPr wrap="square"/>
+          <a:lstStyle/>
+          <a:p/>
+          <a:p>
+            <a:pPr/>
+            <a:r>
+              <a:t>**The Data Explosion:** Today, data is generated at a rapid pace – every click, every purchase creates valuable information.</a:t>
+            </a:r>
+          </a:p>
+          <a:p>
+            <a:pPr/>
+            <a:r>
+              <a:t>**Strategic Decision Making:** Enables companies to convert raw data into actionable intelligence.</a:t>
+            </a:r>
+          </a:p>
+          <a:p>
+            <a:pPr/>
+            <a:r>
+              <a:t>**Core Purpose:** To extract useful insights and actionable knowledge from vast amounts of data.</a:t>
+            </a:r>
+          </a:p>
+          <a:p>
+            <a:pPr/>
+            <a:r>
+              <a:t>**Key Techniques Involved:**</a:t>
+            </a:r>
+          </a:p>
+          <a:p>
+            <a:pPr/>
+            <a:r>
+              <a:t>  - Statistics for quantitative analysis</a:t>
+            </a:r>
+          </a:p>
+          <a:p>
+            <a:pPr/>
+            <a:r>
+              <a:t>  - Machine Learning (ML) for predictive modeling and pattern recognition</a:t>
+            </a:r>
+          </a:p>
+          <a:p>
+            <a:pPr/>
+            <a:r>
+              <a:t>  - Database Systems for efficient data storage and retrieval</a:t>
+            </a:r>
+          </a:p>
+          <a:p>
+            <a:pPr/>
+            <a:r>
+              <a:t>**Business Impact:** Helps solve complex business problems, optimize processes, and make future predictions.</a:t>
+            </a:r>
+          </a:p>
+        </p:txBody>
+      </p:sp>
+    </p:spTree>
+  </p:cSld>
+  <p:clrMapOvr>
+    <a:masterClrMapping/>
+  </p:clrMapOvr>
+</p:sld>
+</file>
+
+<file path=ppt/slides/slide11.xml><?xml version="1.0" encoding="utf-8"?>
+<p:sld xmlns:a="http://schemas.openxmlformats.org/drawingml/2006/main" xmlns:p="http://schemas.openxmlformats.org/presentationml/2006/main" xmlns:r="http://schemas.openxmlformats.org/officeDocument/2006/relationships">
+  <p:cSld>
+    <p:spTree>
+      <p:nvGrpSpPr>
+        <p:cNvPr id="1" name=""/>
+        <p:cNvGrpSpPr/>
+        <p:nvPr/>
+      </p:nvGrpSpPr>
+      <p:grpSpPr/>
+      <p:sp>
+        <p:nvSpPr>
+          <p:cNvPr id="2" name="Title 1"/>
+          <p:cNvSpPr>
+            <a:spLocks noGrp="1"/>
+          </p:cNvSpPr>
+          <p:nvPr>
+            <p:ph type="title"/>
           </p:nvPr>
         </p:nvSpPr>
         <p:spPr/>
@@ -3130,7 +7884,364 @@
           <a:lstStyle/>
           <a:p>
             <a:r>
-              <a:t>Generated by Gemini AI</a:t>
+              <a:t>Common Applications of Data Mining</a:t>
+            </a:r>
+          </a:p>
+        </p:txBody>
+      </p:sp>
+      <p:sp>
+        <p:nvSpPr>
+          <p:cNvPr id="3" name="Content Placeholder 2"/>
+          <p:cNvSpPr>
+            <a:spLocks noGrp="1"/>
+          </p:cNvSpPr>
+          <p:nvPr>
+            <p:ph idx="1"/>
+          </p:nvPr>
+        </p:nvSpPr>
+        <p:spPr/>
+        <p:txBody>
+          <a:bodyPr wrap="square"/>
+          <a:lstStyle/>
+          <a:p/>
+          <a:p>
+            <a:pPr/>
+            <a:r>
+              <a:t>**Customer Segmentation:** Grouping customers based on shared characteristics to tailor marketing strategies.</a:t>
+            </a:r>
+          </a:p>
+          <a:p>
+            <a:pPr/>
+            <a:r>
+              <a:t>**Market Basket Analysis:** Identifying relationships between products frequently purchased together to optimize product placement and promotions.</a:t>
+            </a:r>
+          </a:p>
+          <a:p>
+            <a:pPr/>
+            <a:r>
+              <a:t>**Predictive Modeling:** Forecasting future trends or outcomes, such as customer churn, sales, or fraud detection.</a:t>
+            </a:r>
+          </a:p>
+          <a:p>
+            <a:pPr/>
+            <a:r>
+              <a:t>**Industry Adoption:** Widely applied across diverse sectors to make informed decisions:</a:t>
+            </a:r>
+          </a:p>
+          <a:p>
+            <a:pPr/>
+            <a:r>
+              <a:t>  - Finance (fraud detection, risk assessment)</a:t>
+            </a:r>
+          </a:p>
+          <a:p>
+            <a:pPr/>
+            <a:r>
+              <a:t>  - Healthcare (disease prediction, treatment effectiveness)</a:t>
+            </a:r>
+          </a:p>
+          <a:p>
+            <a:pPr/>
+            <a:r>
+              <a:t>  - Retail (inventory management, personalized recommendations)</a:t>
+            </a:r>
+          </a:p>
+          <a:p>
+            <a:pPr/>
+            <a:r>
+              <a:t>  - Telecommunication (customer retention, network optimization)</a:t>
+            </a:r>
+          </a:p>
+        </p:txBody>
+      </p:sp>
+    </p:spTree>
+  </p:cSld>
+  <p:clrMapOvr>
+    <a:masterClrMapping/>
+  </p:clrMapOvr>
+</p:sld>
+</file>
+
+<file path=ppt/slides/slide12.xml><?xml version="1.0" encoding="utf-8"?>
+<p:sld xmlns:a="http://schemas.openxmlformats.org/drawingml/2006/main" xmlns:p="http://schemas.openxmlformats.org/presentationml/2006/main" xmlns:r="http://schemas.openxmlformats.org/officeDocument/2006/relationships">
+  <p:cSld>
+    <p:spTree>
+      <p:nvGrpSpPr>
+        <p:cNvPr id="1" name=""/>
+        <p:cNvGrpSpPr/>
+        <p:nvPr/>
+      </p:nvGrpSpPr>
+      <p:grpSpPr/>
+      <p:sp>
+        <p:nvSpPr>
+          <p:cNvPr id="2" name="Title 1"/>
+          <p:cNvSpPr>
+            <a:spLocks noGrp="1"/>
+          </p:cNvSpPr>
+          <p:nvPr>
+            <p:ph type="title"/>
+          </p:nvPr>
+        </p:nvSpPr>
+        <p:spPr/>
+        <p:txBody>
+          <a:bodyPr/>
+          <a:lstStyle/>
+          <a:p>
+            <a:r>
+              <a:t>Core Components of Data Mining</a:t>
+            </a:r>
+          </a:p>
+        </p:txBody>
+      </p:sp>
+      <p:sp>
+        <p:nvSpPr>
+          <p:cNvPr id="3" name="Content Placeholder 2"/>
+          <p:cNvSpPr>
+            <a:spLocks noGrp="1"/>
+          </p:cNvSpPr>
+          <p:nvPr>
+            <p:ph idx="1"/>
+          </p:nvPr>
+        </p:nvSpPr>
+        <p:spPr/>
+        <p:txBody>
+          <a:bodyPr wrap="square"/>
+          <a:lstStyle/>
+          <a:p/>
+          <a:p>
+            <a:pPr/>
+            <a:r>
+              <a:t>Data Mining is an interdisciplinary field built upon several foundational components:</a:t>
+            </a:r>
+          </a:p>
+          <a:p>
+            <a:pPr/>
+            <a:r>
+              <a:t>**Machine Learning (ML):** Algorithms for pattern recognition, prediction, and classification.</a:t>
+            </a:r>
+          </a:p>
+          <a:p>
+            <a:pPr/>
+            <a:r>
+              <a:t>**Statistics:** Methods for data analysis, inference, and hypothesis testing.</a:t>
+            </a:r>
+          </a:p>
+          <a:p>
+            <a:pPr/>
+            <a:r>
+              <a:t>**Database Systems:** Efficient storage, retrieval, and management of large datasets.</a:t>
+            </a:r>
+          </a:p>
+          <a:p>
+            <a:pPr/>
+            <a:r>
+              <a:t>**Data Warehousing:** Architectures for consolidating and organizing data from multiple sources.</a:t>
+            </a:r>
+          </a:p>
+          <a:p>
+            <a:pPr/>
+            <a:r>
+              <a:t>**Information Retrieval:** Techniques for accessing and finding relevant information within data.</a:t>
+            </a:r>
+          </a:p>
+          <a:p>
+            <a:pPr/>
+            <a:r>
+              <a:t>**High-Performance Computing:** Processing large datasets efficiently.</a:t>
+            </a:r>
+          </a:p>
+          <a:p>
+            <a:pPr/>
+            <a:r>
+              <a:t>**Algorithm Design:** Development and optimization of specific data mining algorithms.</a:t>
+            </a:r>
+          </a:p>
+          <a:p>
+            <a:pPr/>
+            <a:r>
+              <a:t>**Visualization:** Presenting insights in an understandable and impactful graphical format.</a:t>
+            </a:r>
+          </a:p>
+          <a:p>
+            <a:pPr/>
+            <a:r>
+              <a:t>**Pattern Recognition:** Identifying regularities or irregularities in data.</a:t>
+            </a:r>
+          </a:p>
+        </p:txBody>
+      </p:sp>
+    </p:spTree>
+  </p:cSld>
+  <p:clrMapOvr>
+    <a:masterClrMapping/>
+  </p:clrMapOvr>
+</p:sld>
+</file>
+
+<file path=ppt/slides/slide13.xml><?xml version="1.0" encoding="utf-8"?>
+<p:sld xmlns:a="http://schemas.openxmlformats.org/drawingml/2006/main" xmlns:p="http://schemas.openxmlformats.org/presentationml/2006/main" xmlns:r="http://schemas.openxmlformats.org/officeDocument/2006/relationships">
+  <p:cSld>
+    <p:spTree>
+      <p:nvGrpSpPr>
+        <p:cNvPr id="1" name=""/>
+        <p:cNvGrpSpPr/>
+        <p:nvPr/>
+      </p:nvGrpSpPr>
+      <p:grpSpPr/>
+      <p:sp>
+        <p:nvSpPr>
+          <p:cNvPr id="2" name="Title 1"/>
+          <p:cNvSpPr>
+            <a:spLocks noGrp="1"/>
+          </p:cNvSpPr>
+          <p:nvPr>
+            <p:ph type="title"/>
+          </p:nvPr>
+        </p:nvSpPr>
+        <p:spPr/>
+        <p:txBody>
+          <a:bodyPr/>
+          <a:lstStyle/>
+          <a:p>
+            <a:r>
+              <a:t>The Data Mining Process</a:t>
+            </a:r>
+          </a:p>
+        </p:txBody>
+      </p:sp>
+      <p:sp>
+        <p:nvSpPr>
+          <p:cNvPr id="3" name="Content Placeholder 2"/>
+          <p:cNvSpPr>
+            <a:spLocks noGrp="1"/>
+          </p:cNvSpPr>
+          <p:nvPr>
+            <p:ph idx="1"/>
+          </p:nvPr>
+        </p:nvSpPr>
+        <p:spPr/>
+        <p:txBody>
+          <a:bodyPr wrap="square"/>
+          <a:lstStyle/>
+          <a:p/>
+          <a:p>
+            <a:pPr/>
+            <a:r>
+              <a:t>A systematic approach is followed to extract knowledge from data:</a:t>
+            </a:r>
+          </a:p>
+          <a:p>
+            <a:pPr/>
+            <a:r>
+              <a:t>**1. Data Cleaning and Integration:**</a:t>
+            </a:r>
+          </a:p>
+          <a:p>
+            <a:pPr/>
+            <a:r>
+              <a:t>  - Collecting and combining relevant data from various sources.</a:t>
+            </a:r>
+          </a:p>
+          <a:p>
+            <a:pPr/>
+            <a:r>
+              <a:t>  - Handling inconsistencies and resolving data conflicts.</a:t>
+            </a:r>
+          </a:p>
+          <a:p>
+            <a:pPr/>
+            <a:r>
+              <a:t>**2. Data Pre-processing:**</a:t>
+            </a:r>
+          </a:p>
+          <a:p>
+            <a:pPr/>
+            <a:r>
+              <a:t>  - Removing noisy data (irrelevant or erroneous entries).</a:t>
+            </a:r>
+          </a:p>
+          <a:p>
+            <a:pPr/>
+            <a:r>
+              <a:t>  - Addressing missing values through imputation or removal.</a:t>
+            </a:r>
+          </a:p>
+          <a:p>
+            <a:pPr/>
+            <a:r>
+              <a:t>  - Transforming data into a suitable format for analysis.</a:t>
+            </a:r>
+          </a:p>
+          <a:p>
+            <a:pPr/>
+            <a:r>
+              <a:t>**3. Pattern Recognition &amp; Machine Learning:**</a:t>
+            </a:r>
+          </a:p>
+          <a:p>
+            <a:pPr/>
+            <a:r>
+              <a:t>  - Applying algorithms like Classification, Clustering, and Regression to identify patterns.</a:t>
+            </a:r>
+          </a:p>
+          <a:p>
+            <a:pPr/>
+            <a:r>
+              <a:t>  - Building models based on the processed data.</a:t>
+            </a:r>
+          </a:p>
+          <a:p>
+            <a:pPr/>
+            <a:r>
+              <a:t>**4. Statistical Analysis:**</a:t>
+            </a:r>
+          </a:p>
+          <a:p>
+            <a:pPr/>
+            <a:r>
+              <a:t>  - Employing statistical measures (e.g., Mean, Mode, Median) to understand data distributions and relationships.</a:t>
+            </a:r>
+          </a:p>
+          <a:p>
+            <a:pPr/>
+            <a:r>
+              <a:t>  - Validating patterns and insights statistically.</a:t>
+            </a:r>
+          </a:p>
+          <a:p>
+            <a:pPr/>
+            <a:r>
+              <a:t>**5. Evaluation and Interpretation:**</a:t>
+            </a:r>
+          </a:p>
+          <a:p>
+            <a:pPr/>
+            <a:r>
+              <a:t>  - Assessing the accuracy and significance of the discovered patterns and models.</a:t>
+            </a:r>
+          </a:p>
+          <a:p>
+            <a:pPr/>
+            <a:r>
+              <a:t>  - Interpreting the findings in the context of the business problem.</a:t>
+            </a:r>
+          </a:p>
+          <a:p>
+            <a:pPr/>
+            <a:r>
+              <a:t>**6. Data Presentation &amp; Visualization:**</a:t>
+            </a:r>
+          </a:p>
+          <a:p>
+            <a:pPr/>
+            <a:r>
+              <a:t>  - Communicating the insights effectively using charts, graphs, and interactive dashboards.</a:t>
+            </a:r>
+          </a:p>
+          <a:p>
+            <a:pPr/>
+            <a:r>
+              <a:t>  - Making the complex findings accessible and actionable for decision-makers.</a:t>
             </a:r>
           </a:p>
         </p:txBody>
@@ -3144,6 +8255,1377 @@
 </file>
 
 <file path=ppt/slides/slide2.xml><?xml version="1.0" encoding="utf-8"?>
+<p:sld xmlns:a="http://schemas.openxmlformats.org/drawingml/2006/main" xmlns:r="http://schemas.openxmlformats.org/officeDocument/2006/relationships" xmlns:p="http://schemas.openxmlformats.org/presentationml/2006/main">
+  <p:cSld>
+    <p:spTree>
+      <p:nvGrpSpPr>
+        <p:cNvPr id="1" name=""/>
+        <p:cNvGrpSpPr/>
+        <p:nvPr/>
+      </p:nvGrpSpPr>
+      <p:grpSpPr>
+        <a:xfrm>
+          <a:off x="0" y="0"/>
+          <a:ext cx="0" cy="0"/>
+          <a:chOff x="0" y="0"/>
+          <a:chExt cx="0" cy="0"/>
+        </a:xfrm>
+      </p:grpSpPr>
+      <p:sp>
+        <p:nvSpPr>
+          <p:cNvPr id="2" name="Title 1"/>
+          <p:cNvSpPr>
+            <a:spLocks noGrp="1"/>
+          </p:cNvSpPr>
+          <p:nvPr>
+            <p:ph type="title"/>
+          </p:nvPr>
+        </p:nvSpPr>
+        <p:spPr/>
+        <p:txBody>
+          <a:bodyPr/>
+          <a:lstStyle/>
+          <a:p>
+            <a:r>
+              <a:rPr lang="en-US" dirty="0" smtClean="0"/>
+              <a:t>Freelancer websites</a:t>
+            </a:r>
+            <a:endParaRPr lang="en-IN" dirty="0"/>
+          </a:p>
+        </p:txBody>
+      </p:sp>
+      <p:sp>
+        <p:nvSpPr>
+          <p:cNvPr id="3" name="Text Placeholder 2"/>
+          <p:cNvSpPr>
+            <a:spLocks noGrp="1"/>
+          </p:cNvSpPr>
+          <p:nvPr>
+            <p:ph type="body" idx="1"/>
+          </p:nvPr>
+        </p:nvSpPr>
+        <p:spPr>
+          <a:xfrm>
+            <a:off x="2124364" y="1972703"/>
+            <a:ext cx="4807741" cy="576262"/>
+          </a:xfrm>
+        </p:spPr>
+        <p:txBody>
+          <a:bodyPr/>
+          <a:lstStyle/>
+          <a:p>
+            <a:r>
+              <a:rPr lang="en-US" dirty="0" smtClean="0"/>
+              <a:t>Mandatory to make profile here:</a:t>
+            </a:r>
+            <a:endParaRPr lang="en-IN" dirty="0"/>
+          </a:p>
+        </p:txBody>
+      </p:sp>
+      <p:sp>
+        <p:nvSpPr>
+          <p:cNvPr id="4" name="Content Placeholder 3"/>
+          <p:cNvSpPr>
+            <a:spLocks noGrp="1"/>
+          </p:cNvSpPr>
+          <p:nvPr>
+            <p:ph sz="half" idx="2"/>
+          </p:nvPr>
+        </p:nvSpPr>
+        <p:spPr/>
+        <p:txBody>
+          <a:bodyPr/>
+          <a:lstStyle/>
+          <a:p>
+            <a:pPr>
+              <a:buFont typeface="+mj-lt"/>
+              <a:buAutoNum type="arabicPeriod"/>
+            </a:pPr>
+            <a:r>
+              <a:rPr lang="en-US" dirty="0" smtClean="0"/>
+              <a:t>Freelancer.com</a:t>
+            </a:r>
+          </a:p>
+          <a:p>
+            <a:pPr>
+              <a:buFont typeface="+mj-lt"/>
+              <a:buAutoNum type="arabicPeriod"/>
+            </a:pPr>
+            <a:r>
+              <a:rPr lang="en-US" dirty="0" smtClean="0"/>
+              <a:t>Upwork.com</a:t>
+            </a:r>
+          </a:p>
+          <a:p>
+            <a:pPr>
+              <a:buFont typeface="+mj-lt"/>
+              <a:buAutoNum type="arabicPeriod"/>
+            </a:pPr>
+            <a:r>
+              <a:rPr lang="en-US" dirty="0" smtClean="0"/>
+              <a:t>Peopleperhour.com</a:t>
+            </a:r>
+          </a:p>
+          <a:p>
+            <a:pPr>
+              <a:buFont typeface="+mj-lt"/>
+              <a:buAutoNum type="arabicPeriod"/>
+            </a:pPr>
+            <a:r>
+              <a:rPr lang="en-US" dirty="0" smtClean="0"/>
+              <a:t>Fiverr.com</a:t>
+            </a:r>
+            <a:endParaRPr lang="en-IN" dirty="0"/>
+          </a:p>
+        </p:txBody>
+      </p:sp>
+      <p:sp>
+        <p:nvSpPr>
+          <p:cNvPr id="5" name="Text Placeholder 4"/>
+          <p:cNvSpPr>
+            <a:spLocks noGrp="1"/>
+          </p:cNvSpPr>
+          <p:nvPr>
+            <p:ph type="body" sz="quarter" idx="3"/>
+          </p:nvPr>
+        </p:nvSpPr>
+        <p:spPr/>
+        <p:txBody>
+          <a:bodyPr/>
+          <a:lstStyle/>
+          <a:p>
+            <a:endParaRPr lang="en-IN"/>
+          </a:p>
+        </p:txBody>
+      </p:sp>
+      <p:sp>
+        <p:nvSpPr>
+          <p:cNvPr id="6" name="Content Placeholder 5"/>
+          <p:cNvSpPr>
+            <a:spLocks noGrp="1"/>
+          </p:cNvSpPr>
+          <p:nvPr>
+            <p:ph sz="quarter" idx="4"/>
+          </p:nvPr>
+        </p:nvSpPr>
+        <p:spPr/>
+        <p:txBody>
+          <a:bodyPr/>
+          <a:lstStyle/>
+          <a:p>
+            <a:endParaRPr lang="en-IN"/>
+          </a:p>
+        </p:txBody>
+      </p:sp>
+    </p:spTree>
+    <p:extLst>
+      <p:ext uri="{BB962C8B-B14F-4D97-AF65-F5344CB8AC3E}">
+        <p14:creationId xmlns:p14="http://schemas.microsoft.com/office/powerpoint/2010/main" val="930785851"/>
+      </p:ext>
+    </p:extLst>
+  </p:cSld>
+  <p:clrMapOvr>
+    <a:masterClrMapping/>
+  </p:clrMapOvr>
+</p:sld>
+</file>
+
+<file path=ppt/slides/slide3.xml><?xml version="1.0" encoding="utf-8"?>
+<p:sld xmlns:a="http://schemas.openxmlformats.org/drawingml/2006/main" xmlns:r="http://schemas.openxmlformats.org/officeDocument/2006/relationships" xmlns:p="http://schemas.openxmlformats.org/presentationml/2006/main">
+  <p:cSld>
+    <p:spTree>
+      <p:nvGrpSpPr>
+        <p:cNvPr id="1" name=""/>
+        <p:cNvGrpSpPr/>
+        <p:nvPr/>
+      </p:nvGrpSpPr>
+      <p:grpSpPr>
+        <a:xfrm>
+          <a:off x="0" y="0"/>
+          <a:ext cx="0" cy="0"/>
+          <a:chOff x="0" y="0"/>
+          <a:chExt cx="0" cy="0"/>
+        </a:xfrm>
+      </p:grpSpPr>
+      <p:sp>
+        <p:nvSpPr>
+          <p:cNvPr id="2" name="Title 1">
+            <a:extLst>
+              <a:ext uri="{FF2B5EF4-FFF2-40B4-BE49-F238E27FC236}">
+                <a16:creationId xmlns:a16="http://schemas.microsoft.com/office/drawing/2014/main" id="{BDE040A0-1AC9-96D3-94A6-0B4E6BF31D7A}"/>
+              </a:ext>
+            </a:extLst>
+          </p:cNvPr>
+          <p:cNvSpPr>
+            <a:spLocks noGrp="1"/>
+          </p:cNvSpPr>
+          <p:nvPr>
+            <p:ph type="title"/>
+          </p:nvPr>
+        </p:nvSpPr>
+        <p:spPr/>
+        <p:txBody>
+          <a:bodyPr/>
+          <a:lstStyle/>
+          <a:p>
+            <a:r>
+              <a:rPr lang="en-US" dirty="0"/>
+              <a:t>Different types of ways to earn money</a:t>
+            </a:r>
+            <a:endParaRPr lang="en-IN" dirty="0"/>
+          </a:p>
+        </p:txBody>
+      </p:sp>
+      <p:sp>
+        <p:nvSpPr>
+          <p:cNvPr id="3" name="Content Placeholder 2">
+            <a:extLst>
+              <a:ext uri="{FF2B5EF4-FFF2-40B4-BE49-F238E27FC236}">
+                <a16:creationId xmlns:a16="http://schemas.microsoft.com/office/drawing/2014/main" id="{32A86FBA-8BDF-A4A3-360D-D5C088575A75}"/>
+              </a:ext>
+            </a:extLst>
+          </p:cNvPr>
+          <p:cNvSpPr>
+            <a:spLocks noGrp="1"/>
+          </p:cNvSpPr>
+          <p:nvPr>
+            <p:ph idx="1"/>
+          </p:nvPr>
+        </p:nvSpPr>
+        <p:spPr/>
+        <p:txBody>
+          <a:bodyPr/>
+          <a:lstStyle/>
+          <a:p>
+            <a:pPr>
+              <a:buFont typeface="+mj-lt"/>
+              <a:buAutoNum type="arabicPeriod"/>
+            </a:pPr>
+            <a:r>
+              <a:rPr lang="en-US" dirty="0" smtClean="0"/>
+              <a:t>Product description work</a:t>
+            </a:r>
+          </a:p>
+          <a:p>
+            <a:pPr>
+              <a:buFont typeface="+mj-lt"/>
+              <a:buAutoNum type="arabicPeriod"/>
+            </a:pPr>
+            <a:r>
+              <a:rPr lang="en-US" dirty="0" smtClean="0"/>
+              <a:t>Typing</a:t>
+            </a:r>
+          </a:p>
+          <a:p>
+            <a:pPr>
+              <a:buFont typeface="+mj-lt"/>
+              <a:buAutoNum type="arabicPeriod"/>
+            </a:pPr>
+            <a:r>
+              <a:rPr lang="en-US" dirty="0" smtClean="0"/>
+              <a:t>Data </a:t>
+            </a:r>
+            <a:r>
+              <a:rPr lang="en-US" dirty="0" smtClean="0"/>
+              <a:t>entry/</a:t>
+            </a:r>
+            <a:r>
+              <a:rPr lang="en-US" dirty="0" err="1" smtClean="0"/>
+              <a:t>ppt</a:t>
+            </a:r>
+            <a:r>
+              <a:rPr lang="en-US" dirty="0" smtClean="0"/>
+              <a:t> making</a:t>
+            </a:r>
+            <a:endParaRPr lang="en-US" dirty="0" smtClean="0"/>
+          </a:p>
+          <a:p>
+            <a:pPr>
+              <a:buFont typeface="+mj-lt"/>
+              <a:buAutoNum type="arabicPeriod"/>
+            </a:pPr>
+            <a:r>
+              <a:rPr lang="en-US" dirty="0" err="1" smtClean="0"/>
+              <a:t>Copywritting</a:t>
+            </a:r>
+            <a:endParaRPr lang="en-US" dirty="0" smtClean="0"/>
+          </a:p>
+          <a:p>
+            <a:pPr>
+              <a:buFont typeface="+mj-lt"/>
+              <a:buAutoNum type="arabicPeriod"/>
+            </a:pPr>
+            <a:r>
+              <a:rPr lang="en-US" dirty="0" smtClean="0"/>
+              <a:t>Content creation by AI </a:t>
+            </a:r>
+          </a:p>
+          <a:p>
+            <a:pPr>
+              <a:buFont typeface="+mj-lt"/>
+              <a:buAutoNum type="arabicPeriod"/>
+            </a:pPr>
+            <a:r>
+              <a:rPr lang="en-US" dirty="0" smtClean="0"/>
+              <a:t>Outlier AI(code by Harry)</a:t>
+            </a:r>
+          </a:p>
+          <a:p>
+            <a:pPr>
+              <a:buFont typeface="+mj-lt"/>
+              <a:buAutoNum type="arabicPeriod"/>
+            </a:pPr>
+            <a:r>
+              <a:rPr lang="en-US" dirty="0" smtClean="0"/>
+              <a:t>Write subtitles</a:t>
+            </a:r>
+          </a:p>
+          <a:p>
+            <a:pPr>
+              <a:buFont typeface="+mj-lt"/>
+              <a:buAutoNum type="arabicPeriod"/>
+            </a:pPr>
+            <a:r>
+              <a:rPr lang="en-US" dirty="0" smtClean="0"/>
+              <a:t>Transcribing</a:t>
+            </a:r>
+          </a:p>
+          <a:p>
+            <a:pPr>
+              <a:buFont typeface="+mj-lt"/>
+              <a:buAutoNum type="arabicPeriod"/>
+            </a:pPr>
+            <a:endParaRPr lang="en-US" dirty="0" smtClean="0"/>
+          </a:p>
+          <a:p>
+            <a:pPr>
+              <a:buFont typeface="+mj-lt"/>
+              <a:buAutoNum type="arabicPeriod"/>
+            </a:pPr>
+            <a:endParaRPr lang="en-US" dirty="0" smtClean="0"/>
+          </a:p>
+          <a:p>
+            <a:pPr>
+              <a:buFont typeface="+mj-lt"/>
+              <a:buAutoNum type="arabicPeriod"/>
+            </a:pPr>
+            <a:endParaRPr lang="en-US" dirty="0" smtClean="0"/>
+          </a:p>
+          <a:p>
+            <a:pPr>
+              <a:buFont typeface="+mj-lt"/>
+              <a:buAutoNum type="arabicPeriod"/>
+            </a:pPr>
+            <a:endParaRPr lang="en-IN" dirty="0"/>
+          </a:p>
+        </p:txBody>
+      </p:sp>
+    </p:spTree>
+    <p:extLst>
+      <p:ext uri="{BB962C8B-B14F-4D97-AF65-F5344CB8AC3E}">
+        <p14:creationId xmlns:p14="http://schemas.microsoft.com/office/powerpoint/2010/main" val="260666033"/>
+      </p:ext>
+    </p:extLst>
+  </p:cSld>
+  <p:clrMapOvr>
+    <a:masterClrMapping/>
+  </p:clrMapOvr>
+</p:sld>
+</file>
+
+<file path=ppt/slides/slide4.xml><?xml version="1.0" encoding="utf-8"?>
+<p:sld xmlns:a="http://schemas.openxmlformats.org/drawingml/2006/main" xmlns:r="http://schemas.openxmlformats.org/officeDocument/2006/relationships" xmlns:p="http://schemas.openxmlformats.org/presentationml/2006/main">
+  <p:cSld>
+    <p:spTree>
+      <p:nvGrpSpPr>
+        <p:cNvPr id="1" name=""/>
+        <p:cNvGrpSpPr/>
+        <p:nvPr/>
+      </p:nvGrpSpPr>
+      <p:grpSpPr>
+        <a:xfrm>
+          <a:off x="0" y="0"/>
+          <a:ext cx="0" cy="0"/>
+          <a:chOff x="0" y="0"/>
+          <a:chExt cx="0" cy="0"/>
+        </a:xfrm>
+      </p:grpSpPr>
+      <p:sp>
+        <p:nvSpPr>
+          <p:cNvPr id="2" name="Title 1"/>
+          <p:cNvSpPr>
+            <a:spLocks noGrp="1"/>
+          </p:cNvSpPr>
+          <p:nvPr>
+            <p:ph type="title"/>
+          </p:nvPr>
+        </p:nvSpPr>
+        <p:spPr/>
+        <p:txBody>
+          <a:bodyPr/>
+          <a:lstStyle/>
+          <a:p>
+            <a:endParaRPr lang="en-IN"/>
+          </a:p>
+        </p:txBody>
+      </p:sp>
+      <p:sp>
+        <p:nvSpPr>
+          <p:cNvPr id="3" name="Content Placeholder 2"/>
+          <p:cNvSpPr>
+            <a:spLocks noGrp="1"/>
+          </p:cNvSpPr>
+          <p:nvPr>
+            <p:ph sz="half" idx="1"/>
+          </p:nvPr>
+        </p:nvSpPr>
+        <p:spPr/>
+        <p:txBody>
+          <a:bodyPr/>
+          <a:lstStyle/>
+          <a:p>
+            <a:pPr>
+              <a:buFont typeface="+mj-lt"/>
+              <a:buAutoNum type="arabicPeriod"/>
+            </a:pPr>
+            <a:r>
+              <a:rPr lang="en-US" dirty="0" smtClean="0"/>
+              <a:t>Content creation </a:t>
+            </a:r>
+          </a:p>
+          <a:p>
+            <a:pPr>
+              <a:buFont typeface="+mj-lt"/>
+              <a:buAutoNum type="arabicPeriod"/>
+            </a:pPr>
+            <a:r>
+              <a:rPr lang="en-US" dirty="0" err="1" smtClean="0"/>
+              <a:t>Dropshipping</a:t>
+            </a:r>
+            <a:endParaRPr lang="en-US" dirty="0" smtClean="0"/>
+          </a:p>
+          <a:p>
+            <a:pPr>
+              <a:buFont typeface="+mj-lt"/>
+              <a:buAutoNum type="arabicPeriod"/>
+            </a:pPr>
+            <a:r>
+              <a:rPr lang="en-US" dirty="0" err="1" smtClean="0"/>
+              <a:t>Videopgraphy</a:t>
+            </a:r>
+            <a:r>
+              <a:rPr lang="en-US" dirty="0" smtClean="0"/>
+              <a:t> and photography.</a:t>
+            </a:r>
+          </a:p>
+          <a:p>
+            <a:pPr>
+              <a:buFont typeface="+mj-lt"/>
+              <a:buAutoNum type="arabicPeriod"/>
+            </a:pPr>
+            <a:r>
+              <a:rPr lang="en-US" dirty="0" smtClean="0"/>
+              <a:t>Instagram theme page/fan page</a:t>
+            </a:r>
+          </a:p>
+          <a:p>
+            <a:pPr>
+              <a:buFont typeface="+mj-lt"/>
+              <a:buAutoNum type="arabicPeriod"/>
+            </a:pPr>
+            <a:r>
+              <a:rPr lang="en-US" dirty="0" smtClean="0"/>
+              <a:t>Instagram faming </a:t>
+            </a:r>
+          </a:p>
+          <a:p>
+            <a:pPr>
+              <a:buFont typeface="+mj-lt"/>
+              <a:buAutoNum type="arabicPeriod"/>
+            </a:pPr>
+            <a:r>
+              <a:rPr lang="en-US" dirty="0" smtClean="0"/>
+              <a:t>Instagram agency</a:t>
+            </a:r>
+          </a:p>
+          <a:p>
+            <a:pPr>
+              <a:buFont typeface="+mj-lt"/>
+              <a:buAutoNum type="arabicPeriod"/>
+            </a:pPr>
+            <a:r>
+              <a:rPr lang="en-US" dirty="0" smtClean="0"/>
+              <a:t>Social media management</a:t>
+            </a:r>
+          </a:p>
+          <a:p>
+            <a:pPr>
+              <a:buFont typeface="+mj-lt"/>
+              <a:buAutoNum type="arabicPeriod"/>
+            </a:pPr>
+            <a:r>
+              <a:rPr lang="en-US" dirty="0" smtClean="0"/>
+              <a:t>Graphic design/thumbnail design </a:t>
+            </a:r>
+          </a:p>
+          <a:p>
+            <a:pPr>
+              <a:buFont typeface="+mj-lt"/>
+              <a:buAutoNum type="arabicPeriod"/>
+            </a:pPr>
+            <a:r>
+              <a:rPr lang="en-US" dirty="0" smtClean="0"/>
+              <a:t>Content writing and copywriting </a:t>
+            </a:r>
+          </a:p>
+          <a:p>
+            <a:pPr>
+              <a:buFont typeface="+mj-lt"/>
+              <a:buAutoNum type="arabicPeriod"/>
+            </a:pPr>
+            <a:endParaRPr lang="en-IN" dirty="0"/>
+          </a:p>
+        </p:txBody>
+      </p:sp>
+      <p:sp>
+        <p:nvSpPr>
+          <p:cNvPr id="4" name="Content Placeholder 3"/>
+          <p:cNvSpPr>
+            <a:spLocks noGrp="1"/>
+          </p:cNvSpPr>
+          <p:nvPr>
+            <p:ph sz="half" idx="2"/>
+          </p:nvPr>
+        </p:nvSpPr>
+        <p:spPr/>
+        <p:txBody>
+          <a:bodyPr/>
+          <a:lstStyle/>
+          <a:p>
+            <a:pPr>
+              <a:buFont typeface="+mj-lt"/>
+              <a:buAutoNum type="arabicPeriod"/>
+            </a:pPr>
+            <a:r>
+              <a:rPr lang="en-US" dirty="0" smtClean="0"/>
+              <a:t>Visual assistant</a:t>
+            </a:r>
+          </a:p>
+          <a:p>
+            <a:pPr>
+              <a:buFont typeface="+mj-lt"/>
+              <a:buAutoNum type="arabicPeriod"/>
+            </a:pPr>
+            <a:r>
+              <a:rPr lang="en-US" dirty="0" smtClean="0"/>
+              <a:t>UCG creato</a:t>
+            </a:r>
+            <a:r>
+              <a:rPr lang="en-US" dirty="0" smtClean="0"/>
+              <a:t>r</a:t>
+            </a:r>
+          </a:p>
+          <a:p>
+            <a:pPr>
+              <a:buFont typeface="+mj-lt"/>
+              <a:buAutoNum type="arabicPeriod"/>
+            </a:pPr>
+            <a:r>
+              <a:rPr lang="en-US" dirty="0" smtClean="0"/>
+              <a:t>Marketing an SEO</a:t>
+            </a:r>
+          </a:p>
+          <a:p>
+            <a:pPr>
+              <a:buFont typeface="+mj-lt"/>
+              <a:buAutoNum type="arabicPeriod"/>
+            </a:pPr>
+            <a:r>
+              <a:rPr lang="en-US" dirty="0" smtClean="0"/>
+              <a:t>Freelance influencer marketer</a:t>
+            </a:r>
+          </a:p>
+          <a:p>
+            <a:pPr>
+              <a:buFont typeface="+mj-lt"/>
+              <a:buAutoNum type="arabicPeriod"/>
+            </a:pPr>
+            <a:r>
+              <a:rPr lang="en-US" dirty="0" smtClean="0"/>
+              <a:t>Interview engineer</a:t>
+            </a:r>
+          </a:p>
+          <a:p>
+            <a:pPr>
+              <a:buFont typeface="+mj-lt"/>
+              <a:buAutoNum type="arabicPeriod"/>
+            </a:pPr>
+            <a:r>
+              <a:rPr lang="en-US" dirty="0" smtClean="0"/>
+              <a:t>Write e-books</a:t>
+            </a:r>
+          </a:p>
+          <a:p>
+            <a:pPr>
+              <a:buFont typeface="+mj-lt"/>
+              <a:buAutoNum type="arabicPeriod"/>
+            </a:pPr>
+            <a:r>
+              <a:rPr lang="en-US" dirty="0" smtClean="0"/>
+              <a:t>Digital products(template,</a:t>
+            </a:r>
+          </a:p>
+          <a:p>
+            <a:pPr>
+              <a:buFont typeface="+mj-lt"/>
+              <a:buAutoNum type="arabicPeriod"/>
+            </a:pPr>
+            <a:r>
+              <a:rPr lang="en-US" dirty="0" smtClean="0"/>
+              <a:t>Service arbitrage</a:t>
+            </a:r>
+          </a:p>
+          <a:p>
+            <a:pPr>
+              <a:buFont typeface="+mj-lt"/>
+              <a:buAutoNum type="arabicPeriod"/>
+            </a:pPr>
+            <a:endParaRPr lang="en-US" dirty="0" smtClean="0"/>
+          </a:p>
+          <a:p>
+            <a:pPr>
+              <a:buFont typeface="+mj-lt"/>
+              <a:buAutoNum type="arabicPeriod"/>
+            </a:pPr>
+            <a:endParaRPr lang="en-IN" dirty="0"/>
+          </a:p>
+        </p:txBody>
+      </p:sp>
+    </p:spTree>
+    <p:extLst>
+      <p:ext uri="{BB962C8B-B14F-4D97-AF65-F5344CB8AC3E}">
+        <p14:creationId xmlns:p14="http://schemas.microsoft.com/office/powerpoint/2010/main" val="4237425833"/>
+      </p:ext>
+    </p:extLst>
+  </p:cSld>
+  <p:clrMapOvr>
+    <a:masterClrMapping/>
+  </p:clrMapOvr>
+</p:sld>
+</file>
+
+<file path=ppt/slides/slide5.xml><?xml version="1.0" encoding="utf-8"?>
+<p:sld xmlns:a="http://schemas.openxmlformats.org/drawingml/2006/main" xmlns:r="http://schemas.openxmlformats.org/officeDocument/2006/relationships" xmlns:p="http://schemas.openxmlformats.org/presentationml/2006/main">
+  <p:cSld>
+    <p:spTree>
+      <p:nvGrpSpPr>
+        <p:cNvPr id="1" name=""/>
+        <p:cNvGrpSpPr/>
+        <p:nvPr/>
+      </p:nvGrpSpPr>
+      <p:grpSpPr>
+        <a:xfrm>
+          <a:off x="0" y="0"/>
+          <a:ext cx="0" cy="0"/>
+          <a:chOff x="0" y="0"/>
+          <a:chExt cx="0" cy="0"/>
+        </a:xfrm>
+      </p:grpSpPr>
+      <p:sp>
+        <p:nvSpPr>
+          <p:cNvPr id="2" name="Title 1"/>
+          <p:cNvSpPr>
+            <a:spLocks noGrp="1"/>
+          </p:cNvSpPr>
+          <p:nvPr>
+            <p:ph type="title"/>
+          </p:nvPr>
+        </p:nvSpPr>
+        <p:spPr/>
+        <p:txBody>
+          <a:bodyPr/>
+          <a:lstStyle/>
+          <a:p>
+            <a:endParaRPr lang="en-IN"/>
+          </a:p>
+        </p:txBody>
+      </p:sp>
+      <p:sp>
+        <p:nvSpPr>
+          <p:cNvPr id="3" name="Content Placeholder 2"/>
+          <p:cNvSpPr>
+            <a:spLocks noGrp="1"/>
+          </p:cNvSpPr>
+          <p:nvPr>
+            <p:ph sz="half" idx="1"/>
+          </p:nvPr>
+        </p:nvSpPr>
+        <p:spPr/>
+        <p:txBody>
+          <a:bodyPr>
+            <a:normAutofit lnSpcReduction="10000"/>
+          </a:bodyPr>
+          <a:lstStyle/>
+          <a:p>
+            <a:pPr>
+              <a:buFont typeface="+mj-lt"/>
+              <a:buAutoNum type="arabicPeriod"/>
+            </a:pPr>
+            <a:r>
+              <a:rPr lang="en-US" dirty="0" smtClean="0"/>
+              <a:t>Ai content  creation services</a:t>
+            </a:r>
+            <a:r>
+              <a:rPr lang="en-IN" dirty="0" smtClean="0"/>
+              <a:t>(creating </a:t>
+            </a:r>
+            <a:r>
+              <a:rPr lang="en-IN" dirty="0" err="1" smtClean="0"/>
+              <a:t>blogs,social</a:t>
+            </a:r>
+            <a:r>
+              <a:rPr lang="en-IN" dirty="0" smtClean="0"/>
+              <a:t> media </a:t>
+            </a:r>
+            <a:r>
+              <a:rPr lang="en-IN" dirty="0" err="1" smtClean="0"/>
+              <a:t>post,marketing</a:t>
+            </a:r>
+            <a:r>
+              <a:rPr lang="en-IN" dirty="0" smtClean="0"/>
+              <a:t> copy, product description)</a:t>
+            </a:r>
+            <a:br>
+              <a:rPr lang="en-IN" dirty="0" smtClean="0"/>
+            </a:br>
+            <a:endParaRPr lang="en-IN" dirty="0" smtClean="0"/>
+          </a:p>
+          <a:p>
+            <a:pPr>
+              <a:buFont typeface="+mj-lt"/>
+              <a:buAutoNum type="arabicPeriod"/>
+            </a:pPr>
+            <a:r>
+              <a:rPr lang="en-US" dirty="0" smtClean="0"/>
+              <a:t>Online courses</a:t>
+            </a:r>
+          </a:p>
+          <a:p>
+            <a:pPr>
+              <a:buFont typeface="+mj-lt"/>
+              <a:buAutoNum type="arabicPeriod"/>
+            </a:pPr>
+            <a:r>
+              <a:rPr lang="en-US" dirty="0" err="1" smtClean="0"/>
+              <a:t>Youtube</a:t>
+            </a:r>
+            <a:r>
+              <a:rPr lang="en-US" dirty="0" smtClean="0"/>
+              <a:t> AI Automation</a:t>
+            </a:r>
+          </a:p>
+          <a:p>
+            <a:pPr>
+              <a:buFont typeface="+mj-lt"/>
+              <a:buAutoNum type="arabicPeriod"/>
+            </a:pPr>
+            <a:r>
+              <a:rPr lang="en-US" dirty="0" err="1" smtClean="0"/>
+              <a:t>Trnscribing</a:t>
+            </a:r>
+            <a:endParaRPr lang="en-US" dirty="0" smtClean="0"/>
+          </a:p>
+          <a:p>
+            <a:pPr>
+              <a:buFont typeface="+mj-lt"/>
+              <a:buAutoNum type="arabicPeriod"/>
+            </a:pPr>
+            <a:r>
+              <a:rPr lang="en-US" dirty="0" smtClean="0"/>
+              <a:t>Sell photos</a:t>
+            </a:r>
+          </a:p>
+          <a:p>
+            <a:pPr>
+              <a:buFont typeface="+mj-lt"/>
+              <a:buAutoNum type="arabicPeriod"/>
+            </a:pPr>
+            <a:r>
+              <a:rPr lang="en-US" dirty="0" smtClean="0"/>
+              <a:t>Test websites</a:t>
+            </a:r>
+          </a:p>
+          <a:p>
+            <a:pPr>
+              <a:buFont typeface="+mj-lt"/>
+              <a:buAutoNum type="arabicPeriod"/>
+            </a:pPr>
+            <a:r>
+              <a:rPr lang="en-US" dirty="0" smtClean="0"/>
+              <a:t>Online language tutors</a:t>
+            </a:r>
+          </a:p>
+        </p:txBody>
+      </p:sp>
+      <p:sp>
+        <p:nvSpPr>
+          <p:cNvPr id="4" name="Content Placeholder 3"/>
+          <p:cNvSpPr>
+            <a:spLocks noGrp="1"/>
+          </p:cNvSpPr>
+          <p:nvPr>
+            <p:ph sz="half" idx="2"/>
+          </p:nvPr>
+        </p:nvSpPr>
+        <p:spPr/>
+        <p:txBody>
+          <a:bodyPr>
+            <a:normAutofit lnSpcReduction="10000"/>
+          </a:bodyPr>
+          <a:lstStyle/>
+          <a:p>
+            <a:endParaRPr lang="en-IN"/>
+          </a:p>
+        </p:txBody>
+      </p:sp>
+    </p:spTree>
+    <p:extLst>
+      <p:ext uri="{BB962C8B-B14F-4D97-AF65-F5344CB8AC3E}">
+        <p14:creationId xmlns:p14="http://schemas.microsoft.com/office/powerpoint/2010/main" val="614680733"/>
+      </p:ext>
+    </p:extLst>
+  </p:cSld>
+  <p:clrMapOvr>
+    <a:masterClrMapping/>
+  </p:clrMapOvr>
+</p:sld>
+</file>
+
+<file path=ppt/slides/slide6.xml><?xml version="1.0" encoding="utf-8"?>
+<p:sld xmlns:a="http://schemas.openxmlformats.org/drawingml/2006/main" xmlns:r="http://schemas.openxmlformats.org/officeDocument/2006/relationships" xmlns:p="http://schemas.openxmlformats.org/presentationml/2006/main">
+  <p:cSld>
+    <p:spTree>
+      <p:nvGrpSpPr>
+        <p:cNvPr id="1" name=""/>
+        <p:cNvGrpSpPr/>
+        <p:nvPr/>
+      </p:nvGrpSpPr>
+      <p:grpSpPr>
+        <a:xfrm>
+          <a:off x="0" y="0"/>
+          <a:ext cx="0" cy="0"/>
+          <a:chOff x="0" y="0"/>
+          <a:chExt cx="0" cy="0"/>
+        </a:xfrm>
+      </p:grpSpPr>
+      <p:sp>
+        <p:nvSpPr>
+          <p:cNvPr id="2" name="Title 1"/>
+          <p:cNvSpPr>
+            <a:spLocks noGrp="1"/>
+          </p:cNvSpPr>
+          <p:nvPr>
+            <p:ph type="title"/>
+          </p:nvPr>
+        </p:nvSpPr>
+        <p:spPr/>
+        <p:txBody>
+          <a:bodyPr/>
+          <a:lstStyle/>
+          <a:p>
+            <a:endParaRPr lang="en-IN"/>
+          </a:p>
+        </p:txBody>
+      </p:sp>
+      <p:sp>
+        <p:nvSpPr>
+          <p:cNvPr id="3" name="Content Placeholder 2"/>
+          <p:cNvSpPr>
+            <a:spLocks noGrp="1"/>
+          </p:cNvSpPr>
+          <p:nvPr>
+            <p:ph sz="half" idx="1"/>
+          </p:nvPr>
+        </p:nvSpPr>
+        <p:spPr/>
+        <p:txBody>
+          <a:bodyPr>
+            <a:normAutofit fontScale="92500" lnSpcReduction="20000"/>
+          </a:bodyPr>
+          <a:lstStyle/>
+          <a:p>
+            <a:pPr>
+              <a:buFont typeface="+mj-lt"/>
+              <a:buAutoNum type="arabicPeriod"/>
+            </a:pPr>
+            <a:r>
+              <a:rPr lang="en-IN" dirty="0"/>
+              <a:t>1. Good Paid Internships (added advantage of overlap with degree &amp; syllabus</a:t>
+            </a:r>
+            <a:r>
+              <a:rPr lang="en-IN" dirty="0" smtClean="0"/>
+              <a:t>)</a:t>
+            </a:r>
+          </a:p>
+          <a:p>
+            <a:pPr marL="0" indent="0">
+              <a:buNone/>
+            </a:pPr>
+            <a:r>
+              <a:rPr lang="en-IN" dirty="0" smtClean="0"/>
+              <a:t>2. Web </a:t>
+            </a:r>
+            <a:r>
+              <a:rPr lang="en-IN" dirty="0"/>
+              <a:t>App </a:t>
+            </a:r>
+            <a:r>
+              <a:rPr lang="en-IN" dirty="0" smtClean="0"/>
+              <a:t>Development</a:t>
+            </a:r>
+          </a:p>
+          <a:p>
+            <a:pPr marL="0" indent="0">
+              <a:buNone/>
+            </a:pPr>
+            <a:r>
+              <a:rPr lang="en-IN" dirty="0" smtClean="0"/>
+              <a:t> </a:t>
+            </a:r>
+            <a:r>
+              <a:rPr lang="en-IN" dirty="0"/>
+              <a:t>3. Video Editing - story telling </a:t>
+            </a:r>
+            <a:endParaRPr lang="en-IN" dirty="0" smtClean="0"/>
+          </a:p>
+          <a:p>
+            <a:pPr marL="0" indent="0">
+              <a:buNone/>
+            </a:pPr>
+            <a:r>
+              <a:rPr lang="en-IN" dirty="0" smtClean="0"/>
+              <a:t>4</a:t>
+            </a:r>
+            <a:r>
+              <a:rPr lang="en-IN" dirty="0"/>
+              <a:t>. After Effects </a:t>
+            </a:r>
+            <a:endParaRPr lang="en-IN" dirty="0" smtClean="0"/>
+          </a:p>
+          <a:p>
+            <a:pPr marL="0" indent="0">
+              <a:buNone/>
+            </a:pPr>
+            <a:r>
+              <a:rPr lang="en-IN" dirty="0" smtClean="0"/>
+              <a:t>5</a:t>
+            </a:r>
+            <a:r>
+              <a:rPr lang="en-IN" dirty="0"/>
+              <a:t>. Digital Marketing &amp; selling </a:t>
+            </a:r>
+            <a:endParaRPr lang="en-IN" dirty="0" smtClean="0"/>
+          </a:p>
+          <a:p>
+            <a:pPr marL="0" indent="0">
+              <a:buNone/>
+            </a:pPr>
+            <a:r>
+              <a:rPr lang="en-IN" dirty="0" smtClean="0"/>
+              <a:t>6</a:t>
+            </a:r>
+            <a:r>
+              <a:rPr lang="en-IN" dirty="0"/>
+              <a:t>. Make Up Artist </a:t>
+            </a:r>
+            <a:endParaRPr lang="en-IN" dirty="0" smtClean="0"/>
+          </a:p>
+          <a:p>
+            <a:pPr marL="0" indent="0">
+              <a:buNone/>
+            </a:pPr>
+            <a:r>
+              <a:rPr lang="en-IN" dirty="0" smtClean="0"/>
+              <a:t>7</a:t>
+            </a:r>
+            <a:r>
+              <a:rPr lang="en-IN" dirty="0"/>
+              <a:t>. Drone </a:t>
+            </a:r>
+            <a:r>
+              <a:rPr lang="en-IN" dirty="0" smtClean="0"/>
+              <a:t>Pilot</a:t>
+            </a:r>
+          </a:p>
+          <a:p>
+            <a:pPr marL="0" indent="0">
+              <a:buNone/>
+            </a:pPr>
+            <a:r>
+              <a:rPr lang="en-IN" dirty="0" smtClean="0"/>
+              <a:t> </a:t>
+            </a:r>
+            <a:r>
+              <a:rPr lang="en-IN" dirty="0"/>
+              <a:t>8. Remote Customer Care executive </a:t>
+            </a:r>
+            <a:endParaRPr lang="en-IN" dirty="0" smtClean="0"/>
+          </a:p>
+          <a:p>
+            <a:pPr marL="0" indent="0">
+              <a:buNone/>
+            </a:pPr>
+            <a:r>
+              <a:rPr lang="en-IN" dirty="0" smtClean="0"/>
+              <a:t>9</a:t>
+            </a:r>
+            <a:r>
+              <a:rPr lang="en-IN" dirty="0"/>
+              <a:t>. Teaching Assistant in Coaching </a:t>
+            </a:r>
+            <a:r>
+              <a:rPr lang="en-IN" dirty="0" smtClean="0"/>
+              <a:t>Institutes</a:t>
+            </a:r>
+            <a:endParaRPr lang="en-IN" dirty="0"/>
+          </a:p>
+        </p:txBody>
+      </p:sp>
+      <p:sp>
+        <p:nvSpPr>
+          <p:cNvPr id="4" name="Content Placeholder 3"/>
+          <p:cNvSpPr>
+            <a:spLocks noGrp="1"/>
+          </p:cNvSpPr>
+          <p:nvPr>
+            <p:ph sz="half" idx="2"/>
+          </p:nvPr>
+        </p:nvSpPr>
+        <p:spPr/>
+        <p:txBody>
+          <a:bodyPr>
+            <a:normAutofit fontScale="92500" lnSpcReduction="20000"/>
+          </a:bodyPr>
+          <a:lstStyle/>
+          <a:p>
+            <a:r>
+              <a:rPr lang="en-IN" dirty="0"/>
+              <a:t>10. Social media manager &amp; creative input </a:t>
+            </a:r>
+            <a:endParaRPr lang="en-IN" dirty="0" smtClean="0"/>
+          </a:p>
+          <a:p>
+            <a:r>
+              <a:rPr lang="en-IN" dirty="0" smtClean="0"/>
+              <a:t>11</a:t>
+            </a:r>
+            <a:r>
+              <a:rPr lang="en-IN" dirty="0"/>
+              <a:t>. Script Writer/Content Writing/Ghost writer </a:t>
+            </a:r>
+            <a:endParaRPr lang="en-IN" dirty="0" smtClean="0"/>
+          </a:p>
+          <a:p>
+            <a:r>
+              <a:rPr lang="en-IN" dirty="0" smtClean="0"/>
+              <a:t>12</a:t>
+            </a:r>
+            <a:r>
+              <a:rPr lang="en-IN" dirty="0"/>
+              <a:t>. Graphic Design - UI/UX </a:t>
+            </a:r>
+            <a:endParaRPr lang="en-IN" dirty="0" smtClean="0"/>
+          </a:p>
+          <a:p>
+            <a:r>
+              <a:rPr lang="en-IN" dirty="0" smtClean="0"/>
+              <a:t>13</a:t>
+            </a:r>
+            <a:r>
+              <a:rPr lang="en-IN" dirty="0"/>
+              <a:t>. Remote Online Sales Executive 14. Drop shipping </a:t>
+            </a:r>
+            <a:endParaRPr lang="en-IN" dirty="0" smtClean="0"/>
+          </a:p>
+          <a:p>
+            <a:r>
+              <a:rPr lang="en-IN" dirty="0" smtClean="0"/>
+              <a:t>15</a:t>
+            </a:r>
+            <a:r>
+              <a:rPr lang="en-IN" dirty="0"/>
+              <a:t>. Marriage Cinematography </a:t>
+            </a:r>
+            <a:endParaRPr lang="en-IN" dirty="0" smtClean="0"/>
+          </a:p>
+          <a:p>
+            <a:r>
+              <a:rPr lang="en-IN" dirty="0" smtClean="0"/>
+              <a:t>16</a:t>
+            </a:r>
+            <a:r>
+              <a:rPr lang="en-IN" dirty="0"/>
+              <a:t>. Marriage Photographer </a:t>
+            </a:r>
+            <a:endParaRPr lang="en-IN" dirty="0" smtClean="0"/>
+          </a:p>
+          <a:p>
+            <a:r>
+              <a:rPr lang="en-IN" dirty="0" smtClean="0"/>
+              <a:t>17</a:t>
+            </a:r>
+            <a:r>
+              <a:rPr lang="en-IN" dirty="0"/>
+              <a:t>. Social Media Creator</a:t>
+            </a:r>
+          </a:p>
+          <a:p>
+            <a:endParaRPr lang="en-IN" dirty="0"/>
+          </a:p>
+        </p:txBody>
+      </p:sp>
+    </p:spTree>
+    <p:extLst>
+      <p:ext uri="{BB962C8B-B14F-4D97-AF65-F5344CB8AC3E}">
+        <p14:creationId xmlns:p14="http://schemas.microsoft.com/office/powerpoint/2010/main" val="1771537265"/>
+      </p:ext>
+    </p:extLst>
+  </p:cSld>
+  <p:clrMapOvr>
+    <a:masterClrMapping/>
+  </p:clrMapOvr>
+</p:sld>
+</file>
+
+<file path=ppt/slides/slide7.xml><?xml version="1.0" encoding="utf-8"?>
+<p:sld xmlns:a="http://schemas.openxmlformats.org/drawingml/2006/main" xmlns:r="http://schemas.openxmlformats.org/officeDocument/2006/relationships" xmlns:p="http://schemas.openxmlformats.org/presentationml/2006/main">
+  <p:cSld>
+    <p:spTree>
+      <p:nvGrpSpPr>
+        <p:cNvPr id="1" name=""/>
+        <p:cNvGrpSpPr/>
+        <p:nvPr/>
+      </p:nvGrpSpPr>
+      <p:grpSpPr>
+        <a:xfrm>
+          <a:off x="0" y="0"/>
+          <a:ext cx="0" cy="0"/>
+          <a:chOff x="0" y="0"/>
+          <a:chExt cx="0" cy="0"/>
+        </a:xfrm>
+      </p:grpSpPr>
+      <p:sp>
+        <p:nvSpPr>
+          <p:cNvPr id="2" name="Title 1"/>
+          <p:cNvSpPr>
+            <a:spLocks noGrp="1"/>
+          </p:cNvSpPr>
+          <p:nvPr>
+            <p:ph type="title"/>
+          </p:nvPr>
+        </p:nvSpPr>
+        <p:spPr/>
+        <p:txBody>
+          <a:bodyPr/>
+          <a:lstStyle/>
+          <a:p>
+            <a:endParaRPr lang="en-IN"/>
+          </a:p>
+        </p:txBody>
+      </p:sp>
+      <p:sp>
+        <p:nvSpPr>
+          <p:cNvPr id="3" name="Content Placeholder 2"/>
+          <p:cNvSpPr>
+            <a:spLocks noGrp="1"/>
+          </p:cNvSpPr>
+          <p:nvPr>
+            <p:ph sz="half" idx="1"/>
+          </p:nvPr>
+        </p:nvSpPr>
+        <p:spPr/>
+        <p:txBody>
+          <a:bodyPr/>
+          <a:lstStyle/>
+          <a:p>
+            <a:pPr>
+              <a:buFont typeface="+mj-lt"/>
+              <a:buAutoNum type="arabicPeriod"/>
+            </a:pPr>
+            <a:r>
+              <a:rPr lang="en-US" dirty="0" err="1" smtClean="0"/>
+              <a:t>Youtube</a:t>
+            </a:r>
+            <a:r>
+              <a:rPr lang="en-US" dirty="0" smtClean="0"/>
+              <a:t> Automation</a:t>
+            </a:r>
+          </a:p>
+          <a:p>
+            <a:pPr>
+              <a:buFont typeface="+mj-lt"/>
+              <a:buAutoNum type="arabicPeriod"/>
+            </a:pPr>
+            <a:r>
+              <a:rPr lang="en-US" dirty="0" smtClean="0"/>
+              <a:t>Freelancing </a:t>
+            </a:r>
+          </a:p>
+          <a:p>
+            <a:pPr>
+              <a:buFont typeface="+mj-lt"/>
+              <a:buAutoNum type="arabicPeriod"/>
+            </a:pPr>
+            <a:r>
+              <a:rPr lang="en-US" dirty="0" smtClean="0"/>
+              <a:t>Instagram theme pages</a:t>
+            </a:r>
+          </a:p>
+          <a:p>
+            <a:pPr>
+              <a:buFont typeface="+mj-lt"/>
+              <a:buAutoNum type="arabicPeriod"/>
+            </a:pPr>
+            <a:r>
+              <a:rPr lang="en-US" dirty="0" err="1" smtClean="0"/>
+              <a:t>Dropshipping</a:t>
+            </a:r>
+            <a:r>
+              <a:rPr lang="en-US" dirty="0" smtClean="0"/>
+              <a:t> </a:t>
+            </a:r>
+          </a:p>
+          <a:p>
+            <a:pPr>
+              <a:buFont typeface="+mj-lt"/>
+              <a:buAutoNum type="arabicPeriod"/>
+            </a:pPr>
+            <a:r>
+              <a:rPr lang="en-US" dirty="0" smtClean="0"/>
+              <a:t>Blogging</a:t>
+            </a:r>
+          </a:p>
+          <a:p>
+            <a:pPr>
+              <a:buFont typeface="+mj-lt"/>
+              <a:buAutoNum type="arabicPeriod"/>
+            </a:pPr>
+            <a:r>
+              <a:rPr lang="en-US" dirty="0" smtClean="0"/>
+              <a:t>Online tutoring </a:t>
+            </a:r>
+          </a:p>
+          <a:p>
+            <a:pPr>
+              <a:buFont typeface="+mj-lt"/>
+              <a:buAutoNum type="arabicPeriod"/>
+            </a:pPr>
+            <a:r>
+              <a:rPr lang="en-US" dirty="0" err="1" smtClean="0"/>
+              <a:t>Esty</a:t>
+            </a:r>
+            <a:r>
+              <a:rPr lang="en-US" dirty="0" smtClean="0"/>
+              <a:t> </a:t>
+            </a:r>
+          </a:p>
+          <a:p>
+            <a:pPr>
+              <a:buFont typeface="+mj-lt"/>
+              <a:buAutoNum type="arabicPeriod"/>
+            </a:pPr>
+            <a:r>
+              <a:rPr lang="en-US" dirty="0" smtClean="0"/>
+              <a:t>Social media marketing</a:t>
+            </a:r>
+          </a:p>
+          <a:p>
+            <a:pPr>
+              <a:buFont typeface="+mj-lt"/>
+              <a:buAutoNum type="arabicPeriod"/>
+            </a:pPr>
+            <a:r>
+              <a:rPr lang="en-US" dirty="0" smtClean="0"/>
+              <a:t>Create digital products</a:t>
+            </a:r>
+            <a:endParaRPr lang="en-IN" dirty="0"/>
+          </a:p>
+        </p:txBody>
+      </p:sp>
+      <p:sp>
+        <p:nvSpPr>
+          <p:cNvPr id="4" name="Content Placeholder 3"/>
+          <p:cNvSpPr>
+            <a:spLocks noGrp="1"/>
+          </p:cNvSpPr>
+          <p:nvPr>
+            <p:ph sz="half" idx="2"/>
+          </p:nvPr>
+        </p:nvSpPr>
+        <p:spPr/>
+        <p:txBody>
+          <a:bodyPr/>
+          <a:lstStyle/>
+          <a:p>
+            <a:pPr>
+              <a:buFont typeface="+mj-lt"/>
+              <a:buAutoNum type="arabicPeriod"/>
+            </a:pPr>
+            <a:r>
+              <a:rPr lang="en-US" dirty="0" smtClean="0"/>
+              <a:t>Scriptwriting</a:t>
+            </a:r>
+          </a:p>
+          <a:p>
+            <a:pPr>
+              <a:buFont typeface="+mj-lt"/>
+              <a:buAutoNum type="arabicPeriod"/>
+            </a:pPr>
+            <a:r>
+              <a:rPr lang="en-US" dirty="0" smtClean="0"/>
+              <a:t>Video editing</a:t>
+            </a:r>
+          </a:p>
+          <a:p>
+            <a:pPr>
+              <a:buFont typeface="+mj-lt"/>
+              <a:buAutoNum type="arabicPeriod"/>
+            </a:pPr>
+            <a:r>
+              <a:rPr lang="en-US" dirty="0" smtClean="0"/>
+              <a:t>Content creation</a:t>
+            </a:r>
+          </a:p>
+          <a:p>
+            <a:pPr>
+              <a:buFont typeface="+mj-lt"/>
+              <a:buAutoNum type="arabicPeriod"/>
+            </a:pPr>
+            <a:endParaRPr lang="en-US" dirty="0" smtClean="0"/>
+          </a:p>
+          <a:p>
+            <a:pPr>
+              <a:buFont typeface="+mj-lt"/>
+              <a:buAutoNum type="arabicPeriod"/>
+            </a:pPr>
+            <a:endParaRPr lang="en-IN" dirty="0"/>
+          </a:p>
+        </p:txBody>
+      </p:sp>
+    </p:spTree>
+    <p:extLst>
+      <p:ext uri="{BB962C8B-B14F-4D97-AF65-F5344CB8AC3E}">
+        <p14:creationId xmlns:p14="http://schemas.microsoft.com/office/powerpoint/2010/main" val="896241139"/>
+      </p:ext>
+    </p:extLst>
+  </p:cSld>
+  <p:clrMapOvr>
+    <a:masterClrMapping/>
+  </p:clrMapOvr>
+</p:sld>
+</file>
+
+<file path=ppt/slides/slide8.xml><?xml version="1.0" encoding="utf-8"?>
 <p:sld xmlns:a="http://schemas.openxmlformats.org/drawingml/2006/main" xmlns:p="http://schemas.openxmlformats.org/presentationml/2006/main" xmlns:r="http://schemas.openxmlformats.org/officeDocument/2006/relationships">
   <p:cSld>
     <p:spTree>
@@ -3160,7 +9642,7 @@
             <a:spLocks noGrp="1"/>
           </p:cNvSpPr>
           <p:nvPr>
-            <p:ph type="title"/>
+            <p:ph type="ctrTitle"/>
           </p:nvPr>
         </p:nvSpPr>
         <p:spPr/>
@@ -3176,49 +9658,21 @@
       </p:sp>
       <p:sp>
         <p:nvSpPr>
-          <p:cNvPr id="3" name="Content Placeholder 2"/>
-          <p:cNvSpPr>
-            <a:spLocks noGrp="1"/>
-          </p:cNvSpPr>
-          <p:nvPr>
-            <p:ph idx="1"/>
+          <p:cNvPr id="3" name="Subtitle 2"/>
+          <p:cNvSpPr>
+            <a:spLocks noGrp="1"/>
+          </p:cNvSpPr>
+          <p:nvPr>
+            <p:ph type="subTitle" idx="1"/>
           </p:nvPr>
         </p:nvSpPr>
         <p:spPr/>
         <p:txBody>
-          <a:bodyPr wrap="square"/>
+          <a:bodyPr/>
           <a:lstStyle/>
-          <a:p/>
-          <a:p>
-            <a:pPr>
-              <a:defRPr sz="1800"/>
-            </a:pPr>
-            <a:r>
-              <a:t>Data Mining is the process of extracting valuable insights and knowledge from large datasets.</a:t>
-            </a:r>
-          </a:p>
-          <a:p>
-            <a:pPr>
-              <a:defRPr sz="1800"/>
-            </a:pPr>
-            <a:r>
-              <a:t>It utilizes statistical and computational techniques to uncover hidden patterns, relationships, and trends.</a:t>
-            </a:r>
-          </a:p>
-          <a:p>
-            <a:pPr>
-              <a:defRPr sz="1800"/>
-            </a:pPr>
-            <a:r>
-              <a:t>Data sources can be diverse, including structured databases, semi-structured data warehouses, or unstructured data lakes.</a:t>
-            </a:r>
-          </a:p>
-          <a:p>
-            <a:pPr>
-              <a:defRPr sz="1800"/>
-            </a:pPr>
-            <a:r>
-              <a:t>The field employs a wide array of algorithms tailored for different analytical tasks.</a:t>
+          <a:p>
+            <a:r>
+              <a:t>Generated by Gemini</a:t>
             </a:r>
           </a:p>
         </p:txBody>
@@ -3231,7 +9685,7 @@
 </p:sld>
 </file>
 
-<file path=ppt/slides/slide3.xml><?xml version="1.0" encoding="utf-8"?>
+<file path=ppt/slides/slide9.xml><?xml version="1.0" encoding="utf-8"?>
 <p:sld xmlns:a="http://schemas.openxmlformats.org/drawingml/2006/main" xmlns:p="http://schemas.openxmlformats.org/presentationml/2006/main" xmlns:r="http://schemas.openxmlformats.org/officeDocument/2006/relationships">
   <p:cSld>
     <p:spTree>
@@ -3257,7 +9711,7 @@
           <a:lstStyle/>
           <a:p>
             <a:r>
-              <a:t>Why Data Mining Matters Today</a:t>
+              <a:t>Introduction to Data Mining</a:t>
             </a:r>
           </a:p>
         </p:txBody>
@@ -3278,347 +9732,33 @@
           <a:lstStyle/>
           <a:p/>
           <a:p>
-            <a:pPr>
-              <a:defRPr sz="1800"/>
-            </a:pPr>
-            <a:r>
-              <a:t>Today, data is generated at an unprecedented rate with every digital interaction and purchase.</a:t>
-            </a:r>
-          </a:p>
-          <a:p>
-            <a:pPr>
-              <a:defRPr sz="1800"/>
-            </a:pPr>
-            <a:r>
-              <a:t>Companies leverage this vast amount of data to make smart, data-driven decisions.</a:t>
-            </a:r>
-          </a:p>
-          <a:p>
-            <a:pPr>
-              <a:defRPr sz="1800"/>
-            </a:pPr>
-            <a:r>
-              <a:t>Data mining helps businesses understand customer behavior, optimize operations, and maintain a competitive edge.</a:t>
-            </a:r>
-          </a:p>
-          <a:p>
-            <a:pPr>
-              <a:defRPr sz="1800"/>
-            </a:pPr>
-            <a:r>
-              <a:t>It transforms raw data into actionable intelligence for solving business problems and making future predictions.</a:t>
-            </a:r>
-          </a:p>
-        </p:txBody>
-      </p:sp>
-    </p:spTree>
-  </p:cSld>
-  <p:clrMapOvr>
-    <a:masterClrMapping/>
-  </p:clrMapOvr>
-</p:sld>
-</file>
-
-<file path=ppt/slides/slide4.xml><?xml version="1.0" encoding="utf-8"?>
-<p:sld xmlns:a="http://schemas.openxmlformats.org/drawingml/2006/main" xmlns:p="http://schemas.openxmlformats.org/presentationml/2006/main" xmlns:r="http://schemas.openxmlformats.org/officeDocument/2006/relationships">
-  <p:cSld>
-    <p:spTree>
-      <p:nvGrpSpPr>
-        <p:cNvPr id="1" name=""/>
-        <p:cNvGrpSpPr/>
-        <p:nvPr/>
-      </p:nvGrpSpPr>
-      <p:grpSpPr/>
-      <p:sp>
-        <p:nvSpPr>
-          <p:cNvPr id="2" name="Title 1"/>
-          <p:cNvSpPr>
-            <a:spLocks noGrp="1"/>
-          </p:cNvSpPr>
-          <p:nvPr>
-            <p:ph type="title"/>
-          </p:nvPr>
-        </p:nvSpPr>
-        <p:spPr/>
-        <p:txBody>
-          <a:bodyPr/>
-          <a:lstStyle/>
-          <a:p>
-            <a:r>
-              <a:t>Core Components of Data Mining</a:t>
-            </a:r>
-          </a:p>
-        </p:txBody>
-      </p:sp>
-      <p:sp>
-        <p:nvSpPr>
-          <p:cNvPr id="3" name="Content Placeholder 2"/>
-          <p:cNvSpPr>
-            <a:spLocks noGrp="1"/>
-          </p:cNvSpPr>
-          <p:nvPr>
-            <p:ph idx="1"/>
-          </p:nvPr>
-        </p:nvSpPr>
-        <p:spPr/>
-        <p:txBody>
-          <a:bodyPr wrap="square"/>
-          <a:lstStyle/>
-          <a:p/>
-          <a:p>
-            <a:pPr>
-              <a:defRPr sz="1800"/>
-            </a:pPr>
-            <a:r>
-              <a:t>Machine Learning (ML): Essential for building predictive models and automating pattern discovery.</a:t>
-            </a:r>
-          </a:p>
-          <a:p>
-            <a:pPr>
-              <a:defRPr sz="1800"/>
-            </a:pPr>
-            <a:r>
-              <a:t>Statistics: Used for data analysis, hypothesis testing, and interpreting findings (e.g., Mean, Mode, Median).</a:t>
-            </a:r>
-          </a:p>
-          <a:p>
-            <a:pPr>
-              <a:defRPr sz="1800"/>
-            </a:pPr>
-            <a:r>
-              <a:t>Database Systems &amp; Data Warehousing: Crucial for efficient storage, retrieval, and management of large datasets.</a:t>
-            </a:r>
-          </a:p>
-          <a:p>
-            <a:pPr>
-              <a:defRPr sz="1800"/>
-            </a:pPr>
-            <a:r>
-              <a:t>Information Retrieval: Techniques for finding relevant information, especially in unstructured data.</a:t>
-            </a:r>
-          </a:p>
-          <a:p>
-            <a:pPr>
-              <a:defRPr sz="1800"/>
-            </a:pPr>
-            <a:r>
-              <a:t>High-Performance Computing: Enables processing of massive datasets and complex algorithms efficiently.</a:t>
-            </a:r>
-          </a:p>
-          <a:p>
-            <a:pPr>
-              <a:defRPr sz="1800"/>
-            </a:pPr>
-            <a:r>
-              <a:t>Visualization: For presenting complex data insights clearly and effectively.</a:t>
-            </a:r>
-          </a:p>
-          <a:p>
-            <a:pPr>
-              <a:defRPr sz="1800"/>
-            </a:pPr>
-            <a:r>
-              <a:t>Pattern Recognition: Identifying recurring patterns and regularities within data.</a:t>
-            </a:r>
-          </a:p>
-        </p:txBody>
-      </p:sp>
-    </p:spTree>
-  </p:cSld>
-  <p:clrMapOvr>
-    <a:masterClrMapping/>
-  </p:clrMapOvr>
-</p:sld>
-</file>
-
-<file path=ppt/slides/slide5.xml><?xml version="1.0" encoding="utf-8"?>
-<p:sld xmlns:a="http://schemas.openxmlformats.org/drawingml/2006/main" xmlns:p="http://schemas.openxmlformats.org/presentationml/2006/main" xmlns:r="http://schemas.openxmlformats.org/officeDocument/2006/relationships">
-  <p:cSld>
-    <p:spTree>
-      <p:nvGrpSpPr>
-        <p:cNvPr id="1" name=""/>
-        <p:cNvGrpSpPr/>
-        <p:nvPr/>
-      </p:nvGrpSpPr>
-      <p:grpSpPr/>
-      <p:sp>
-        <p:nvSpPr>
-          <p:cNvPr id="2" name="Title 1"/>
-          <p:cNvSpPr>
-            <a:spLocks noGrp="1"/>
-          </p:cNvSpPr>
-          <p:nvPr>
-            <p:ph type="title"/>
-          </p:nvPr>
-        </p:nvSpPr>
-        <p:spPr/>
-        <p:txBody>
-          <a:bodyPr/>
-          <a:lstStyle/>
-          <a:p>
-            <a:r>
-              <a:t>Common Applications of Data Mining</a:t>
-            </a:r>
-          </a:p>
-        </p:txBody>
-      </p:sp>
-      <p:sp>
-        <p:nvSpPr>
-          <p:cNvPr id="3" name="Content Placeholder 2"/>
-          <p:cNvSpPr>
-            <a:spLocks noGrp="1"/>
-          </p:cNvSpPr>
-          <p:nvPr>
-            <p:ph idx="1"/>
-          </p:nvPr>
-        </p:nvSpPr>
-        <p:spPr/>
-        <p:txBody>
-          <a:bodyPr wrap="square"/>
-          <a:lstStyle/>
-          <a:p/>
-          <a:p>
-            <a:pPr>
-              <a:defRPr sz="1800"/>
-            </a:pPr>
-            <a:r>
-              <a:t>Customer Segmentation: Grouping customers based on shared characteristics to tailor marketing strategies and personalize experiences.</a:t>
-            </a:r>
-          </a:p>
-          <a:p>
-            <a:pPr>
-              <a:defRPr sz="1800"/>
-            </a:pPr>
-            <a:r>
-              <a:t>Market Basket Analysis: Discovering associations between products frequently bought together to optimize product placement and promotions.</a:t>
-            </a:r>
-          </a:p>
-          <a:p>
-            <a:pPr>
-              <a:defRPr sz="1800"/>
-            </a:pPr>
-            <a:r>
-              <a:t>Predictive Modeling: Forecasting future outcomes such as sales trends, customer churn, or potential risks.</a:t>
-            </a:r>
-          </a:p>
-          <a:p>
-            <a:pPr>
-              <a:defRPr sz="1800"/>
-            </a:pPr>
-            <a:r>
-              <a:t>Fraud Detection: Identifying unusual patterns that might indicate fraudulent activities in various sectors like finance and insurance.</a:t>
-            </a:r>
-          </a:p>
-          <a:p>
-            <a:pPr>
-              <a:defRPr sz="1800"/>
-            </a:pPr>
-            <a:r>
-              <a:t>Widely adopted across diverse industries including finance, healthcare, retail, and telecommunications for informed decision-making.</a:t>
-            </a:r>
-          </a:p>
-        </p:txBody>
-      </p:sp>
-    </p:spTree>
-  </p:cSld>
-  <p:clrMapOvr>
-    <a:masterClrMapping/>
-  </p:clrMapOvr>
-</p:sld>
-</file>
-
-<file path=ppt/slides/slide6.xml><?xml version="1.0" encoding="utf-8"?>
-<p:sld xmlns:a="http://schemas.openxmlformats.org/drawingml/2006/main" xmlns:p="http://schemas.openxmlformats.org/presentationml/2006/main" xmlns:r="http://schemas.openxmlformats.org/officeDocument/2006/relationships">
-  <p:cSld>
-    <p:spTree>
-      <p:nvGrpSpPr>
-        <p:cNvPr id="1" name=""/>
-        <p:cNvGrpSpPr/>
-        <p:nvPr/>
-      </p:nvGrpSpPr>
-      <p:grpSpPr/>
-      <p:sp>
-        <p:nvSpPr>
-          <p:cNvPr id="2" name="Title 1"/>
-          <p:cNvSpPr>
-            <a:spLocks noGrp="1"/>
-          </p:cNvSpPr>
-          <p:nvPr>
-            <p:ph type="title"/>
-          </p:nvPr>
-        </p:nvSpPr>
-        <p:spPr/>
-        <p:txBody>
-          <a:bodyPr/>
-          <a:lstStyle/>
-          <a:p>
-            <a:r>
-              <a:t>The Data Mining Process</a:t>
-            </a:r>
-          </a:p>
-        </p:txBody>
-      </p:sp>
-      <p:sp>
-        <p:nvSpPr>
-          <p:cNvPr id="3" name="Content Placeholder 2"/>
-          <p:cNvSpPr>
-            <a:spLocks noGrp="1"/>
-          </p:cNvSpPr>
-          <p:nvPr>
-            <p:ph idx="1"/>
-          </p:nvPr>
-        </p:nvSpPr>
-        <p:spPr/>
-        <p:txBody>
-          <a:bodyPr wrap="square"/>
-          <a:lstStyle/>
-          <a:p/>
-          <a:p>
-            <a:pPr>
-              <a:defRPr sz="1800"/>
-            </a:pPr>
-            <a:r>
-              <a:t>1. Data Cleaning &amp; Integration: Extracting relevant data from various sources and combining it into a unified view.</a:t>
-            </a:r>
-          </a:p>
-          <a:p>
-            <a:pPr>
-              <a:defRPr sz="1800"/>
-            </a:pPr>
-            <a:r>
-              <a:t>2. Data Pre-processing: Handling noisy data, removing inconsistencies, and addressing missing values to ensure data quality.</a:t>
-            </a:r>
-          </a:p>
-          <a:p>
-            <a:pPr>
-              <a:defRPr sz="1800"/>
-            </a:pPr>
-            <a:r>
-              <a:t>3. Pattern Recognition &amp; Machine Learning: Applying algorithms (e.g., Classification, Clustering, Regression) to discover hidden patterns and build models.</a:t>
-            </a:r>
-          </a:p>
-          <a:p>
-            <a:pPr>
-              <a:defRPr sz="1800"/>
-            </a:pPr>
-            <a:r>
-              <a:t>4. Statistical Analysis: Using statistical methods to summarize, describe, and infer meaningful insights from the processed data.</a:t>
-            </a:r>
-          </a:p>
-          <a:p>
-            <a:pPr>
-              <a:defRPr sz="1800"/>
-            </a:pPr>
-            <a:r>
-              <a:t>5. Evaluation &amp; Interpretation: Assessing the validity, significance, and actionable potential of the discovered patterns and models.</a:t>
-            </a:r>
-          </a:p>
-          <a:p>
-            <a:pPr>
-              <a:defRPr sz="1800"/>
-            </a:pPr>
-            <a:r>
-              <a:t>6. Data Presentation &amp; Visualization: Communicating findings effectively to stakeholders using charts, graphs, and interactive dashboards.</a:t>
+            <a:pPr/>
+            <a:r>
+              <a:t>Data Mining is the process of extracting valuable insights and patterns from large datasets.</a:t>
+            </a:r>
+          </a:p>
+          <a:p>
+            <a:pPr/>
+            <a:r>
+              <a:t>It leverages statistical, computational, and machine learning techniques to discover hidden relationships and trends.</a:t>
+            </a:r>
+          </a:p>
+          <a:p>
+            <a:pPr/>
+            <a:r>
+              <a:t>Handles various data types: structured (databases), semi-structured, and unstructured (data warehouses, data lakes).</a:t>
+            </a:r>
+          </a:p>
+          <a:p>
+            <a:pPr/>
+            <a:r>
+              <a:t>Essential for modern businesses to make smart decisions, understand customer behavior, and maintain a competitive edge.</a:t>
+            </a:r>
+          </a:p>
+          <a:p>
+            <a:pPr/>
+            <a:r>
+              <a:t>Involves a diverse set of algorithms designed for different analytical tasks.</a:t>
             </a:r>
           </a:p>
         </p:txBody>
@@ -3632,9 +9772,9 @@
 </file>
 
 <file path=ppt/theme/theme1.xml><?xml version="1.0" encoding="utf-8"?>
-<a:theme xmlns:a="http://schemas.openxmlformats.org/drawingml/2006/main" name="Office Theme">
+<a:theme xmlns:a="http://schemas.openxmlformats.org/drawingml/2006/main" name="Wisp">
   <a:themeElements>
-    <a:clrScheme name="Office">
+    <a:clrScheme name="Wisp">
       <a:dk1>
         <a:sysClr val="windowText" lastClr="000000"/>
       </a:dk1>
@@ -3642,83 +9782,48 @@
         <a:sysClr val="window" lastClr="FFFFFF"/>
       </a:lt1>
       <a:dk2>
-        <a:srgbClr val="1F497D"/>
+        <a:srgbClr val="2E5369"/>
       </a:dk2>
       <a:lt2>
-        <a:srgbClr val="EEECE1"/>
+        <a:srgbClr val="CFE2E7"/>
       </a:lt2>
       <a:accent1>
-        <a:srgbClr val="4F81BD"/>
+        <a:srgbClr val="353535"/>
       </a:accent1>
       <a:accent2>
-        <a:srgbClr val="C0504D"/>
+        <a:srgbClr val="31B4E6"/>
       </a:accent2>
       <a:accent3>
-        <a:srgbClr val="9BBB59"/>
+        <a:srgbClr val="265991"/>
       </a:accent3>
       <a:accent4>
-        <a:srgbClr val="8064A2"/>
+        <a:srgbClr val="7E40CC"/>
       </a:accent4>
       <a:accent5>
-        <a:srgbClr val="4BACC6"/>
+        <a:srgbClr val="B927E9"/>
       </a:accent5>
       <a:accent6>
-        <a:srgbClr val="F79646"/>
+        <a:srgbClr val="E833BF"/>
       </a:accent6>
       <a:hlink>
-        <a:srgbClr val="0000FF"/>
+        <a:srgbClr val="2DA0F1"/>
       </a:hlink>
       <a:folHlink>
-        <a:srgbClr val="800080"/>
+        <a:srgbClr val="7ED1E6"/>
       </a:folHlink>
     </a:clrScheme>
-    <a:fontScheme name="Office">
+    <a:fontScheme name="Wisp">
       <a:majorFont>
-        <a:latin typeface="Calibri"/>
+        <a:latin typeface="Century Gothic" panose="020B0502020202020204"/>
         <a:ea typeface=""/>
         <a:cs typeface=""/>
-        <a:font script="Jpan" typeface="ＭＳ Ｐゴシック"/>
-        <a:font script="Hang" typeface="맑은 고딕"/>
-        <a:font script="Hans" typeface="宋体"/>
-        <a:font script="Hant" typeface="新細明體"/>
-        <a:font script="Arab" typeface="Times New Roman"/>
-        <a:font script="Hebr" typeface="Times New Roman"/>
-        <a:font script="Thai" typeface="Angsana New"/>
-        <a:font script="Ethi" typeface="Nyala"/>
-        <a:font script="Beng" typeface="Vrinda"/>
-        <a:font script="Gujr" typeface="Shruti"/>
-        <a:font script="Khmr" typeface="MoolBoran"/>
-        <a:font script="Knda" typeface="Tunga"/>
-        <a:font script="Guru" typeface="Raavi"/>
-        <a:font script="Cans" typeface="Euphemia"/>
-        <a:font script="Cher" typeface="Plantagenet Cherokee"/>
-        <a:font script="Yiii" typeface="Microsoft Yi Baiti"/>
-        <a:font script="Tibt" typeface="Microsoft Himalaya"/>
-        <a:font script="Thaa" typeface="MV Boli"/>
-        <a:font script="Deva" typeface="Mangal"/>
-        <a:font script="Telu" typeface="Gautami"/>
-        <a:font script="Taml" typeface="Latha"/>
-        <a:font script="Syrc" typeface="Estrangelo Edessa"/>
-        <a:font script="Orya" typeface="Kalinga"/>
-        <a:font script="Mlym" typeface="Kartika"/>
-        <a:font script="Laoo" typeface="DokChampa"/>
-        <a:font script="Sinh" typeface="Iskoola Pota"/>
-        <a:font script="Mong" typeface="Mongolian Baiti"/>
-        <a:font script="Viet" typeface="Times New Roman"/>
-        <a:font script="Uigh" typeface="Microsoft Uighur"/>
-        <a:font script="Geor" typeface="Sylfaen"/>
-      </a:majorFont>
-      <a:minorFont>
-        <a:latin typeface="Calibri"/>
-        <a:ea typeface=""/>
-        <a:cs typeface=""/>
-        <a:font script="Jpan" typeface="ＭＳ Ｐゴシック"/>
-        <a:font script="Hang" typeface="맑은 고딕"/>
-        <a:font script="Hans" typeface="宋体"/>
-        <a:font script="Hant" typeface="新細明體"/>
-        <a:font script="Arab" typeface="Arial"/>
-        <a:font script="Hebr" typeface="Arial"/>
-        <a:font script="Thai" typeface="Cordia New"/>
+        <a:font script="Jpan" typeface="メイリオ"/>
+        <a:font script="Hang" typeface="HY중고딕"/>
+        <a:font script="Hans" typeface="幼圆"/>
+        <a:font script="Hant" typeface="微軟正黑體"/>
+        <a:font script="Arab" typeface="Tahoma"/>
+        <a:font script="Hebr" typeface="Gisha"/>
+        <a:font script="Thai" typeface="DilleniaUPC"/>
         <a:font script="Ethi" typeface="Nyala"/>
         <a:font script="Beng" typeface="Vrinda"/>
         <a:font script="Gujr" typeface="Shruti"/>
@@ -3739,76 +9844,91 @@
         <a:font script="Laoo" typeface="DokChampa"/>
         <a:font script="Sinh" typeface="Iskoola Pota"/>
         <a:font script="Mong" typeface="Mongolian Baiti"/>
-        <a:font script="Viet" typeface="Arial"/>
+        <a:font script="Viet" typeface="Tahoma"/>
+        <a:font script="Uigh" typeface="Microsoft Uighur"/>
+        <a:font script="Geor" typeface="Sylfaen"/>
+      </a:majorFont>
+      <a:minorFont>
+        <a:latin typeface="Century Gothic" panose="020B0502020202020204"/>
+        <a:ea typeface=""/>
+        <a:cs typeface=""/>
+        <a:font script="Jpan" typeface="メイリオ"/>
+        <a:font script="Hang" typeface="HY중고딕"/>
+        <a:font script="Hans" typeface="幼圆"/>
+        <a:font script="Hant" typeface="微軟正黑體"/>
+        <a:font script="Arab" typeface="Tahoma"/>
+        <a:font script="Hebr" typeface="Gisha"/>
+        <a:font script="Thai" typeface="DilleniaUPC"/>
+        <a:font script="Ethi" typeface="Nyala"/>
+        <a:font script="Beng" typeface="Vrinda"/>
+        <a:font script="Gujr" typeface="Shruti"/>
+        <a:font script="Khmr" typeface="DaunPenh"/>
+        <a:font script="Knda" typeface="Tunga"/>
+        <a:font script="Guru" typeface="Raavi"/>
+        <a:font script="Cans" typeface="Euphemia"/>
+        <a:font script="Cher" typeface="Plantagenet Cherokee"/>
+        <a:font script="Yiii" typeface="Microsoft Yi Baiti"/>
+        <a:font script="Tibt" typeface="Microsoft Himalaya"/>
+        <a:font script="Thaa" typeface="MV Boli"/>
+        <a:font script="Deva" typeface="Mangal"/>
+        <a:font script="Telu" typeface="Gautami"/>
+        <a:font script="Taml" typeface="Latha"/>
+        <a:font script="Syrc" typeface="Estrangelo Edessa"/>
+        <a:font script="Orya" typeface="Kalinga"/>
+        <a:font script="Mlym" typeface="Kartika"/>
+        <a:font script="Laoo" typeface="DokChampa"/>
+        <a:font script="Sinh" typeface="Iskoola Pota"/>
+        <a:font script="Mong" typeface="Mongolian Baiti"/>
+        <a:font script="Viet" typeface="Tahoma"/>
         <a:font script="Uigh" typeface="Microsoft Uighur"/>
         <a:font script="Geor" typeface="Sylfaen"/>
       </a:minorFont>
     </a:fontScheme>
-    <a:fmtScheme name="Office">
+    <a:fmtScheme name="Wisp">
       <a:fillStyleLst>
         <a:solidFill>
           <a:schemeClr val="phClr"/>
+        </a:solidFill>
+        <a:solidFill>
+          <a:schemeClr val="phClr">
+            <a:tint val="70000"/>
+            <a:lumMod val="104000"/>
+          </a:schemeClr>
         </a:solidFill>
         <a:gradFill rotWithShape="1">
           <a:gsLst>
             <a:gs pos="0">
               <a:schemeClr val="phClr">
-                <a:tint val="50000"/>
-                <a:satMod val="300000"/>
-              </a:schemeClr>
-            </a:gs>
-            <a:gs pos="35000">
-              <a:schemeClr val="phClr">
-                <a:tint val="37000"/>
-                <a:satMod val="300000"/>
+                <a:tint val="96000"/>
+                <a:lumMod val="104000"/>
               </a:schemeClr>
             </a:gs>
             <a:gs pos="100000">
               <a:schemeClr val="phClr">
-                <a:tint val="15000"/>
-                <a:satMod val="350000"/>
+                <a:shade val="98000"/>
+                <a:lumMod val="94000"/>
               </a:schemeClr>
             </a:gs>
           </a:gsLst>
-          <a:lin ang="16200000" scaled="1"/>
-        </a:gradFill>
-        <a:gradFill rotWithShape="1">
-          <a:gsLst>
-            <a:gs pos="0">
-              <a:schemeClr val="phClr">
-                <a:tint val="100000"/>
-                <a:shade val="100000"/>
-                <a:satMod val="130000"/>
-              </a:schemeClr>
-            </a:gs>
-            <a:gs pos="100000">
-              <a:schemeClr val="phClr">
-                <a:tint val="50000"/>
-                <a:shade val="100000"/>
-                <a:satMod val="350000"/>
-              </a:schemeClr>
-            </a:gs>
-          </a:gsLst>
-          <a:lin ang="16200000" scaled="0"/>
+          <a:lin ang="5400000" scaled="0"/>
         </a:gradFill>
       </a:fillStyleLst>
       <a:lnStyleLst>
-        <a:ln w="9525" cap="flat" cmpd="sng" algn="ctr">
+        <a:ln w="9525" cap="rnd" cmpd="sng" algn="ctr">
           <a:solidFill>
             <a:schemeClr val="phClr">
-              <a:shade val="95000"/>
-              <a:satMod val="105000"/>
+              <a:shade val="90000"/>
             </a:schemeClr>
           </a:solidFill>
           <a:prstDash val="solid"/>
         </a:ln>
-        <a:ln w="25400" cap="flat" cmpd="sng" algn="ctr">
+        <a:ln w="15875" cap="rnd" cmpd="sng" algn="ctr">
           <a:solidFill>
             <a:schemeClr val="phClr"/>
           </a:solidFill>
           <a:prstDash val="solid"/>
         </a:ln>
-        <a:ln w="38100" cap="flat" cmpd="sng" algn="ctr">
+        <a:ln w="22225" cap="rnd" cmpd="sng" algn="ctr">
           <a:solidFill>
             <a:schemeClr val="phClr"/>
           </a:solidFill>
@@ -3817,42 +9937,25 @@
       </a:lnStyleLst>
       <a:effectStyleLst>
         <a:effectStyle>
+          <a:effectLst/>
+        </a:effectStyle>
+        <a:effectStyle>
           <a:effectLst>
-            <a:outerShdw blurRad="40000" dist="20000" dir="5400000" rotWithShape="0">
+            <a:outerShdw blurRad="38100" dist="25400" dir="5400000" rotWithShape="0">
               <a:srgbClr val="000000">
-                <a:alpha val="38000"/>
+                <a:alpha val="25000"/>
               </a:srgbClr>
             </a:outerShdw>
           </a:effectLst>
         </a:effectStyle>
         <a:effectStyle>
           <a:effectLst>
-            <a:outerShdw blurRad="40000" dist="23000" dir="5400000" rotWithShape="0">
+            <a:outerShdw blurRad="50800" dist="38100" dir="5400000" rotWithShape="0">
               <a:srgbClr val="000000">
-                <a:alpha val="35000"/>
+                <a:alpha val="60000"/>
               </a:srgbClr>
             </a:outerShdw>
           </a:effectLst>
-        </a:effectStyle>
-        <a:effectStyle>
-          <a:effectLst>
-            <a:outerShdw blurRad="40000" dist="23000" dir="5400000" rotWithShape="0">
-              <a:srgbClr val="000000">
-                <a:alpha val="35000"/>
-              </a:srgbClr>
-            </a:outerShdw>
-          </a:effectLst>
-          <a:scene3d>
-            <a:camera prst="orthographicFront">
-              <a:rot lat="0" lon="0" rev="0"/>
-            </a:camera>
-            <a:lightRig rig="threePt" dir="t">
-              <a:rot lat="0" lon="0" rev="1200000"/>
-            </a:lightRig>
-          </a:scene3d>
-          <a:sp3d>
-            <a:bevelT w="63500" h="25400"/>
-          </a:sp3d>
         </a:effectStyle>
       </a:effectStyleLst>
       <a:bgFillStyleLst>
@@ -3863,90 +9966,50 @@
           <a:gsLst>
             <a:gs pos="0">
               <a:schemeClr val="phClr">
-                <a:tint val="40000"/>
-                <a:satMod val="350000"/>
-              </a:schemeClr>
-            </a:gs>
-            <a:gs pos="40000">
-              <a:schemeClr val="phClr">
-                <a:tint val="45000"/>
-                <a:shade val="99000"/>
-                <a:satMod val="350000"/>
+                <a:tint val="90000"/>
+                <a:lumMod val="120000"/>
               </a:schemeClr>
             </a:gs>
             <a:gs pos="100000">
               <a:schemeClr val="phClr">
-                <a:shade val="20000"/>
-                <a:satMod val="255000"/>
+                <a:shade val="98000"/>
+                <a:satMod val="120000"/>
+                <a:lumMod val="98000"/>
               </a:schemeClr>
             </a:gs>
           </a:gsLst>
-          <a:path path="circle">
-            <a:fillToRect l="50000" t="-80000" r="50000" b="180000"/>
-          </a:path>
+          <a:lin ang="5400000" scaled="0"/>
         </a:gradFill>
         <a:gradFill rotWithShape="1">
           <a:gsLst>
             <a:gs pos="0">
               <a:schemeClr val="phClr">
-                <a:tint val="80000"/>
-                <a:satMod val="300000"/>
+                <a:tint val="90000"/>
+                <a:satMod val="92000"/>
+                <a:lumMod val="120000"/>
               </a:schemeClr>
             </a:gs>
             <a:gs pos="100000">
               <a:schemeClr val="phClr">
-                <a:shade val="30000"/>
-                <a:satMod val="200000"/>
+                <a:shade val="98000"/>
+                <a:satMod val="120000"/>
+                <a:lumMod val="98000"/>
               </a:schemeClr>
             </a:gs>
           </a:gsLst>
           <a:path path="circle">
-            <a:fillToRect l="50000" t="50000" r="50000" b="50000"/>
+            <a:fillToRect l="50000" t="50000" r="100000" b="100000"/>
           </a:path>
         </a:gradFill>
       </a:bgFillStyleLst>
     </a:fmtScheme>
   </a:themeElements>
-  <a:objectDefaults>
-    <a:spDef>
-      <a:spPr/>
-      <a:bodyPr/>
-      <a:lstStyle/>
-      <a:style>
-        <a:lnRef idx="1">
-          <a:schemeClr val="accent1"/>
-        </a:lnRef>
-        <a:fillRef idx="3">
-          <a:schemeClr val="accent1"/>
-        </a:fillRef>
-        <a:effectRef idx="2">
-          <a:schemeClr val="accent1"/>
-        </a:effectRef>
-        <a:fontRef idx="minor">
-          <a:schemeClr val="lt1"/>
-        </a:fontRef>
-      </a:style>
-    </a:spDef>
-    <a:lnDef>
-      <a:spPr/>
-      <a:bodyPr/>
-      <a:lstStyle/>
-      <a:style>
-        <a:lnRef idx="2">
-          <a:schemeClr val="accent1"/>
-        </a:lnRef>
-        <a:fillRef idx="0">
-          <a:schemeClr val="accent1"/>
-        </a:fillRef>
-        <a:effectRef idx="1">
-          <a:schemeClr val="accent1"/>
-        </a:effectRef>
-        <a:fontRef idx="minor">
-          <a:schemeClr val="tx1"/>
-        </a:fontRef>
-      </a:style>
-    </a:lnDef>
-  </a:objectDefaults>
+  <a:objectDefaults/>
   <a:extraClrSchemeLst/>
+  <a:extLst>
+    <a:ext uri="{05A4C25C-085E-4340-85A3-A5531E510DB2}">
+      <thm15:themeFamily xmlns:thm15="http://schemas.microsoft.com/office/thememl/2012/main" name="Wisp" id="{7CB32D59-10C0-40DD-B7BD-2E94284A981C}" vid="{4F34B87B-9C7A-41AE-A6CB-48536223DFFD}"/>
+    </a:ext>
+  </a:extLst>
 </a:theme>
 </file>